--- a/docs/presentation/presentation.pptx
+++ b/docs/presentation/presentation.pptx
@@ -10,21 +10,21 @@
     <p:sldId id="263" r:id="rId4"/>
     <p:sldId id="265" r:id="rId5"/>
     <p:sldId id="266" r:id="rId6"/>
-    <p:sldId id="267" r:id="rId7"/>
-    <p:sldId id="269" r:id="rId8"/>
-    <p:sldId id="270" r:id="rId9"/>
-    <p:sldId id="271" r:id="rId10"/>
-    <p:sldId id="272" r:id="rId11"/>
-    <p:sldId id="273" r:id="rId12"/>
-    <p:sldId id="274" r:id="rId13"/>
-    <p:sldId id="275" r:id="rId14"/>
-    <p:sldId id="276" r:id="rId15"/>
-    <p:sldId id="277" r:id="rId16"/>
-    <p:sldId id="278" r:id="rId17"/>
-    <p:sldId id="279" r:id="rId18"/>
-    <p:sldId id="280" r:id="rId19"/>
-    <p:sldId id="281" r:id="rId20"/>
-    <p:sldId id="264" r:id="rId21"/>
+    <p:sldId id="269" r:id="rId7"/>
+    <p:sldId id="270" r:id="rId8"/>
+    <p:sldId id="271" r:id="rId9"/>
+    <p:sldId id="272" r:id="rId10"/>
+    <p:sldId id="273" r:id="rId11"/>
+    <p:sldId id="274" r:id="rId12"/>
+    <p:sldId id="275" r:id="rId13"/>
+    <p:sldId id="276" r:id="rId14"/>
+    <p:sldId id="277" r:id="rId15"/>
+    <p:sldId id="278" r:id="rId16"/>
+    <p:sldId id="279" r:id="rId17"/>
+    <p:sldId id="280" r:id="rId18"/>
+    <p:sldId id="281" r:id="rId19"/>
+    <p:sldId id="264" r:id="rId20"/>
+    <p:sldId id="267" r:id="rId21"/>
   </p:sldIdLst>
   <p:sldSz cx="9144000" cy="5715000" type="screen16x10"/>
   <p:notesSz cx="6858000" cy="9144000"/>
@@ -4816,7 +4816,7 @@
           <a:p>
             <a:fld id="{B96E2279-029F-964F-A5B1-8676BDA67CCA}" type="datetimeFigureOut">
               <a:rPr lang="it-IT" smtClean="0"/>
-              <a:t>28/09/23</a:t>
+              <a:t>29/09/23</a:t>
             </a:fld>
             <a:endParaRPr lang="it-IT"/>
           </a:p>
@@ -5018,7 +5018,7 @@
           <a:p>
             <a:fld id="{B96E2279-029F-964F-A5B1-8676BDA67CCA}" type="datetimeFigureOut">
               <a:rPr lang="it-IT" smtClean="0"/>
-              <a:t>28/09/23</a:t>
+              <a:t>29/09/23</a:t>
             </a:fld>
             <a:endParaRPr lang="it-IT"/>
           </a:p>
@@ -9983,7 +9983,7 @@
           <a:p>
             <a:fld id="{B96E2279-029F-964F-A5B1-8676BDA67CCA}" type="datetimeFigureOut">
               <a:rPr lang="it-IT" smtClean="0"/>
-              <a:t>28/09/23</a:t>
+              <a:t>29/09/23</a:t>
             </a:fld>
             <a:endParaRPr lang="it-IT"/>
           </a:p>
@@ -10292,7 +10292,7 @@
           <a:p>
             <a:fld id="{B96E2279-029F-964F-A5B1-8676BDA67CCA}" type="datetimeFigureOut">
               <a:rPr lang="it-IT" smtClean="0"/>
-              <a:t>28/09/23</a:t>
+              <a:t>29/09/23</a:t>
             </a:fld>
             <a:endParaRPr lang="it-IT"/>
           </a:p>
@@ -10735,7 +10735,7 @@
           <a:p>
             <a:fld id="{B96E2279-029F-964F-A5B1-8676BDA67CCA}" type="datetimeFigureOut">
               <a:rPr lang="it-IT" smtClean="0"/>
-              <a:t>28/09/23</a:t>
+              <a:t>29/09/23</a:t>
             </a:fld>
             <a:endParaRPr lang="it-IT"/>
           </a:p>
@@ -10876,7 +10876,7 @@
           <a:p>
             <a:fld id="{B96E2279-029F-964F-A5B1-8676BDA67CCA}" type="datetimeFigureOut">
               <a:rPr lang="it-IT" smtClean="0"/>
-              <a:t>28/09/23</a:t>
+              <a:t>29/09/23</a:t>
             </a:fld>
             <a:endParaRPr lang="it-IT"/>
           </a:p>
@@ -10995,7 +10995,7 @@
           <a:p>
             <a:fld id="{B96E2279-029F-964F-A5B1-8676BDA67CCA}" type="datetimeFigureOut">
               <a:rPr lang="it-IT" smtClean="0"/>
-              <a:t>28/09/23</a:t>
+              <a:t>29/09/23</a:t>
             </a:fld>
             <a:endParaRPr lang="it-IT"/>
           </a:p>
@@ -11294,7 +11294,7 @@
           <a:p>
             <a:fld id="{B96E2279-029F-964F-A5B1-8676BDA67CCA}" type="datetimeFigureOut">
               <a:rPr lang="it-IT" smtClean="0"/>
-              <a:t>28/09/23</a:t>
+              <a:t>29/09/23</a:t>
             </a:fld>
             <a:endParaRPr lang="it-IT"/>
           </a:p>
@@ -11573,7 +11573,7 @@
           <a:p>
             <a:fld id="{B96E2279-029F-964F-A5B1-8676BDA67CCA}" type="datetimeFigureOut">
               <a:rPr lang="it-IT" smtClean="0"/>
-              <a:t>28/09/23</a:t>
+              <a:t>29/09/23</a:t>
             </a:fld>
             <a:endParaRPr lang="it-IT"/>
           </a:p>
@@ -12479,753 +12479,6 @@
         <p:spPr>
           <a:xfrm>
             <a:off x="8595988" y="5373086"/>
-            <a:ext cx="332142" cy="276999"/>
-          </a:xfrm>
-          <a:prstGeom prst="rect">
-            <a:avLst/>
-          </a:prstGeom>
-          <a:noFill/>
-        </p:spPr>
-        <p:txBody>
-          <a:bodyPr wrap="none" rtlCol="0">
-            <a:spAutoFit/>
-          </a:bodyPr>
-          <a:lstStyle/>
-          <a:p>
-            <a:r>
-              <a:rPr lang="en-GB" sz="1200" dirty="0">
-                <a:solidFill>
-                  <a:schemeClr val="bg1"/>
-                </a:solidFill>
-                <a:latin typeface="Sequel Sans Medium Disp" panose="020B0503050000020004" pitchFamily="34" charset="77"/>
-              </a:rPr>
-              <a:t>10</a:t>
-            </a:r>
-          </a:p>
-        </p:txBody>
-      </p:sp>
-      <p:sp>
-        <p:nvSpPr>
-          <p:cNvPr id="9" name="CasellaDiTesto 8">
-            <a:extLst>
-              <a:ext uri="{FF2B5EF4-FFF2-40B4-BE49-F238E27FC236}">
-                <a16:creationId xmlns:a16="http://schemas.microsoft.com/office/drawing/2014/main" id="{41102EC2-57C7-C247-6A71-D4C9AD649DD6}"/>
-              </a:ext>
-            </a:extLst>
-          </p:cNvPr>
-          <p:cNvSpPr txBox="1"/>
-          <p:nvPr/>
-        </p:nvSpPr>
-        <p:spPr>
-          <a:xfrm>
-            <a:off x="360000" y="180000"/>
-            <a:ext cx="3818225" cy="523220"/>
-          </a:xfrm>
-          <a:prstGeom prst="rect">
-            <a:avLst/>
-          </a:prstGeom>
-          <a:noFill/>
-        </p:spPr>
-        <p:txBody>
-          <a:bodyPr wrap="none" rtlCol="0">
-            <a:spAutoFit/>
-          </a:bodyPr>
-          <a:lstStyle/>
-          <a:p>
-            <a:r>
-              <a:rPr lang="en-GB" sz="2800" b="1" dirty="0">
-                <a:latin typeface="Söhne Halbfett" panose="020B0503030202060203" pitchFamily="34" charset="77"/>
-              </a:rPr>
-              <a:t>From PyTorch to MLIR</a:t>
-            </a:r>
-          </a:p>
-        </p:txBody>
-      </p:sp>
-      <p:sp>
-        <p:nvSpPr>
-          <p:cNvPr id="10" name="Rettangolo 9">
-            <a:extLst>
-              <a:ext uri="{FF2B5EF4-FFF2-40B4-BE49-F238E27FC236}">
-                <a16:creationId xmlns:a16="http://schemas.microsoft.com/office/drawing/2014/main" id="{1EB42C2E-6428-0DC5-4536-2EC94B06E0FA}"/>
-              </a:ext>
-            </a:extLst>
-          </p:cNvPr>
-          <p:cNvSpPr/>
-          <p:nvPr/>
-        </p:nvSpPr>
-        <p:spPr>
-          <a:xfrm flipV="1">
-            <a:off x="359999" y="648000"/>
-            <a:ext cx="4006800" cy="72000"/>
-          </a:xfrm>
-          <a:prstGeom prst="rect">
-            <a:avLst/>
-          </a:prstGeom>
-          <a:solidFill>
-            <a:srgbClr val="728FA5"/>
-          </a:solidFill>
-          <a:ln>
-            <a:noFill/>
-          </a:ln>
-          <a:effectLst/>
-        </p:spPr>
-        <p:style>
-          <a:lnRef idx="1">
-            <a:schemeClr val="accent1"/>
-          </a:lnRef>
-          <a:fillRef idx="3">
-            <a:schemeClr val="accent1"/>
-          </a:fillRef>
-          <a:effectRef idx="2">
-            <a:schemeClr val="accent1"/>
-          </a:effectRef>
-          <a:fontRef idx="minor">
-            <a:schemeClr val="lt1"/>
-          </a:fontRef>
-        </p:style>
-        <p:txBody>
-          <a:bodyPr rtlCol="0" anchor="ctr"/>
-          <a:lstStyle/>
-          <a:p>
-            <a:pPr algn="ctr"/>
-            <a:endParaRPr lang="it-IT" sz="1500" dirty="0"/>
-          </a:p>
-        </p:txBody>
-      </p:sp>
-      <p:sp>
-        <p:nvSpPr>
-          <p:cNvPr id="2" name="CasellaDiTesto 1">
-            <a:extLst>
-              <a:ext uri="{FF2B5EF4-FFF2-40B4-BE49-F238E27FC236}">
-                <a16:creationId xmlns:a16="http://schemas.microsoft.com/office/drawing/2014/main" id="{96138985-2159-F34D-0EAB-F406459DDBCC}"/>
-              </a:ext>
-            </a:extLst>
-          </p:cNvPr>
-          <p:cNvSpPr txBox="1"/>
-          <p:nvPr/>
-        </p:nvSpPr>
-        <p:spPr>
-          <a:xfrm>
-            <a:off x="740227" y="1212658"/>
-            <a:ext cx="4167798" cy="3477875"/>
-          </a:xfrm>
-          <a:prstGeom prst="rect">
-            <a:avLst/>
-          </a:prstGeom>
-        </p:spPr>
-        <p:txBody>
-          <a:bodyPr wrap="square" rtlCol="0">
-            <a:spAutoFit/>
-          </a:bodyPr>
-          <a:lstStyle/>
-          <a:p>
-            <a:r>
-              <a:rPr lang="en-GB" sz="2000" dirty="0">
-                <a:latin typeface="Sequel Sans Book Head" panose="020B0503050000020004" pitchFamily="34" charset="77"/>
-              </a:rPr>
-              <a:t>Torch script is an intermediate representation used to generate serializable and optimizable models directly from PyTorch code; it represents the bridge between PyTorch and Torch-MLIR. </a:t>
-            </a:r>
-          </a:p>
-          <a:p>
-            <a:endParaRPr lang="en-GB" sz="2000" dirty="0">
-              <a:latin typeface="Sequel Sans Book Head" panose="020B0503050000020004" pitchFamily="34" charset="77"/>
-            </a:endParaRPr>
-          </a:p>
-          <a:p>
-            <a:r>
-              <a:rPr lang="en-GB" sz="2000" dirty="0">
-                <a:latin typeface="Sequel Sans Book Head" panose="020B0503050000020004" pitchFamily="34" charset="77"/>
-              </a:rPr>
-              <a:t>The model must be adapted to Torch Script, then it can be compiled using Torch-MLIR to obtain its MLIR representation.</a:t>
-            </a:r>
-          </a:p>
-        </p:txBody>
-      </p:sp>
-      <p:grpSp>
-        <p:nvGrpSpPr>
-          <p:cNvPr id="20" name="Gruppo 19">
-            <a:extLst>
-              <a:ext uri="{FF2B5EF4-FFF2-40B4-BE49-F238E27FC236}">
-                <a16:creationId xmlns:a16="http://schemas.microsoft.com/office/drawing/2014/main" id="{B003B4C5-C2E1-8EBC-CDFB-A2B4E5FAF963}"/>
-              </a:ext>
-            </a:extLst>
-          </p:cNvPr>
-          <p:cNvGrpSpPr/>
-          <p:nvPr/>
-        </p:nvGrpSpPr>
-        <p:grpSpPr>
-          <a:xfrm>
-            <a:off x="4935618" y="1387718"/>
-            <a:ext cx="3460885" cy="3243841"/>
-            <a:chOff x="4715810" y="1577803"/>
-            <a:chExt cx="3460885" cy="3243841"/>
-          </a:xfrm>
-        </p:grpSpPr>
-        <p:grpSp>
-          <p:nvGrpSpPr>
-            <p:cNvPr id="17" name="Gruppo 16">
-              <a:extLst>
-                <a:ext uri="{FF2B5EF4-FFF2-40B4-BE49-F238E27FC236}">
-                  <a16:creationId xmlns:a16="http://schemas.microsoft.com/office/drawing/2014/main" id="{8B53DB9B-5185-D7B1-EA69-99D0B2E26323}"/>
-                </a:ext>
-              </a:extLst>
-            </p:cNvPr>
-            <p:cNvGrpSpPr/>
-            <p:nvPr/>
-          </p:nvGrpSpPr>
-          <p:grpSpPr>
-            <a:xfrm>
-              <a:off x="4715810" y="1577803"/>
-              <a:ext cx="3460885" cy="3243841"/>
-              <a:chOff x="5281475" y="2415480"/>
-              <a:chExt cx="3460885" cy="3243841"/>
-            </a:xfrm>
-          </p:grpSpPr>
-          <p:grpSp>
-            <p:nvGrpSpPr>
-              <p:cNvPr id="3" name="Gruppo 2">
-                <a:extLst>
-                  <a:ext uri="{FF2B5EF4-FFF2-40B4-BE49-F238E27FC236}">
-                    <a16:creationId xmlns:a16="http://schemas.microsoft.com/office/drawing/2014/main" id="{432B210D-2B1F-422F-7A43-0344CC990BAD}"/>
-                  </a:ext>
-                </a:extLst>
-              </p:cNvPr>
-              <p:cNvGrpSpPr/>
-              <p:nvPr/>
-            </p:nvGrpSpPr>
-            <p:grpSpPr>
-              <a:xfrm>
-                <a:off x="5281475" y="2415480"/>
-                <a:ext cx="3460885" cy="2651694"/>
-                <a:chOff x="5127556" y="1439162"/>
-                <a:chExt cx="3460885" cy="2651694"/>
-              </a:xfrm>
-            </p:grpSpPr>
-            <p:sp>
-              <p:nvSpPr>
-                <p:cNvPr id="6" name="CasellaDiTesto 5">
-                  <a:extLst>
-                    <a:ext uri="{FF2B5EF4-FFF2-40B4-BE49-F238E27FC236}">
-                      <a16:creationId xmlns:a16="http://schemas.microsoft.com/office/drawing/2014/main" id="{8DE73085-0175-DD07-5F0A-FA09A657A04C}"/>
-                    </a:ext>
-                  </a:extLst>
-                </p:cNvPr>
-                <p:cNvSpPr txBox="1"/>
-                <p:nvPr/>
-              </p:nvSpPr>
-              <p:spPr>
-                <a:xfrm>
-                  <a:off x="5127556" y="1439162"/>
-                  <a:ext cx="3460885" cy="584775"/>
-                </a:xfrm>
-                <a:prstGeom prst="rect">
-                  <a:avLst/>
-                </a:prstGeom>
-                <a:noFill/>
-              </p:spPr>
-              <p:txBody>
-                <a:bodyPr wrap="square" rtlCol="0">
-                  <a:spAutoFit/>
-                </a:bodyPr>
-                <a:lstStyle/>
-                <a:p>
-                  <a:pPr algn="ctr"/>
-                  <a:r>
-                    <a:rPr lang="en-GB" sz="1600" b="1" dirty="0">
-                      <a:latin typeface="Sequel Sans Semi Bold Head" panose="020B0503050000020004" pitchFamily="34" charset="77"/>
-                    </a:rPr>
-                    <a:t>Model PyTorch </a:t>
-                  </a:r>
-                </a:p>
-                <a:p>
-                  <a:pPr algn="ctr"/>
-                  <a:r>
-                    <a:rPr lang="en-GB" sz="1600" b="1" dirty="0">
-                      <a:latin typeface="Sequel Sans Semi Bold Head" panose="020B0503050000020004" pitchFamily="34" charset="77"/>
-                    </a:rPr>
-                    <a:t>implementation</a:t>
-                  </a:r>
-                </a:p>
-              </p:txBody>
-            </p:sp>
-            <p:sp>
-              <p:nvSpPr>
-                <p:cNvPr id="7" name="CasellaDiTesto 6">
-                  <a:extLst>
-                    <a:ext uri="{FF2B5EF4-FFF2-40B4-BE49-F238E27FC236}">
-                      <a16:creationId xmlns:a16="http://schemas.microsoft.com/office/drawing/2014/main" id="{66EBB242-56EC-490E-9A89-D78C5A2D57D9}"/>
-                    </a:ext>
-                  </a:extLst>
-                </p:cNvPr>
-                <p:cNvSpPr txBox="1"/>
-                <p:nvPr/>
-              </p:nvSpPr>
-              <p:spPr>
-                <a:xfrm>
-                  <a:off x="5257797" y="2263729"/>
-                  <a:ext cx="3200404" cy="584775"/>
-                </a:xfrm>
-                <a:prstGeom prst="rect">
-                  <a:avLst/>
-                </a:prstGeom>
-                <a:noFill/>
-              </p:spPr>
-              <p:txBody>
-                <a:bodyPr wrap="square" rtlCol="0">
-                  <a:spAutoFit/>
-                </a:bodyPr>
-                <a:lstStyle/>
-                <a:p>
-                  <a:pPr algn="ctr"/>
-                  <a:r>
-                    <a:rPr lang="en-GB" sz="1600" b="1" dirty="0">
-                      <a:latin typeface="Sequel Sans Semi Bold Head" panose="020B0503050000020004" pitchFamily="34" charset="77"/>
-                    </a:rPr>
-                    <a:t>Adapt model</a:t>
-                  </a:r>
-                </a:p>
-                <a:p>
-                  <a:pPr algn="ctr"/>
-                  <a:r>
-                    <a:rPr lang="en-GB" sz="1600" b="1" dirty="0">
-                      <a:latin typeface="Sequel Sans Semi Bold Head" panose="020B0503050000020004" pitchFamily="34" charset="77"/>
-                    </a:rPr>
-                    <a:t>to Torch Script</a:t>
-                  </a:r>
-                </a:p>
-              </p:txBody>
-            </p:sp>
-            <p:sp>
-              <p:nvSpPr>
-                <p:cNvPr id="8" name="CasellaDiTesto 7">
-                  <a:extLst>
-                    <a:ext uri="{FF2B5EF4-FFF2-40B4-BE49-F238E27FC236}">
-                      <a16:creationId xmlns:a16="http://schemas.microsoft.com/office/drawing/2014/main" id="{E3B8F603-0264-9C84-EB1F-E546F147EE76}"/>
-                    </a:ext>
-                  </a:extLst>
-                </p:cNvPr>
-                <p:cNvSpPr txBox="1"/>
-                <p:nvPr/>
-              </p:nvSpPr>
-              <p:spPr>
-                <a:xfrm>
-                  <a:off x="5829291" y="3752302"/>
-                  <a:ext cx="2057418" cy="338554"/>
-                </a:xfrm>
-                <a:prstGeom prst="rect">
-                  <a:avLst/>
-                </a:prstGeom>
-                <a:noFill/>
-              </p:spPr>
-              <p:txBody>
-                <a:bodyPr wrap="square" rtlCol="0">
-                  <a:spAutoFit/>
-                </a:bodyPr>
-                <a:lstStyle/>
-                <a:p>
-                  <a:pPr algn="ctr"/>
-                  <a:r>
-                    <a:rPr lang="en-GB" sz="1600" b="1" dirty="0">
-                      <a:latin typeface="Sequel Sans Semi Bold Head" panose="020B0503050000020004" pitchFamily="34" charset="77"/>
-                    </a:rPr>
-                    <a:t>torch_mlir.compile</a:t>
-                  </a:r>
-                </a:p>
-              </p:txBody>
-            </p:sp>
-            <p:cxnSp>
-              <p:nvCxnSpPr>
-                <p:cNvPr id="11" name="Connettore 2 10">
-                  <a:extLst>
-                    <a:ext uri="{FF2B5EF4-FFF2-40B4-BE49-F238E27FC236}">
-                      <a16:creationId xmlns:a16="http://schemas.microsoft.com/office/drawing/2014/main" id="{4D698DC7-9BD6-E588-AA91-1CFBE5F706E5}"/>
-                    </a:ext>
-                  </a:extLst>
-                </p:cNvPr>
-                <p:cNvCxnSpPr>
-                  <a:cxnSpLocks/>
-                </p:cNvCxnSpPr>
-                <p:nvPr/>
-              </p:nvCxnSpPr>
-              <p:spPr>
-                <a:xfrm>
-                  <a:off x="6861778" y="2086655"/>
-                  <a:ext cx="0" cy="168469"/>
-                </a:xfrm>
-                <a:prstGeom prst="straightConnector1">
-                  <a:avLst/>
-                </a:prstGeom>
-                <a:ln w="15875" cap="flat" cmpd="sng" algn="ctr">
-                  <a:solidFill>
-                    <a:schemeClr val="accent1"/>
-                  </a:solidFill>
-                  <a:prstDash val="solid"/>
-                  <a:round/>
-                  <a:headEnd type="none" w="med" len="med"/>
-                  <a:tailEnd type="arrow" w="med" len="med"/>
-                </a:ln>
-              </p:spPr>
-              <p:style>
-                <a:lnRef idx="0">
-                  <a:scrgbClr r="0" g="0" b="0"/>
-                </a:lnRef>
-                <a:fillRef idx="0">
-                  <a:scrgbClr r="0" g="0" b="0"/>
-                </a:fillRef>
-                <a:effectRef idx="0">
-                  <a:scrgbClr r="0" g="0" b="0"/>
-                </a:effectRef>
-                <a:fontRef idx="minor">
-                  <a:schemeClr val="tx1"/>
-                </a:fontRef>
-              </p:style>
-            </p:cxnSp>
-            <p:cxnSp>
-              <p:nvCxnSpPr>
-                <p:cNvPr id="12" name="Connettore 2 11">
-                  <a:extLst>
-                    <a:ext uri="{FF2B5EF4-FFF2-40B4-BE49-F238E27FC236}">
-                      <a16:creationId xmlns:a16="http://schemas.microsoft.com/office/drawing/2014/main" id="{1B8AA04D-7B40-120B-C28E-D8EF6BA08969}"/>
-                    </a:ext>
-                  </a:extLst>
-                </p:cNvPr>
-                <p:cNvCxnSpPr>
-                  <a:cxnSpLocks/>
-                </p:cNvCxnSpPr>
-                <p:nvPr/>
-              </p:nvCxnSpPr>
-              <p:spPr>
-                <a:xfrm>
-                  <a:off x="6861600" y="2918806"/>
-                  <a:ext cx="0" cy="168469"/>
-                </a:xfrm>
-                <a:prstGeom prst="straightConnector1">
-                  <a:avLst/>
-                </a:prstGeom>
-                <a:ln w="15875" cap="flat" cmpd="sng" algn="ctr">
-                  <a:solidFill>
-                    <a:schemeClr val="accent1"/>
-                  </a:solidFill>
-                  <a:prstDash val="solid"/>
-                  <a:round/>
-                  <a:headEnd type="none" w="med" len="med"/>
-                  <a:tailEnd type="arrow" w="med" len="med"/>
-                </a:ln>
-              </p:spPr>
-              <p:style>
-                <a:lnRef idx="0">
-                  <a:scrgbClr r="0" g="0" b="0"/>
-                </a:lnRef>
-                <a:fillRef idx="0">
-                  <a:scrgbClr r="0" g="0" b="0"/>
-                </a:fillRef>
-                <a:effectRef idx="0">
-                  <a:scrgbClr r="0" g="0" b="0"/>
-                </a:effectRef>
-                <a:fontRef idx="minor">
-                  <a:schemeClr val="tx1"/>
-                </a:fontRef>
-              </p:style>
-            </p:cxnSp>
-          </p:grpSp>
-          <p:sp>
-            <p:nvSpPr>
-              <p:cNvPr id="15" name="CasellaDiTesto 14">
-                <a:extLst>
-                  <a:ext uri="{FF2B5EF4-FFF2-40B4-BE49-F238E27FC236}">
-                    <a16:creationId xmlns:a16="http://schemas.microsoft.com/office/drawing/2014/main" id="{50094E58-1DEF-E956-E200-40BAE93C9BE1}"/>
-                  </a:ext>
-                </a:extLst>
-              </p:cNvPr>
-              <p:cNvSpPr txBox="1"/>
-              <p:nvPr/>
-            </p:nvSpPr>
-            <p:spPr>
-              <a:xfrm>
-                <a:off x="5920074" y="5320767"/>
-                <a:ext cx="2190890" cy="338554"/>
-              </a:xfrm>
-              <a:prstGeom prst="rect">
-                <a:avLst/>
-              </a:prstGeom>
-              <a:noFill/>
-            </p:spPr>
-            <p:txBody>
-              <a:bodyPr wrap="square" rtlCol="0">
-                <a:spAutoFit/>
-              </a:bodyPr>
-              <a:lstStyle/>
-              <a:p>
-                <a:pPr algn="ctr"/>
-                <a:r>
-                  <a:rPr lang="en-GB" sz="1600" b="1" dirty="0">
-                    <a:latin typeface="Sequel Sans Semi Bold Head" panose="020B0503050000020004" pitchFamily="34" charset="77"/>
-                  </a:rPr>
-                  <a:t>MLIR representation</a:t>
-                </a:r>
-              </a:p>
-            </p:txBody>
-          </p:sp>
-          <p:cxnSp>
-            <p:nvCxnSpPr>
-              <p:cNvPr id="16" name="Connettore 2 15">
-                <a:extLst>
-                  <a:ext uri="{FF2B5EF4-FFF2-40B4-BE49-F238E27FC236}">
-                    <a16:creationId xmlns:a16="http://schemas.microsoft.com/office/drawing/2014/main" id="{3EEC6E2C-4407-267B-4D8B-F91CE61E70F5}"/>
-                  </a:ext>
-                </a:extLst>
-              </p:cNvPr>
-              <p:cNvCxnSpPr>
-                <a:cxnSpLocks/>
-              </p:cNvCxnSpPr>
-              <p:nvPr/>
-            </p:nvCxnSpPr>
-            <p:spPr>
-              <a:xfrm>
-                <a:off x="7019119" y="5137476"/>
-                <a:ext cx="0" cy="168469"/>
-              </a:xfrm>
-              <a:prstGeom prst="straightConnector1">
-                <a:avLst/>
-              </a:prstGeom>
-              <a:ln w="15875" cap="flat" cmpd="sng" algn="ctr">
-                <a:solidFill>
-                  <a:schemeClr val="accent1"/>
-                </a:solidFill>
-                <a:prstDash val="solid"/>
-                <a:round/>
-                <a:headEnd type="none" w="med" len="med"/>
-                <a:tailEnd type="arrow" w="med" len="med"/>
-              </a:ln>
-            </p:spPr>
-            <p:style>
-              <a:lnRef idx="0">
-                <a:scrgbClr r="0" g="0" b="0"/>
-              </a:lnRef>
-              <a:fillRef idx="0">
-                <a:scrgbClr r="0" g="0" b="0"/>
-              </a:fillRef>
-              <a:effectRef idx="0">
-                <a:scrgbClr r="0" g="0" b="0"/>
-              </a:effectRef>
-              <a:fontRef idx="minor">
-                <a:schemeClr val="tx1"/>
-              </a:fontRef>
-            </p:style>
-          </p:cxnSp>
-        </p:grpSp>
-        <p:sp>
-          <p:nvSpPr>
-            <p:cNvPr id="18" name="CasellaDiTesto 17">
-              <a:extLst>
-                <a:ext uri="{FF2B5EF4-FFF2-40B4-BE49-F238E27FC236}">
-                  <a16:creationId xmlns:a16="http://schemas.microsoft.com/office/drawing/2014/main" id="{499067EE-E249-3746-F504-82D5A7188ADB}"/>
-                </a:ext>
-              </a:extLst>
-            </p:cNvPr>
-            <p:cNvSpPr txBox="1"/>
-            <p:nvPr/>
-          </p:nvSpPr>
-          <p:spPr>
-            <a:xfrm>
-              <a:off x="5421145" y="3293214"/>
-              <a:ext cx="2057418" cy="338554"/>
-            </a:xfrm>
-            <a:prstGeom prst="rect">
-              <a:avLst/>
-            </a:prstGeom>
-            <a:noFill/>
-          </p:spPr>
-          <p:txBody>
-            <a:bodyPr wrap="square" rtlCol="0">
-              <a:spAutoFit/>
-            </a:bodyPr>
-            <a:lstStyle/>
-            <a:p>
-              <a:pPr algn="ctr"/>
-              <a:r>
-                <a:rPr lang="en-GB" sz="1600" b="1" dirty="0">
-                  <a:latin typeface="Sequel Sans Semi Bold Head" panose="020B0503050000020004" pitchFamily="34" charset="77"/>
-                </a:rPr>
-                <a:t>Training</a:t>
-              </a:r>
-            </a:p>
-          </p:txBody>
-        </p:sp>
-        <p:cxnSp>
-          <p:nvCxnSpPr>
-            <p:cNvPr id="19" name="Connettore 2 18">
-              <a:extLst>
-                <a:ext uri="{FF2B5EF4-FFF2-40B4-BE49-F238E27FC236}">
-                  <a16:creationId xmlns:a16="http://schemas.microsoft.com/office/drawing/2014/main" id="{A15CDFF5-81F5-FCA5-2127-D3C85D448028}"/>
-                </a:ext>
-              </a:extLst>
-            </p:cNvPr>
-            <p:cNvCxnSpPr>
-              <a:cxnSpLocks/>
-            </p:cNvCxnSpPr>
-            <p:nvPr/>
-          </p:nvCxnSpPr>
-          <p:spPr>
-            <a:xfrm>
-              <a:off x="6457054" y="3702070"/>
-              <a:ext cx="0" cy="168469"/>
-            </a:xfrm>
-            <a:prstGeom prst="straightConnector1">
-              <a:avLst/>
-            </a:prstGeom>
-            <a:ln w="15875" cap="flat" cmpd="sng" algn="ctr">
-              <a:solidFill>
-                <a:schemeClr val="accent1"/>
-              </a:solidFill>
-              <a:prstDash val="solid"/>
-              <a:round/>
-              <a:headEnd type="none" w="med" len="med"/>
-              <a:tailEnd type="arrow" w="med" len="med"/>
-            </a:ln>
-          </p:spPr>
-          <p:style>
-            <a:lnRef idx="0">
-              <a:scrgbClr r="0" g="0" b="0"/>
-            </a:lnRef>
-            <a:fillRef idx="0">
-              <a:scrgbClr r="0" g="0" b="0"/>
-            </a:fillRef>
-            <a:effectRef idx="0">
-              <a:scrgbClr r="0" g="0" b="0"/>
-            </a:effectRef>
-            <a:fontRef idx="minor">
-              <a:schemeClr val="tx1"/>
-            </a:fontRef>
-          </p:style>
-        </p:cxnSp>
-      </p:grpSp>
-    </p:spTree>
-    <p:extLst>
-      <p:ext uri="{BB962C8B-B14F-4D97-AF65-F5344CB8AC3E}">
-        <p14:creationId xmlns:p14="http://schemas.microsoft.com/office/powerpoint/2010/main" val="1571603107"/>
-      </p:ext>
-    </p:extLst>
-  </p:cSld>
-  <p:clrMapOvr>
-    <a:masterClrMapping/>
-  </p:clrMapOvr>
-</p:sld>
-</file>
-
-<file path=ppt/slides/slide11.xml><?xml version="1.0" encoding="utf-8"?>
-<p:sld xmlns:a="http://schemas.openxmlformats.org/drawingml/2006/main" xmlns:r="http://schemas.openxmlformats.org/officeDocument/2006/relationships" xmlns:p="http://schemas.openxmlformats.org/presentationml/2006/main">
-  <p:cSld>
-    <p:spTree>
-      <p:nvGrpSpPr>
-        <p:cNvPr id="1" name=""/>
-        <p:cNvGrpSpPr/>
-        <p:nvPr/>
-      </p:nvGrpSpPr>
-      <p:grpSpPr>
-        <a:xfrm>
-          <a:off x="0" y="0"/>
-          <a:ext cx="0" cy="0"/>
-          <a:chOff x="0" y="0"/>
-          <a:chExt cx="0" cy="0"/>
-        </a:xfrm>
-      </p:grpSpPr>
-      <p:sp>
-        <p:nvSpPr>
-          <p:cNvPr id="134" name="Rettangolo 133">
-            <a:extLst>
-              <a:ext uri="{FF2B5EF4-FFF2-40B4-BE49-F238E27FC236}">
-                <a16:creationId xmlns:a16="http://schemas.microsoft.com/office/drawing/2014/main" id="{A8519319-7D7C-2912-7E4E-164AD4595F40}"/>
-              </a:ext>
-            </a:extLst>
-          </p:cNvPr>
-          <p:cNvSpPr/>
-          <p:nvPr/>
-        </p:nvSpPr>
-        <p:spPr>
-          <a:xfrm flipV="1">
-            <a:off x="-1" y="5277394"/>
-            <a:ext cx="9144000" cy="437606"/>
-          </a:xfrm>
-          <a:prstGeom prst="rect">
-            <a:avLst/>
-          </a:prstGeom>
-          <a:solidFill>
-            <a:srgbClr val="728FA5"/>
-          </a:solidFill>
-          <a:ln>
-            <a:noFill/>
-          </a:ln>
-          <a:effectLst/>
-        </p:spPr>
-        <p:style>
-          <a:lnRef idx="1">
-            <a:schemeClr val="accent1"/>
-          </a:lnRef>
-          <a:fillRef idx="3">
-            <a:schemeClr val="accent1"/>
-          </a:fillRef>
-          <a:effectRef idx="2">
-            <a:schemeClr val="accent1"/>
-          </a:effectRef>
-          <a:fontRef idx="minor">
-            <a:schemeClr val="lt1"/>
-          </a:fontRef>
-        </p:style>
-        <p:txBody>
-          <a:bodyPr rtlCol="0" anchor="ctr"/>
-          <a:lstStyle/>
-          <a:p>
-            <a:pPr algn="ctr"/>
-            <a:endParaRPr lang="it-IT" sz="1500" dirty="0"/>
-          </a:p>
-        </p:txBody>
-      </p:sp>
-      <p:pic>
-        <p:nvPicPr>
-          <p:cNvPr id="4" name="Immagine 3">
-            <a:extLst>
-              <a:ext uri="{FF2B5EF4-FFF2-40B4-BE49-F238E27FC236}">
-                <a16:creationId xmlns:a16="http://schemas.microsoft.com/office/drawing/2014/main" id="{D68174EB-0F70-C780-1A24-018369C83896}"/>
-              </a:ext>
-            </a:extLst>
-          </p:cNvPr>
-          <p:cNvPicPr>
-            <a:picLocks noChangeAspect="1"/>
-          </p:cNvPicPr>
-          <p:nvPr/>
-        </p:nvPicPr>
-        <p:blipFill>
-          <a:blip r:embed="rId2"/>
-          <a:stretch>
-            <a:fillRect/>
-          </a:stretch>
-        </p:blipFill>
-        <p:spPr>
-          <a:xfrm>
-            <a:off x="223884" y="5373086"/>
-            <a:ext cx="1032686" cy="288000"/>
-          </a:xfrm>
-          <a:prstGeom prst="rect">
-            <a:avLst/>
-          </a:prstGeom>
-        </p:spPr>
-      </p:pic>
-      <p:sp>
-        <p:nvSpPr>
-          <p:cNvPr id="5" name="CasellaDiTesto 4">
-            <a:extLst>
-              <a:ext uri="{FF2B5EF4-FFF2-40B4-BE49-F238E27FC236}">
-                <a16:creationId xmlns:a16="http://schemas.microsoft.com/office/drawing/2014/main" id="{1C73B393-8402-FEF9-087D-D1084857C45D}"/>
-              </a:ext>
-            </a:extLst>
-          </p:cNvPr>
-          <p:cNvSpPr txBox="1"/>
-          <p:nvPr/>
-        </p:nvSpPr>
-        <p:spPr>
-          <a:xfrm>
-            <a:off x="8595988" y="5373086"/>
             <a:ext cx="290464" cy="276999"/>
           </a:xfrm>
           <a:prstGeom prst="rect">
@@ -14228,7 +13481,7 @@
 </p:sld>
 </file>
 
-<file path=ppt/slides/slide12.xml><?xml version="1.0" encoding="utf-8"?>
+<file path=ppt/slides/slide11.xml><?xml version="1.0" encoding="utf-8"?>
 <p:sld xmlns:a="http://schemas.openxmlformats.org/drawingml/2006/main" xmlns:r="http://schemas.openxmlformats.org/officeDocument/2006/relationships" xmlns:p="http://schemas.openxmlformats.org/presentationml/2006/main">
   <p:cSld>
     <p:spTree>
@@ -14640,7 +13893,7 @@
 </p:sld>
 </file>
 
-<file path=ppt/slides/slide13.xml><?xml version="1.0" encoding="utf-8"?>
+<file path=ppt/slides/slide12.xml><?xml version="1.0" encoding="utf-8"?>
 <p:sld xmlns:a="http://schemas.openxmlformats.org/drawingml/2006/main" xmlns:r="http://schemas.openxmlformats.org/officeDocument/2006/relationships" xmlns:p="http://schemas.openxmlformats.org/presentationml/2006/main">
   <p:cSld>
     <p:spTree>
@@ -15924,7 +15177,7 @@
 </p:sld>
 </file>
 
-<file path=ppt/slides/slide14.xml><?xml version="1.0" encoding="utf-8"?>
+<file path=ppt/slides/slide13.xml><?xml version="1.0" encoding="utf-8"?>
 <p:sld xmlns:a="http://schemas.openxmlformats.org/drawingml/2006/main" xmlns:r="http://schemas.openxmlformats.org/officeDocument/2006/relationships" xmlns:p="http://schemas.openxmlformats.org/presentationml/2006/main">
   <p:cSld>
     <p:spTree>
@@ -16388,6 +15641,413 @@
 </p:sld>
 </file>
 
+<file path=ppt/slides/slide14.xml><?xml version="1.0" encoding="utf-8"?>
+<p:sld xmlns:a="http://schemas.openxmlformats.org/drawingml/2006/main" xmlns:r="http://schemas.openxmlformats.org/officeDocument/2006/relationships" xmlns:p="http://schemas.openxmlformats.org/presentationml/2006/main">
+  <p:cSld>
+    <p:spTree>
+      <p:nvGrpSpPr>
+        <p:cNvPr id="1" name=""/>
+        <p:cNvGrpSpPr/>
+        <p:nvPr/>
+      </p:nvGrpSpPr>
+      <p:grpSpPr>
+        <a:xfrm>
+          <a:off x="0" y="0"/>
+          <a:ext cx="0" cy="0"/>
+          <a:chOff x="0" y="0"/>
+          <a:chExt cx="0" cy="0"/>
+        </a:xfrm>
+      </p:grpSpPr>
+      <p:sp>
+        <p:nvSpPr>
+          <p:cNvPr id="134" name="Rettangolo 133">
+            <a:extLst>
+              <a:ext uri="{FF2B5EF4-FFF2-40B4-BE49-F238E27FC236}">
+                <a16:creationId xmlns:a16="http://schemas.microsoft.com/office/drawing/2014/main" id="{A8519319-7D7C-2912-7E4E-164AD4595F40}"/>
+              </a:ext>
+            </a:extLst>
+          </p:cNvPr>
+          <p:cNvSpPr/>
+          <p:nvPr/>
+        </p:nvSpPr>
+        <p:spPr>
+          <a:xfrm flipV="1">
+            <a:off x="-1" y="5277394"/>
+            <a:ext cx="9144000" cy="437606"/>
+          </a:xfrm>
+          <a:prstGeom prst="rect">
+            <a:avLst/>
+          </a:prstGeom>
+          <a:solidFill>
+            <a:srgbClr val="728FA5"/>
+          </a:solidFill>
+          <a:ln>
+            <a:noFill/>
+          </a:ln>
+          <a:effectLst/>
+        </p:spPr>
+        <p:style>
+          <a:lnRef idx="1">
+            <a:schemeClr val="accent1"/>
+          </a:lnRef>
+          <a:fillRef idx="3">
+            <a:schemeClr val="accent1"/>
+          </a:fillRef>
+          <a:effectRef idx="2">
+            <a:schemeClr val="accent1"/>
+          </a:effectRef>
+          <a:fontRef idx="minor">
+            <a:schemeClr val="lt1"/>
+          </a:fontRef>
+        </p:style>
+        <p:txBody>
+          <a:bodyPr rtlCol="0" anchor="ctr"/>
+          <a:lstStyle/>
+          <a:p>
+            <a:pPr algn="ctr"/>
+            <a:endParaRPr lang="it-IT" sz="1500" dirty="0"/>
+          </a:p>
+        </p:txBody>
+      </p:sp>
+      <p:pic>
+        <p:nvPicPr>
+          <p:cNvPr id="4" name="Immagine 3">
+            <a:extLst>
+              <a:ext uri="{FF2B5EF4-FFF2-40B4-BE49-F238E27FC236}">
+                <a16:creationId xmlns:a16="http://schemas.microsoft.com/office/drawing/2014/main" id="{D68174EB-0F70-C780-1A24-018369C83896}"/>
+              </a:ext>
+            </a:extLst>
+          </p:cNvPr>
+          <p:cNvPicPr>
+            <a:picLocks noChangeAspect="1"/>
+          </p:cNvPicPr>
+          <p:nvPr/>
+        </p:nvPicPr>
+        <p:blipFill>
+          <a:blip r:embed="rId2"/>
+          <a:stretch>
+            <a:fillRect/>
+          </a:stretch>
+        </p:blipFill>
+        <p:spPr>
+          <a:xfrm>
+            <a:off x="223884" y="5373086"/>
+            <a:ext cx="1032686" cy="288000"/>
+          </a:xfrm>
+          <a:prstGeom prst="rect">
+            <a:avLst/>
+          </a:prstGeom>
+        </p:spPr>
+      </p:pic>
+      <p:sp>
+        <p:nvSpPr>
+          <p:cNvPr id="5" name="CasellaDiTesto 4">
+            <a:extLst>
+              <a:ext uri="{FF2B5EF4-FFF2-40B4-BE49-F238E27FC236}">
+                <a16:creationId xmlns:a16="http://schemas.microsoft.com/office/drawing/2014/main" id="{1C73B393-8402-FEF9-087D-D1084857C45D}"/>
+              </a:ext>
+            </a:extLst>
+          </p:cNvPr>
+          <p:cNvSpPr txBox="1"/>
+          <p:nvPr/>
+        </p:nvSpPr>
+        <p:spPr>
+          <a:xfrm>
+            <a:off x="8595988" y="5373086"/>
+            <a:ext cx="322524" cy="276999"/>
+          </a:xfrm>
+          <a:prstGeom prst="rect">
+            <a:avLst/>
+          </a:prstGeom>
+          <a:noFill/>
+        </p:spPr>
+        <p:txBody>
+          <a:bodyPr wrap="none" rtlCol="0">
+            <a:spAutoFit/>
+          </a:bodyPr>
+          <a:lstStyle/>
+          <a:p>
+            <a:r>
+              <a:rPr lang="en-GB" sz="1200" dirty="0">
+                <a:solidFill>
+                  <a:schemeClr val="bg1"/>
+                </a:solidFill>
+                <a:latin typeface="Sequel Sans Medium Disp" panose="020B0503050000020004" pitchFamily="34" charset="77"/>
+              </a:rPr>
+              <a:t>15</a:t>
+            </a:r>
+          </a:p>
+        </p:txBody>
+      </p:sp>
+      <p:sp>
+        <p:nvSpPr>
+          <p:cNvPr id="9" name="CasellaDiTesto 8">
+            <a:extLst>
+              <a:ext uri="{FF2B5EF4-FFF2-40B4-BE49-F238E27FC236}">
+                <a16:creationId xmlns:a16="http://schemas.microsoft.com/office/drawing/2014/main" id="{41102EC2-57C7-C247-6A71-D4C9AD649DD6}"/>
+              </a:ext>
+            </a:extLst>
+          </p:cNvPr>
+          <p:cNvSpPr txBox="1"/>
+          <p:nvPr/>
+        </p:nvSpPr>
+        <p:spPr>
+          <a:xfrm>
+            <a:off x="360000" y="180000"/>
+            <a:ext cx="2890535" cy="523220"/>
+          </a:xfrm>
+          <a:prstGeom prst="rect">
+            <a:avLst/>
+          </a:prstGeom>
+          <a:noFill/>
+        </p:spPr>
+        <p:txBody>
+          <a:bodyPr wrap="none" rtlCol="0">
+            <a:spAutoFit/>
+          </a:bodyPr>
+          <a:lstStyle/>
+          <a:p>
+            <a:r>
+              <a:rPr lang="en-GB" sz="2800" b="1" dirty="0">
+                <a:latin typeface="Söhne Halbfett" panose="020B0503030202060203" pitchFamily="34" charset="77"/>
+              </a:rPr>
+              <a:t>GCN accelerator</a:t>
+            </a:r>
+          </a:p>
+        </p:txBody>
+      </p:sp>
+      <p:sp>
+        <p:nvSpPr>
+          <p:cNvPr id="10" name="Rettangolo 9">
+            <a:extLst>
+              <a:ext uri="{FF2B5EF4-FFF2-40B4-BE49-F238E27FC236}">
+                <a16:creationId xmlns:a16="http://schemas.microsoft.com/office/drawing/2014/main" id="{1EB42C2E-6428-0DC5-4536-2EC94B06E0FA}"/>
+              </a:ext>
+            </a:extLst>
+          </p:cNvPr>
+          <p:cNvSpPr/>
+          <p:nvPr/>
+        </p:nvSpPr>
+        <p:spPr>
+          <a:xfrm flipV="1">
+            <a:off x="359999" y="648000"/>
+            <a:ext cx="3074400" cy="72000"/>
+          </a:xfrm>
+          <a:prstGeom prst="rect">
+            <a:avLst/>
+          </a:prstGeom>
+          <a:solidFill>
+            <a:srgbClr val="728FA5"/>
+          </a:solidFill>
+          <a:ln>
+            <a:noFill/>
+          </a:ln>
+          <a:effectLst/>
+        </p:spPr>
+        <p:style>
+          <a:lnRef idx="1">
+            <a:schemeClr val="accent1"/>
+          </a:lnRef>
+          <a:fillRef idx="3">
+            <a:schemeClr val="accent1"/>
+          </a:fillRef>
+          <a:effectRef idx="2">
+            <a:schemeClr val="accent1"/>
+          </a:effectRef>
+          <a:fontRef idx="minor">
+            <a:schemeClr val="lt1"/>
+          </a:fontRef>
+        </p:style>
+        <p:txBody>
+          <a:bodyPr rtlCol="0" anchor="ctr"/>
+          <a:lstStyle/>
+          <a:p>
+            <a:pPr algn="ctr"/>
+            <a:endParaRPr lang="it-IT" sz="1500" dirty="0"/>
+          </a:p>
+        </p:txBody>
+      </p:sp>
+      <p:pic>
+        <p:nvPicPr>
+          <p:cNvPr id="3" name="Immagine 2">
+            <a:extLst>
+              <a:ext uri="{FF2B5EF4-FFF2-40B4-BE49-F238E27FC236}">
+                <a16:creationId xmlns:a16="http://schemas.microsoft.com/office/drawing/2014/main" id="{7E1CC2B1-A3AA-2767-1BF2-11342F00C8CD}"/>
+              </a:ext>
+            </a:extLst>
+          </p:cNvPr>
+          <p:cNvPicPr>
+            <a:picLocks noChangeAspect="1"/>
+          </p:cNvPicPr>
+          <p:nvPr/>
+        </p:nvPicPr>
+        <p:blipFill>
+          <a:blip r:embed="rId3"/>
+          <a:stretch>
+            <a:fillRect/>
+          </a:stretch>
+        </p:blipFill>
+        <p:spPr>
+          <a:xfrm>
+            <a:off x="4283859" y="1410215"/>
+            <a:ext cx="4182902" cy="2340000"/>
+          </a:xfrm>
+          <a:prstGeom prst="rect">
+            <a:avLst/>
+          </a:prstGeom>
+        </p:spPr>
+      </p:pic>
+      <p:sp>
+        <p:nvSpPr>
+          <p:cNvPr id="6" name="CasellaDiTesto 5">
+            <a:extLst>
+              <a:ext uri="{FF2B5EF4-FFF2-40B4-BE49-F238E27FC236}">
+                <a16:creationId xmlns:a16="http://schemas.microsoft.com/office/drawing/2014/main" id="{F60B76C4-EC53-E098-3F49-86DE9ECED2A6}"/>
+              </a:ext>
+            </a:extLst>
+          </p:cNvPr>
+          <p:cNvSpPr txBox="1"/>
+          <p:nvPr/>
+        </p:nvSpPr>
+        <p:spPr>
+          <a:xfrm>
+            <a:off x="359999" y="1547068"/>
+            <a:ext cx="3696994" cy="2585323"/>
+          </a:xfrm>
+          <a:prstGeom prst="rect">
+            <a:avLst/>
+          </a:prstGeom>
+          <a:noFill/>
+        </p:spPr>
+        <p:txBody>
+          <a:bodyPr wrap="square" rtlCol="0">
+            <a:spAutoFit/>
+          </a:bodyPr>
+          <a:lstStyle/>
+          <a:p>
+            <a:r>
+              <a:rPr lang="en-GB" dirty="0">
+                <a:latin typeface="Sequel Sans Book Head" panose="020B0503050000020004" pitchFamily="34" charset="77"/>
+              </a:rPr>
+              <a:t>- analysed synthesis optimizations </a:t>
+            </a:r>
+          </a:p>
+          <a:p>
+            <a:r>
+              <a:rPr lang="en-GB" dirty="0">
+                <a:latin typeface="Sequel Sans Book Head" panose="020B0503050000020004" pitchFamily="34" charset="77"/>
+              </a:rPr>
+              <a:t>   applied to the GCN model</a:t>
+            </a:r>
+          </a:p>
+          <a:p>
+            <a:r>
+              <a:rPr lang="en-GB" dirty="0">
+                <a:latin typeface="Sequel Sans Book Head" panose="020B0503050000020004" pitchFamily="34" charset="77"/>
+              </a:rPr>
+              <a:t>- optimized accelerator uses two </a:t>
+            </a:r>
+          </a:p>
+          <a:p>
+            <a:r>
+              <a:rPr lang="en-GB" dirty="0">
+                <a:latin typeface="Sequel Sans Book Head" panose="020B0503050000020004" pitchFamily="34" charset="77"/>
+              </a:rPr>
+              <a:t>   channels with on-chip BRAMs </a:t>
+            </a:r>
+          </a:p>
+          <a:p>
+            <a:r>
+              <a:rPr lang="en-GB" dirty="0">
+                <a:latin typeface="Sequel Sans Book Head" panose="020B0503050000020004" pitchFamily="34" charset="77"/>
+              </a:rPr>
+              <a:t>   and one full unroll of the   </a:t>
+            </a:r>
+          </a:p>
+          <a:p>
+            <a:r>
+              <a:rPr lang="en-GB" dirty="0">
+                <a:latin typeface="Sequel Sans Book Head" panose="020B0503050000020004" pitchFamily="34" charset="77"/>
+              </a:rPr>
+              <a:t>   innermost loop  </a:t>
+            </a:r>
+          </a:p>
+          <a:p>
+            <a:r>
+              <a:rPr lang="en-GB" dirty="0">
+                <a:latin typeface="Sequel Sans Book Head" panose="020B0503050000020004" pitchFamily="34" charset="77"/>
+              </a:rPr>
+              <a:t>- it outperforms PyTorch</a:t>
+            </a:r>
+          </a:p>
+          <a:p>
+            <a:r>
+              <a:rPr lang="en-GB" dirty="0">
+                <a:latin typeface="Sequel Sans Book Head" panose="020B0503050000020004" pitchFamily="34" charset="77"/>
+              </a:rPr>
+              <a:t>- advantage maintained also with </a:t>
+            </a:r>
+          </a:p>
+          <a:p>
+            <a:r>
+              <a:rPr lang="en-GB" dirty="0">
+                <a:latin typeface="Sequel Sans Book Head" panose="020B0503050000020004" pitchFamily="34" charset="77"/>
+              </a:rPr>
+              <a:t>   bigger dataset sizes</a:t>
+            </a:r>
+          </a:p>
+        </p:txBody>
+      </p:sp>
+      <p:sp>
+        <p:nvSpPr>
+          <p:cNvPr id="2" name="CasellaDiTesto 1">
+            <a:extLst>
+              <a:ext uri="{FF2B5EF4-FFF2-40B4-BE49-F238E27FC236}">
+                <a16:creationId xmlns:a16="http://schemas.microsoft.com/office/drawing/2014/main" id="{473AB4B4-F985-AE34-ECC1-60F8D8A50CBD}"/>
+              </a:ext>
+            </a:extLst>
+          </p:cNvPr>
+          <p:cNvSpPr txBox="1"/>
+          <p:nvPr/>
+        </p:nvSpPr>
+        <p:spPr>
+          <a:xfrm>
+            <a:off x="4585275" y="3916704"/>
+            <a:ext cx="4048553" cy="646331"/>
+          </a:xfrm>
+          <a:prstGeom prst="rect">
+            <a:avLst/>
+          </a:prstGeom>
+          <a:noFill/>
+        </p:spPr>
+        <p:txBody>
+          <a:bodyPr wrap="square" rtlCol="0">
+            <a:spAutoFit/>
+          </a:bodyPr>
+          <a:lstStyle/>
+          <a:p>
+            <a:r>
+              <a:rPr lang="en-GB" sz="1200" dirty="0">
+                <a:latin typeface="Sequel Sans Book Head" panose="020B0503050000020004" pitchFamily="34" charset="77"/>
+              </a:rPr>
+              <a:t>Graph Convolutional Network inference time comparison between PyTorch and FPGA implementations for different sizes of the dataset.</a:t>
+            </a:r>
+          </a:p>
+        </p:txBody>
+      </p:sp>
+    </p:spTree>
+    <p:extLst>
+      <p:ext uri="{BB962C8B-B14F-4D97-AF65-F5344CB8AC3E}">
+        <p14:creationId xmlns:p14="http://schemas.microsoft.com/office/powerpoint/2010/main" val="774695393"/>
+      </p:ext>
+    </p:extLst>
+  </p:cSld>
+  <p:clrMapOvr>
+    <a:masterClrMapping/>
+  </p:clrMapOvr>
+</p:sld>
+</file>
+
 <file path=ppt/slides/slide15.xml><?xml version="1.0" encoding="utf-8"?>
 <p:sld xmlns:a="http://schemas.openxmlformats.org/drawingml/2006/main" xmlns:r="http://schemas.openxmlformats.org/officeDocument/2006/relationships" xmlns:p="http://schemas.openxmlformats.org/presentationml/2006/main">
   <p:cSld>
@@ -16501,413 +16161,6 @@
         <p:spPr>
           <a:xfrm>
             <a:off x="8595988" y="5373086"/>
-            <a:ext cx="322524" cy="276999"/>
-          </a:xfrm>
-          <a:prstGeom prst="rect">
-            <a:avLst/>
-          </a:prstGeom>
-          <a:noFill/>
-        </p:spPr>
-        <p:txBody>
-          <a:bodyPr wrap="none" rtlCol="0">
-            <a:spAutoFit/>
-          </a:bodyPr>
-          <a:lstStyle/>
-          <a:p>
-            <a:r>
-              <a:rPr lang="en-GB" sz="1200" dirty="0">
-                <a:solidFill>
-                  <a:schemeClr val="bg1"/>
-                </a:solidFill>
-                <a:latin typeface="Sequel Sans Medium Disp" panose="020B0503050000020004" pitchFamily="34" charset="77"/>
-              </a:rPr>
-              <a:t>15</a:t>
-            </a:r>
-          </a:p>
-        </p:txBody>
-      </p:sp>
-      <p:sp>
-        <p:nvSpPr>
-          <p:cNvPr id="9" name="CasellaDiTesto 8">
-            <a:extLst>
-              <a:ext uri="{FF2B5EF4-FFF2-40B4-BE49-F238E27FC236}">
-                <a16:creationId xmlns:a16="http://schemas.microsoft.com/office/drawing/2014/main" id="{41102EC2-57C7-C247-6A71-D4C9AD649DD6}"/>
-              </a:ext>
-            </a:extLst>
-          </p:cNvPr>
-          <p:cNvSpPr txBox="1"/>
-          <p:nvPr/>
-        </p:nvSpPr>
-        <p:spPr>
-          <a:xfrm>
-            <a:off x="360000" y="180000"/>
-            <a:ext cx="2890535" cy="523220"/>
-          </a:xfrm>
-          <a:prstGeom prst="rect">
-            <a:avLst/>
-          </a:prstGeom>
-          <a:noFill/>
-        </p:spPr>
-        <p:txBody>
-          <a:bodyPr wrap="none" rtlCol="0">
-            <a:spAutoFit/>
-          </a:bodyPr>
-          <a:lstStyle/>
-          <a:p>
-            <a:r>
-              <a:rPr lang="en-GB" sz="2800" b="1" dirty="0">
-                <a:latin typeface="Söhne Halbfett" panose="020B0503030202060203" pitchFamily="34" charset="77"/>
-              </a:rPr>
-              <a:t>GCN accelerator</a:t>
-            </a:r>
-          </a:p>
-        </p:txBody>
-      </p:sp>
-      <p:sp>
-        <p:nvSpPr>
-          <p:cNvPr id="10" name="Rettangolo 9">
-            <a:extLst>
-              <a:ext uri="{FF2B5EF4-FFF2-40B4-BE49-F238E27FC236}">
-                <a16:creationId xmlns:a16="http://schemas.microsoft.com/office/drawing/2014/main" id="{1EB42C2E-6428-0DC5-4536-2EC94B06E0FA}"/>
-              </a:ext>
-            </a:extLst>
-          </p:cNvPr>
-          <p:cNvSpPr/>
-          <p:nvPr/>
-        </p:nvSpPr>
-        <p:spPr>
-          <a:xfrm flipV="1">
-            <a:off x="359999" y="648000"/>
-            <a:ext cx="3074400" cy="72000"/>
-          </a:xfrm>
-          <a:prstGeom prst="rect">
-            <a:avLst/>
-          </a:prstGeom>
-          <a:solidFill>
-            <a:srgbClr val="728FA5"/>
-          </a:solidFill>
-          <a:ln>
-            <a:noFill/>
-          </a:ln>
-          <a:effectLst/>
-        </p:spPr>
-        <p:style>
-          <a:lnRef idx="1">
-            <a:schemeClr val="accent1"/>
-          </a:lnRef>
-          <a:fillRef idx="3">
-            <a:schemeClr val="accent1"/>
-          </a:fillRef>
-          <a:effectRef idx="2">
-            <a:schemeClr val="accent1"/>
-          </a:effectRef>
-          <a:fontRef idx="minor">
-            <a:schemeClr val="lt1"/>
-          </a:fontRef>
-        </p:style>
-        <p:txBody>
-          <a:bodyPr rtlCol="0" anchor="ctr"/>
-          <a:lstStyle/>
-          <a:p>
-            <a:pPr algn="ctr"/>
-            <a:endParaRPr lang="it-IT" sz="1500" dirty="0"/>
-          </a:p>
-        </p:txBody>
-      </p:sp>
-      <p:pic>
-        <p:nvPicPr>
-          <p:cNvPr id="3" name="Immagine 2">
-            <a:extLst>
-              <a:ext uri="{FF2B5EF4-FFF2-40B4-BE49-F238E27FC236}">
-                <a16:creationId xmlns:a16="http://schemas.microsoft.com/office/drawing/2014/main" id="{7E1CC2B1-A3AA-2767-1BF2-11342F00C8CD}"/>
-              </a:ext>
-            </a:extLst>
-          </p:cNvPr>
-          <p:cNvPicPr>
-            <a:picLocks noChangeAspect="1"/>
-          </p:cNvPicPr>
-          <p:nvPr/>
-        </p:nvPicPr>
-        <p:blipFill>
-          <a:blip r:embed="rId3"/>
-          <a:stretch>
-            <a:fillRect/>
-          </a:stretch>
-        </p:blipFill>
-        <p:spPr>
-          <a:xfrm>
-            <a:off x="4283859" y="1410215"/>
-            <a:ext cx="4182902" cy="2340000"/>
-          </a:xfrm>
-          <a:prstGeom prst="rect">
-            <a:avLst/>
-          </a:prstGeom>
-        </p:spPr>
-      </p:pic>
-      <p:sp>
-        <p:nvSpPr>
-          <p:cNvPr id="6" name="CasellaDiTesto 5">
-            <a:extLst>
-              <a:ext uri="{FF2B5EF4-FFF2-40B4-BE49-F238E27FC236}">
-                <a16:creationId xmlns:a16="http://schemas.microsoft.com/office/drawing/2014/main" id="{F60B76C4-EC53-E098-3F49-86DE9ECED2A6}"/>
-              </a:ext>
-            </a:extLst>
-          </p:cNvPr>
-          <p:cNvSpPr txBox="1"/>
-          <p:nvPr/>
-        </p:nvSpPr>
-        <p:spPr>
-          <a:xfrm>
-            <a:off x="359999" y="1547068"/>
-            <a:ext cx="3696994" cy="2585323"/>
-          </a:xfrm>
-          <a:prstGeom prst="rect">
-            <a:avLst/>
-          </a:prstGeom>
-          <a:noFill/>
-        </p:spPr>
-        <p:txBody>
-          <a:bodyPr wrap="square" rtlCol="0">
-            <a:spAutoFit/>
-          </a:bodyPr>
-          <a:lstStyle/>
-          <a:p>
-            <a:r>
-              <a:rPr lang="en-GB" dirty="0">
-                <a:latin typeface="Sequel Sans Book Head" panose="020B0503050000020004" pitchFamily="34" charset="77"/>
-              </a:rPr>
-              <a:t>- analysed synthesis optimizations </a:t>
-            </a:r>
-          </a:p>
-          <a:p>
-            <a:r>
-              <a:rPr lang="en-GB" dirty="0">
-                <a:latin typeface="Sequel Sans Book Head" panose="020B0503050000020004" pitchFamily="34" charset="77"/>
-              </a:rPr>
-              <a:t>   applied to the GCN model</a:t>
-            </a:r>
-          </a:p>
-          <a:p>
-            <a:r>
-              <a:rPr lang="en-GB" dirty="0">
-                <a:latin typeface="Sequel Sans Book Head" panose="020B0503050000020004" pitchFamily="34" charset="77"/>
-              </a:rPr>
-              <a:t>- optimized accelerator uses two </a:t>
-            </a:r>
-          </a:p>
-          <a:p>
-            <a:r>
-              <a:rPr lang="en-GB" dirty="0">
-                <a:latin typeface="Sequel Sans Book Head" panose="020B0503050000020004" pitchFamily="34" charset="77"/>
-              </a:rPr>
-              <a:t>   channels with on-chip BRAMs </a:t>
-            </a:r>
-          </a:p>
-          <a:p>
-            <a:r>
-              <a:rPr lang="en-GB" dirty="0">
-                <a:latin typeface="Sequel Sans Book Head" panose="020B0503050000020004" pitchFamily="34" charset="77"/>
-              </a:rPr>
-              <a:t>   and one full unroll of the   </a:t>
-            </a:r>
-          </a:p>
-          <a:p>
-            <a:r>
-              <a:rPr lang="en-GB" dirty="0">
-                <a:latin typeface="Sequel Sans Book Head" panose="020B0503050000020004" pitchFamily="34" charset="77"/>
-              </a:rPr>
-              <a:t>   innermost loop  </a:t>
-            </a:r>
-          </a:p>
-          <a:p>
-            <a:r>
-              <a:rPr lang="en-GB" dirty="0">
-                <a:latin typeface="Sequel Sans Book Head" panose="020B0503050000020004" pitchFamily="34" charset="77"/>
-              </a:rPr>
-              <a:t>- it outperforms PyTorch</a:t>
-            </a:r>
-          </a:p>
-          <a:p>
-            <a:r>
-              <a:rPr lang="en-GB" dirty="0">
-                <a:latin typeface="Sequel Sans Book Head" panose="020B0503050000020004" pitchFamily="34" charset="77"/>
-              </a:rPr>
-              <a:t>- advantage maintained also with </a:t>
-            </a:r>
-          </a:p>
-          <a:p>
-            <a:r>
-              <a:rPr lang="en-GB" dirty="0">
-                <a:latin typeface="Sequel Sans Book Head" panose="020B0503050000020004" pitchFamily="34" charset="77"/>
-              </a:rPr>
-              <a:t>   bigger dataset sizes</a:t>
-            </a:r>
-          </a:p>
-        </p:txBody>
-      </p:sp>
-      <p:sp>
-        <p:nvSpPr>
-          <p:cNvPr id="2" name="CasellaDiTesto 1">
-            <a:extLst>
-              <a:ext uri="{FF2B5EF4-FFF2-40B4-BE49-F238E27FC236}">
-                <a16:creationId xmlns:a16="http://schemas.microsoft.com/office/drawing/2014/main" id="{473AB4B4-F985-AE34-ECC1-60F8D8A50CBD}"/>
-              </a:ext>
-            </a:extLst>
-          </p:cNvPr>
-          <p:cNvSpPr txBox="1"/>
-          <p:nvPr/>
-        </p:nvSpPr>
-        <p:spPr>
-          <a:xfrm>
-            <a:off x="4585275" y="3916704"/>
-            <a:ext cx="4048553" cy="646331"/>
-          </a:xfrm>
-          <a:prstGeom prst="rect">
-            <a:avLst/>
-          </a:prstGeom>
-          <a:noFill/>
-        </p:spPr>
-        <p:txBody>
-          <a:bodyPr wrap="square" rtlCol="0">
-            <a:spAutoFit/>
-          </a:bodyPr>
-          <a:lstStyle/>
-          <a:p>
-            <a:r>
-              <a:rPr lang="en-GB" sz="1200" dirty="0">
-                <a:latin typeface="Sequel Sans Book Head" panose="020B0503050000020004" pitchFamily="34" charset="77"/>
-              </a:rPr>
-              <a:t>Graph Convolutional Network inference time comparison between PyTorch and FPGA implementations for different sizes of the dataset.</a:t>
-            </a:r>
-          </a:p>
-        </p:txBody>
-      </p:sp>
-    </p:spTree>
-    <p:extLst>
-      <p:ext uri="{BB962C8B-B14F-4D97-AF65-F5344CB8AC3E}">
-        <p14:creationId xmlns:p14="http://schemas.microsoft.com/office/powerpoint/2010/main" val="774695393"/>
-      </p:ext>
-    </p:extLst>
-  </p:cSld>
-  <p:clrMapOvr>
-    <a:masterClrMapping/>
-  </p:clrMapOvr>
-</p:sld>
-</file>
-
-<file path=ppt/slides/slide16.xml><?xml version="1.0" encoding="utf-8"?>
-<p:sld xmlns:a="http://schemas.openxmlformats.org/drawingml/2006/main" xmlns:r="http://schemas.openxmlformats.org/officeDocument/2006/relationships" xmlns:p="http://schemas.openxmlformats.org/presentationml/2006/main">
-  <p:cSld>
-    <p:spTree>
-      <p:nvGrpSpPr>
-        <p:cNvPr id="1" name=""/>
-        <p:cNvGrpSpPr/>
-        <p:nvPr/>
-      </p:nvGrpSpPr>
-      <p:grpSpPr>
-        <a:xfrm>
-          <a:off x="0" y="0"/>
-          <a:ext cx="0" cy="0"/>
-          <a:chOff x="0" y="0"/>
-          <a:chExt cx="0" cy="0"/>
-        </a:xfrm>
-      </p:grpSpPr>
-      <p:sp>
-        <p:nvSpPr>
-          <p:cNvPr id="134" name="Rettangolo 133">
-            <a:extLst>
-              <a:ext uri="{FF2B5EF4-FFF2-40B4-BE49-F238E27FC236}">
-                <a16:creationId xmlns:a16="http://schemas.microsoft.com/office/drawing/2014/main" id="{A8519319-7D7C-2912-7E4E-164AD4595F40}"/>
-              </a:ext>
-            </a:extLst>
-          </p:cNvPr>
-          <p:cNvSpPr/>
-          <p:nvPr/>
-        </p:nvSpPr>
-        <p:spPr>
-          <a:xfrm flipV="1">
-            <a:off x="-1" y="5277394"/>
-            <a:ext cx="9144000" cy="437606"/>
-          </a:xfrm>
-          <a:prstGeom prst="rect">
-            <a:avLst/>
-          </a:prstGeom>
-          <a:solidFill>
-            <a:srgbClr val="728FA5"/>
-          </a:solidFill>
-          <a:ln>
-            <a:noFill/>
-          </a:ln>
-          <a:effectLst/>
-        </p:spPr>
-        <p:style>
-          <a:lnRef idx="1">
-            <a:schemeClr val="accent1"/>
-          </a:lnRef>
-          <a:fillRef idx="3">
-            <a:schemeClr val="accent1"/>
-          </a:fillRef>
-          <a:effectRef idx="2">
-            <a:schemeClr val="accent1"/>
-          </a:effectRef>
-          <a:fontRef idx="minor">
-            <a:schemeClr val="lt1"/>
-          </a:fontRef>
-        </p:style>
-        <p:txBody>
-          <a:bodyPr rtlCol="0" anchor="ctr"/>
-          <a:lstStyle/>
-          <a:p>
-            <a:pPr algn="ctr"/>
-            <a:endParaRPr lang="it-IT" sz="1500" dirty="0"/>
-          </a:p>
-        </p:txBody>
-      </p:sp>
-      <p:pic>
-        <p:nvPicPr>
-          <p:cNvPr id="4" name="Immagine 3">
-            <a:extLst>
-              <a:ext uri="{FF2B5EF4-FFF2-40B4-BE49-F238E27FC236}">
-                <a16:creationId xmlns:a16="http://schemas.microsoft.com/office/drawing/2014/main" id="{D68174EB-0F70-C780-1A24-018369C83896}"/>
-              </a:ext>
-            </a:extLst>
-          </p:cNvPr>
-          <p:cNvPicPr>
-            <a:picLocks noChangeAspect="1"/>
-          </p:cNvPicPr>
-          <p:nvPr/>
-        </p:nvPicPr>
-        <p:blipFill>
-          <a:blip r:embed="rId2"/>
-          <a:stretch>
-            <a:fillRect/>
-          </a:stretch>
-        </p:blipFill>
-        <p:spPr>
-          <a:xfrm>
-            <a:off x="223884" y="5373086"/>
-            <a:ext cx="1032686" cy="288000"/>
-          </a:xfrm>
-          <a:prstGeom prst="rect">
-            <a:avLst/>
-          </a:prstGeom>
-        </p:spPr>
-      </p:pic>
-      <p:sp>
-        <p:nvSpPr>
-          <p:cNvPr id="5" name="CasellaDiTesto 4">
-            <a:extLst>
-              <a:ext uri="{FF2B5EF4-FFF2-40B4-BE49-F238E27FC236}">
-                <a16:creationId xmlns:a16="http://schemas.microsoft.com/office/drawing/2014/main" id="{1C73B393-8402-FEF9-087D-D1084857C45D}"/>
-              </a:ext>
-            </a:extLst>
-          </p:cNvPr>
-          <p:cNvSpPr txBox="1"/>
-          <p:nvPr/>
-        </p:nvSpPr>
-        <p:spPr>
-          <a:xfrm>
-            <a:off x="8595988" y="5373086"/>
             <a:ext cx="327334" cy="276999"/>
           </a:xfrm>
           <a:prstGeom prst="rect">
@@ -17239,7 +16492,7 @@
 </p:sld>
 </file>
 
-<file path=ppt/slides/slide17.xml><?xml version="1.0" encoding="utf-8"?>
+<file path=ppt/slides/slide16.xml><?xml version="1.0" encoding="utf-8"?>
 <p:sld xmlns:a="http://schemas.openxmlformats.org/drawingml/2006/main" xmlns:r="http://schemas.openxmlformats.org/officeDocument/2006/relationships" xmlns:p="http://schemas.openxmlformats.org/presentationml/2006/main">
   <p:cSld>
     <p:spTree>
@@ -19422,7 +18675,7 @@
 </p:sld>
 </file>
 
-<file path=ppt/slides/slide18.xml><?xml version="1.0" encoding="utf-8"?>
+<file path=ppt/slides/slide17.xml><?xml version="1.0" encoding="utf-8"?>
 <p:sld xmlns:a="http://schemas.openxmlformats.org/drawingml/2006/main" xmlns:r="http://schemas.openxmlformats.org/officeDocument/2006/relationships" xmlns:p="http://schemas.openxmlformats.org/presentationml/2006/main">
   <p:cSld>
     <p:spTree>
@@ -20194,7 +19447,7 @@
 </p:sld>
 </file>
 
-<file path=ppt/slides/slide19.xml><?xml version="1.0" encoding="utf-8"?>
+<file path=ppt/slides/slide18.xml><?xml version="1.0" encoding="utf-8"?>
 <p:sld xmlns:a="http://schemas.openxmlformats.org/drawingml/2006/main" xmlns:r="http://schemas.openxmlformats.org/officeDocument/2006/relationships" xmlns:p="http://schemas.openxmlformats.org/presentationml/2006/main">
   <p:cSld>
     <p:spTree>
@@ -20608,6 +19861,153 @@
     <p:extLst>
       <p:ext uri="{BB962C8B-B14F-4D97-AF65-F5344CB8AC3E}">
         <p14:creationId xmlns:p14="http://schemas.microsoft.com/office/powerpoint/2010/main" val="524807555"/>
+      </p:ext>
+    </p:extLst>
+  </p:cSld>
+  <p:clrMapOvr>
+    <a:masterClrMapping/>
+  </p:clrMapOvr>
+</p:sld>
+</file>
+
+<file path=ppt/slides/slide19.xml><?xml version="1.0" encoding="utf-8"?>
+<p:sld xmlns:a="http://schemas.openxmlformats.org/drawingml/2006/main" xmlns:r="http://schemas.openxmlformats.org/officeDocument/2006/relationships" xmlns:p="http://schemas.openxmlformats.org/presentationml/2006/main">
+  <p:cSld>
+    <p:spTree>
+      <p:nvGrpSpPr>
+        <p:cNvPr id="1" name=""/>
+        <p:cNvGrpSpPr/>
+        <p:nvPr/>
+      </p:nvGrpSpPr>
+      <p:grpSpPr>
+        <a:xfrm>
+          <a:off x="0" y="0"/>
+          <a:ext cx="0" cy="0"/>
+          <a:chOff x="0" y="0"/>
+          <a:chExt cx="0" cy="0"/>
+        </a:xfrm>
+      </p:grpSpPr>
+      <p:sp>
+        <p:nvSpPr>
+          <p:cNvPr id="2" name="CasellaDiTesto 1">
+            <a:extLst>
+              <a:ext uri="{FF2B5EF4-FFF2-40B4-BE49-F238E27FC236}">
+                <a16:creationId xmlns:a16="http://schemas.microsoft.com/office/drawing/2014/main" id="{68E78CE4-12AB-1F22-F0EF-75EBF5CBA5F6}"/>
+              </a:ext>
+            </a:extLst>
+          </p:cNvPr>
+          <p:cNvSpPr txBox="1"/>
+          <p:nvPr/>
+        </p:nvSpPr>
+        <p:spPr>
+          <a:xfrm>
+            <a:off x="1773714" y="2011114"/>
+            <a:ext cx="5593198" cy="1692771"/>
+          </a:xfrm>
+          <a:prstGeom prst="rect">
+            <a:avLst/>
+          </a:prstGeom>
+          <a:noFill/>
+        </p:spPr>
+        <p:txBody>
+          <a:bodyPr wrap="none" rtlCol="0">
+            <a:spAutoFit/>
+          </a:bodyPr>
+          <a:lstStyle/>
+          <a:p>
+            <a:pPr algn="ctr"/>
+            <a:r>
+              <a:rPr lang="en-GB" sz="5200" dirty="0">
+                <a:latin typeface="Sharp Grotesk Medium 20" pitchFamily="2" charset="77"/>
+              </a:rPr>
+              <a:t>Thanks for your</a:t>
+            </a:r>
+          </a:p>
+          <a:p>
+            <a:pPr algn="ctr"/>
+            <a:r>
+              <a:rPr lang="en-GB" sz="5200" dirty="0">
+                <a:latin typeface="Sharp Grotesk Medium 20" pitchFamily="2" charset="77"/>
+              </a:rPr>
+              <a:t>attention</a:t>
+            </a:r>
+          </a:p>
+        </p:txBody>
+      </p:sp>
+      <p:sp>
+        <p:nvSpPr>
+          <p:cNvPr id="7" name="CasellaDiTesto 6">
+            <a:extLst>
+              <a:ext uri="{FF2B5EF4-FFF2-40B4-BE49-F238E27FC236}">
+                <a16:creationId xmlns:a16="http://schemas.microsoft.com/office/drawing/2014/main" id="{C2CBBA93-F53B-744B-AEB2-D10B9B26540A}"/>
+              </a:ext>
+            </a:extLst>
+          </p:cNvPr>
+          <p:cNvSpPr txBox="1"/>
+          <p:nvPr/>
+        </p:nvSpPr>
+        <p:spPr>
+          <a:xfrm>
+            <a:off x="3614762" y="5151600"/>
+            <a:ext cx="1911101" cy="276999"/>
+          </a:xfrm>
+          <a:prstGeom prst="rect">
+            <a:avLst/>
+          </a:prstGeom>
+          <a:noFill/>
+        </p:spPr>
+        <p:txBody>
+          <a:bodyPr wrap="none" rtlCol="0">
+            <a:spAutoFit/>
+          </a:bodyPr>
+          <a:lstStyle/>
+          <a:p>
+            <a:r>
+              <a:rPr lang="en-GB" sz="1200" dirty="0">
+                <a:solidFill>
+                  <a:srgbClr val="728FA5"/>
+                </a:solidFill>
+                <a:latin typeface="Sequel Sans Medium Disp" panose="020B0503050000020004" pitchFamily="34" charset="77"/>
+              </a:rPr>
+              <a:t>GIOVANNI DEMASI, 2023</a:t>
+            </a:r>
+          </a:p>
+        </p:txBody>
+      </p:sp>
+      <p:pic>
+        <p:nvPicPr>
+          <p:cNvPr id="8" name="Immagine 7">
+            <a:extLst>
+              <a:ext uri="{FF2B5EF4-FFF2-40B4-BE49-F238E27FC236}">
+                <a16:creationId xmlns:a16="http://schemas.microsoft.com/office/drawing/2014/main" id="{263D7F4B-6D7A-0145-6761-B5D9E495F4FC}"/>
+              </a:ext>
+            </a:extLst>
+          </p:cNvPr>
+          <p:cNvPicPr>
+            <a:picLocks noChangeAspect="1"/>
+          </p:cNvPicPr>
+          <p:nvPr/>
+        </p:nvPicPr>
+        <p:blipFill>
+          <a:blip r:embed="rId2"/>
+          <a:stretch>
+            <a:fillRect/>
+          </a:stretch>
+        </p:blipFill>
+        <p:spPr>
+          <a:xfrm>
+            <a:off x="3924883" y="288000"/>
+            <a:ext cx="1290858" cy="360000"/>
+          </a:xfrm>
+          <a:prstGeom prst="rect">
+            <a:avLst/>
+          </a:prstGeom>
+        </p:spPr>
+      </p:pic>
+    </p:spTree>
+    <p:extLst>
+      <p:ext uri="{BB962C8B-B14F-4D97-AF65-F5344CB8AC3E}">
+        <p14:creationId xmlns:p14="http://schemas.microsoft.com/office/powerpoint/2010/main" val="391328443"/>
       </p:ext>
     </p:extLst>
   </p:cSld>
@@ -21396,154 +20796,7 @@
 </file>
 
 <file path=ppt/slides/slide20.xml><?xml version="1.0" encoding="utf-8"?>
-<p:sld xmlns:a="http://schemas.openxmlformats.org/drawingml/2006/main" xmlns:r="http://schemas.openxmlformats.org/officeDocument/2006/relationships" xmlns:p="http://schemas.openxmlformats.org/presentationml/2006/main">
-  <p:cSld>
-    <p:spTree>
-      <p:nvGrpSpPr>
-        <p:cNvPr id="1" name=""/>
-        <p:cNvGrpSpPr/>
-        <p:nvPr/>
-      </p:nvGrpSpPr>
-      <p:grpSpPr>
-        <a:xfrm>
-          <a:off x="0" y="0"/>
-          <a:ext cx="0" cy="0"/>
-          <a:chOff x="0" y="0"/>
-          <a:chExt cx="0" cy="0"/>
-        </a:xfrm>
-      </p:grpSpPr>
-      <p:sp>
-        <p:nvSpPr>
-          <p:cNvPr id="2" name="CasellaDiTesto 1">
-            <a:extLst>
-              <a:ext uri="{FF2B5EF4-FFF2-40B4-BE49-F238E27FC236}">
-                <a16:creationId xmlns:a16="http://schemas.microsoft.com/office/drawing/2014/main" id="{68E78CE4-12AB-1F22-F0EF-75EBF5CBA5F6}"/>
-              </a:ext>
-            </a:extLst>
-          </p:cNvPr>
-          <p:cNvSpPr txBox="1"/>
-          <p:nvPr/>
-        </p:nvSpPr>
-        <p:spPr>
-          <a:xfrm>
-            <a:off x="1773714" y="2011114"/>
-            <a:ext cx="5593198" cy="1692771"/>
-          </a:xfrm>
-          <a:prstGeom prst="rect">
-            <a:avLst/>
-          </a:prstGeom>
-          <a:noFill/>
-        </p:spPr>
-        <p:txBody>
-          <a:bodyPr wrap="none" rtlCol="0">
-            <a:spAutoFit/>
-          </a:bodyPr>
-          <a:lstStyle/>
-          <a:p>
-            <a:pPr algn="ctr"/>
-            <a:r>
-              <a:rPr lang="en-GB" sz="5200" dirty="0">
-                <a:latin typeface="Sharp Grotesk Medium 20" pitchFamily="2" charset="77"/>
-              </a:rPr>
-              <a:t>Thanks for your</a:t>
-            </a:r>
-          </a:p>
-          <a:p>
-            <a:pPr algn="ctr"/>
-            <a:r>
-              <a:rPr lang="en-GB" sz="5200" dirty="0">
-                <a:latin typeface="Sharp Grotesk Medium 20" pitchFamily="2" charset="77"/>
-              </a:rPr>
-              <a:t>attention</a:t>
-            </a:r>
-          </a:p>
-        </p:txBody>
-      </p:sp>
-      <p:sp>
-        <p:nvSpPr>
-          <p:cNvPr id="7" name="CasellaDiTesto 6">
-            <a:extLst>
-              <a:ext uri="{FF2B5EF4-FFF2-40B4-BE49-F238E27FC236}">
-                <a16:creationId xmlns:a16="http://schemas.microsoft.com/office/drawing/2014/main" id="{C2CBBA93-F53B-744B-AEB2-D10B9B26540A}"/>
-              </a:ext>
-            </a:extLst>
-          </p:cNvPr>
-          <p:cNvSpPr txBox="1"/>
-          <p:nvPr/>
-        </p:nvSpPr>
-        <p:spPr>
-          <a:xfrm>
-            <a:off x="3614762" y="5151600"/>
-            <a:ext cx="1911101" cy="276999"/>
-          </a:xfrm>
-          <a:prstGeom prst="rect">
-            <a:avLst/>
-          </a:prstGeom>
-          <a:noFill/>
-        </p:spPr>
-        <p:txBody>
-          <a:bodyPr wrap="none" rtlCol="0">
-            <a:spAutoFit/>
-          </a:bodyPr>
-          <a:lstStyle/>
-          <a:p>
-            <a:r>
-              <a:rPr lang="en-GB" sz="1200" dirty="0">
-                <a:solidFill>
-                  <a:srgbClr val="728FA5"/>
-                </a:solidFill>
-                <a:latin typeface="Sequel Sans Medium Disp" panose="020B0503050000020004" pitchFamily="34" charset="77"/>
-              </a:rPr>
-              <a:t>GIOVANNI DEMASI, 2023</a:t>
-            </a:r>
-          </a:p>
-        </p:txBody>
-      </p:sp>
-      <p:pic>
-        <p:nvPicPr>
-          <p:cNvPr id="8" name="Immagine 7">
-            <a:extLst>
-              <a:ext uri="{FF2B5EF4-FFF2-40B4-BE49-F238E27FC236}">
-                <a16:creationId xmlns:a16="http://schemas.microsoft.com/office/drawing/2014/main" id="{263D7F4B-6D7A-0145-6761-B5D9E495F4FC}"/>
-              </a:ext>
-            </a:extLst>
-          </p:cNvPr>
-          <p:cNvPicPr>
-            <a:picLocks noChangeAspect="1"/>
-          </p:cNvPicPr>
-          <p:nvPr/>
-        </p:nvPicPr>
-        <p:blipFill>
-          <a:blip r:embed="rId2"/>
-          <a:stretch>
-            <a:fillRect/>
-          </a:stretch>
-        </p:blipFill>
-        <p:spPr>
-          <a:xfrm>
-            <a:off x="3924883" y="288000"/>
-            <a:ext cx="1290858" cy="360000"/>
-          </a:xfrm>
-          <a:prstGeom prst="rect">
-            <a:avLst/>
-          </a:prstGeom>
-        </p:spPr>
-      </p:pic>
-    </p:spTree>
-    <p:extLst>
-      <p:ext uri="{BB962C8B-B14F-4D97-AF65-F5344CB8AC3E}">
-        <p14:creationId xmlns:p14="http://schemas.microsoft.com/office/powerpoint/2010/main" val="391328443"/>
-      </p:ext>
-    </p:extLst>
-  </p:cSld>
-  <p:clrMapOvr>
-    <a:masterClrMapping/>
-  </p:clrMapOvr>
-</p:sld>
-</file>
-
-<file path=ppt/slides/slide3.xml><?xml version="1.0" encoding="utf-8"?>
-<p:sld xmlns:a="http://schemas.openxmlformats.org/drawingml/2006/main" xmlns:r="http://schemas.openxmlformats.org/officeDocument/2006/relationships" xmlns:p="http://schemas.openxmlformats.org/presentationml/2006/main">
+<p:sld xmlns:a="http://schemas.openxmlformats.org/drawingml/2006/main" xmlns:r="http://schemas.openxmlformats.org/officeDocument/2006/relationships" xmlns:p="http://schemas.openxmlformats.org/presentationml/2006/main" show="0">
   <p:cSld>
     <p:spTree>
       <p:nvGrpSpPr>
@@ -21655,6 +20908,1054 @@
         <p:spPr>
           <a:xfrm>
             <a:off x="8595988" y="5373086"/>
+            <a:ext cx="369012" cy="276999"/>
+          </a:xfrm>
+          <a:prstGeom prst="rect">
+            <a:avLst/>
+          </a:prstGeom>
+          <a:noFill/>
+        </p:spPr>
+        <p:txBody>
+          <a:bodyPr wrap="none" rtlCol="0">
+            <a:spAutoFit/>
+          </a:bodyPr>
+          <a:lstStyle/>
+          <a:p>
+            <a:r>
+              <a:rPr lang="en-GB" sz="1200" dirty="0">
+                <a:solidFill>
+                  <a:schemeClr val="bg1"/>
+                </a:solidFill>
+                <a:latin typeface="Sequel Sans Medium Disp" panose="020B0503050000020004" pitchFamily="34" charset="77"/>
+              </a:rPr>
+              <a:t>06</a:t>
+            </a:r>
+          </a:p>
+        </p:txBody>
+      </p:sp>
+      <p:sp>
+        <p:nvSpPr>
+          <p:cNvPr id="9" name="CasellaDiTesto 8">
+            <a:extLst>
+              <a:ext uri="{FF2B5EF4-FFF2-40B4-BE49-F238E27FC236}">
+                <a16:creationId xmlns:a16="http://schemas.microsoft.com/office/drawing/2014/main" id="{41102EC2-57C7-C247-6A71-D4C9AD649DD6}"/>
+              </a:ext>
+            </a:extLst>
+          </p:cNvPr>
+          <p:cNvSpPr txBox="1"/>
+          <p:nvPr/>
+        </p:nvSpPr>
+        <p:spPr>
+          <a:xfrm>
+            <a:off x="360000" y="180000"/>
+            <a:ext cx="5551200" cy="523220"/>
+          </a:xfrm>
+          <a:prstGeom prst="rect">
+            <a:avLst/>
+          </a:prstGeom>
+          <a:noFill/>
+        </p:spPr>
+        <p:txBody>
+          <a:bodyPr wrap="none" rtlCol="0">
+            <a:spAutoFit/>
+          </a:bodyPr>
+          <a:lstStyle/>
+          <a:p>
+            <a:r>
+              <a:rPr lang="en-GB" sz="2800" b="1" dirty="0">
+                <a:latin typeface="Söhne Halbfett" panose="020B0503030202060203" pitchFamily="34" charset="77"/>
+              </a:rPr>
+              <a:t>State of the art GNN accelerators</a:t>
+            </a:r>
+          </a:p>
+        </p:txBody>
+      </p:sp>
+      <p:sp>
+        <p:nvSpPr>
+          <p:cNvPr id="10" name="Rettangolo 9">
+            <a:extLst>
+              <a:ext uri="{FF2B5EF4-FFF2-40B4-BE49-F238E27FC236}">
+                <a16:creationId xmlns:a16="http://schemas.microsoft.com/office/drawing/2014/main" id="{1EB42C2E-6428-0DC5-4536-2EC94B06E0FA}"/>
+              </a:ext>
+            </a:extLst>
+          </p:cNvPr>
+          <p:cNvSpPr/>
+          <p:nvPr/>
+        </p:nvSpPr>
+        <p:spPr>
+          <a:xfrm flipV="1">
+            <a:off x="359999" y="648000"/>
+            <a:ext cx="5734800" cy="72000"/>
+          </a:xfrm>
+          <a:prstGeom prst="rect">
+            <a:avLst/>
+          </a:prstGeom>
+          <a:solidFill>
+            <a:srgbClr val="728FA5"/>
+          </a:solidFill>
+          <a:ln>
+            <a:noFill/>
+          </a:ln>
+          <a:effectLst/>
+        </p:spPr>
+        <p:style>
+          <a:lnRef idx="1">
+            <a:schemeClr val="accent1"/>
+          </a:lnRef>
+          <a:fillRef idx="3">
+            <a:schemeClr val="accent1"/>
+          </a:fillRef>
+          <a:effectRef idx="2">
+            <a:schemeClr val="accent1"/>
+          </a:effectRef>
+          <a:fontRef idx="minor">
+            <a:schemeClr val="lt1"/>
+          </a:fontRef>
+        </p:style>
+        <p:txBody>
+          <a:bodyPr rtlCol="0" anchor="ctr"/>
+          <a:lstStyle/>
+          <a:p>
+            <a:pPr algn="ctr"/>
+            <a:endParaRPr lang="it-IT" sz="1500" dirty="0"/>
+          </a:p>
+        </p:txBody>
+      </p:sp>
+      <p:grpSp>
+        <p:nvGrpSpPr>
+          <p:cNvPr id="2" name="Gruppo 1">
+            <a:extLst>
+              <a:ext uri="{FF2B5EF4-FFF2-40B4-BE49-F238E27FC236}">
+                <a16:creationId xmlns:a16="http://schemas.microsoft.com/office/drawing/2014/main" id="{93A182B3-EF01-9A39-05FB-2BF8501C3C87}"/>
+              </a:ext>
+            </a:extLst>
+          </p:cNvPr>
+          <p:cNvGrpSpPr/>
+          <p:nvPr/>
+        </p:nvGrpSpPr>
+        <p:grpSpPr>
+          <a:xfrm>
+            <a:off x="504271" y="1216648"/>
+            <a:ext cx="1840568" cy="1342865"/>
+            <a:chOff x="921765" y="1534763"/>
+            <a:chExt cx="1840568" cy="1342865"/>
+          </a:xfrm>
+        </p:grpSpPr>
+        <p:sp>
+          <p:nvSpPr>
+            <p:cNvPr id="6" name="CasellaDiTesto 5">
+              <a:extLst>
+                <a:ext uri="{FF2B5EF4-FFF2-40B4-BE49-F238E27FC236}">
+                  <a16:creationId xmlns:a16="http://schemas.microsoft.com/office/drawing/2014/main" id="{57F1509B-A258-1CDB-1504-83230B864797}"/>
+                </a:ext>
+              </a:extLst>
+            </p:cNvPr>
+            <p:cNvSpPr txBox="1"/>
+            <p:nvPr/>
+          </p:nvSpPr>
+          <p:spPr>
+            <a:xfrm>
+              <a:off x="921765" y="1534763"/>
+              <a:ext cx="1840568" cy="707886"/>
+            </a:xfrm>
+            <a:prstGeom prst="rect">
+              <a:avLst/>
+            </a:prstGeom>
+            <a:noFill/>
+          </p:spPr>
+          <p:txBody>
+            <a:bodyPr wrap="none" rtlCol="0">
+              <a:spAutoFit/>
+            </a:bodyPr>
+            <a:lstStyle/>
+            <a:p>
+              <a:pPr algn="ctr"/>
+              <a:r>
+                <a:rPr lang="en-GB" sz="2000" dirty="0">
+                  <a:latin typeface="Sharp Grotesk Medium 20" pitchFamily="2" charset="77"/>
+                </a:rPr>
+                <a:t>Unified </a:t>
+              </a:r>
+            </a:p>
+            <a:p>
+              <a:pPr algn="ctr"/>
+              <a:r>
+                <a:rPr lang="en-GB" sz="2000" dirty="0">
+                  <a:latin typeface="Sharp Grotesk Medium 20" pitchFamily="2" charset="77"/>
+                </a:rPr>
+                <a:t>architecture</a:t>
+              </a:r>
+            </a:p>
+          </p:txBody>
+        </p:sp>
+        <p:sp>
+          <p:nvSpPr>
+            <p:cNvPr id="7" name="CasellaDiTesto 6">
+              <a:extLst>
+                <a:ext uri="{FF2B5EF4-FFF2-40B4-BE49-F238E27FC236}">
+                  <a16:creationId xmlns:a16="http://schemas.microsoft.com/office/drawing/2014/main" id="{3F9A56EF-E3A0-6CDC-B069-5AF9DF3599E7}"/>
+                </a:ext>
+              </a:extLst>
+            </p:cNvPr>
+            <p:cNvSpPr txBox="1"/>
+            <p:nvPr/>
+          </p:nvSpPr>
+          <p:spPr>
+            <a:xfrm>
+              <a:off x="1190268" y="2231297"/>
+              <a:ext cx="1303562" cy="646331"/>
+            </a:xfrm>
+            <a:prstGeom prst="rect">
+              <a:avLst/>
+            </a:prstGeom>
+            <a:noFill/>
+          </p:spPr>
+          <p:txBody>
+            <a:bodyPr wrap="none" rtlCol="0">
+              <a:spAutoFit/>
+            </a:bodyPr>
+            <a:lstStyle/>
+            <a:p>
+              <a:pPr algn="ctr"/>
+              <a:r>
+                <a:rPr lang="en-GB" dirty="0">
+                  <a:latin typeface="Sequel Sans Book Head" panose="020B0503050000020004" pitchFamily="34" charset="77"/>
+                </a:rPr>
+                <a:t>AWB-GCN</a:t>
+              </a:r>
+            </a:p>
+            <a:p>
+              <a:pPr algn="ctr"/>
+              <a:r>
+                <a:rPr lang="en-GB" dirty="0">
+                  <a:latin typeface="Sequel Sans Book Head" panose="020B0503050000020004" pitchFamily="34" charset="77"/>
+                </a:rPr>
+                <a:t>ENG</a:t>
+              </a:r>
+            </a:p>
+          </p:txBody>
+        </p:sp>
+      </p:grpSp>
+      <p:grpSp>
+        <p:nvGrpSpPr>
+          <p:cNvPr id="8" name="Gruppo 7">
+            <a:extLst>
+              <a:ext uri="{FF2B5EF4-FFF2-40B4-BE49-F238E27FC236}">
+                <a16:creationId xmlns:a16="http://schemas.microsoft.com/office/drawing/2014/main" id="{8C36C312-7DC5-D568-C69E-9E25C0476F98}"/>
+              </a:ext>
+            </a:extLst>
+          </p:cNvPr>
+          <p:cNvGrpSpPr/>
+          <p:nvPr/>
+        </p:nvGrpSpPr>
+        <p:grpSpPr>
+          <a:xfrm>
+            <a:off x="2602567" y="1216648"/>
+            <a:ext cx="1840568" cy="1077218"/>
+            <a:chOff x="427239" y="1831187"/>
+            <a:chExt cx="1840568" cy="1077218"/>
+          </a:xfrm>
+        </p:grpSpPr>
+        <p:sp>
+          <p:nvSpPr>
+            <p:cNvPr id="11" name="CasellaDiTesto 10">
+              <a:extLst>
+                <a:ext uri="{FF2B5EF4-FFF2-40B4-BE49-F238E27FC236}">
+                  <a16:creationId xmlns:a16="http://schemas.microsoft.com/office/drawing/2014/main" id="{2C5D44EC-D364-28C0-5EC1-19013635F0E3}"/>
+                </a:ext>
+              </a:extLst>
+            </p:cNvPr>
+            <p:cNvSpPr txBox="1"/>
+            <p:nvPr/>
+          </p:nvSpPr>
+          <p:spPr>
+            <a:xfrm>
+              <a:off x="427239" y="1831187"/>
+              <a:ext cx="1840568" cy="707886"/>
+            </a:xfrm>
+            <a:prstGeom prst="rect">
+              <a:avLst/>
+            </a:prstGeom>
+            <a:noFill/>
+          </p:spPr>
+          <p:txBody>
+            <a:bodyPr wrap="none" rtlCol="0">
+              <a:spAutoFit/>
+            </a:bodyPr>
+            <a:lstStyle/>
+            <a:p>
+              <a:pPr algn="ctr"/>
+              <a:r>
+                <a:rPr lang="en-GB" sz="2000" dirty="0">
+                  <a:latin typeface="Sharp Grotesk Medium 20" pitchFamily="2" charset="77"/>
+                </a:rPr>
+                <a:t>Tiled </a:t>
+              </a:r>
+            </a:p>
+            <a:p>
+              <a:pPr algn="ctr"/>
+              <a:r>
+                <a:rPr lang="en-GB" sz="2000" dirty="0">
+                  <a:latin typeface="Sharp Grotesk Medium 20" pitchFamily="2" charset="77"/>
+                </a:rPr>
+                <a:t>architecture</a:t>
+              </a:r>
+            </a:p>
+          </p:txBody>
+        </p:sp>
+        <p:sp>
+          <p:nvSpPr>
+            <p:cNvPr id="12" name="CasellaDiTesto 11">
+              <a:extLst>
+                <a:ext uri="{FF2B5EF4-FFF2-40B4-BE49-F238E27FC236}">
+                  <a16:creationId xmlns:a16="http://schemas.microsoft.com/office/drawing/2014/main" id="{CDAAEC07-4086-5638-B063-BA316466785F}"/>
+                </a:ext>
+              </a:extLst>
+            </p:cNvPr>
+            <p:cNvSpPr txBox="1"/>
+            <p:nvPr/>
+          </p:nvSpPr>
+          <p:spPr>
+            <a:xfrm>
+              <a:off x="680515" y="2539073"/>
+              <a:ext cx="1334020" cy="369332"/>
+            </a:xfrm>
+            <a:prstGeom prst="rect">
+              <a:avLst/>
+            </a:prstGeom>
+            <a:noFill/>
+          </p:spPr>
+          <p:txBody>
+            <a:bodyPr wrap="none" rtlCol="0">
+              <a:spAutoFit/>
+            </a:bodyPr>
+            <a:lstStyle/>
+            <a:p>
+              <a:pPr algn="ctr"/>
+              <a:r>
+                <a:rPr lang="en-GB" dirty="0">
+                  <a:latin typeface="Sequel Sans Book Head" panose="020B0503050000020004" pitchFamily="34" charset="77"/>
+                </a:rPr>
+                <a:t>Auten </a:t>
+              </a:r>
+              <a:r>
+                <a:rPr lang="en-GB" i="1" dirty="0">
+                  <a:latin typeface="Sequel Sans Book Obl Head" panose="020B0503050000020004" pitchFamily="34" charset="77"/>
+                </a:rPr>
+                <a:t>et al.</a:t>
+              </a:r>
+            </a:p>
+          </p:txBody>
+        </p:sp>
+      </p:grpSp>
+      <p:grpSp>
+        <p:nvGrpSpPr>
+          <p:cNvPr id="19" name="Gruppo 18">
+            <a:extLst>
+              <a:ext uri="{FF2B5EF4-FFF2-40B4-BE49-F238E27FC236}">
+                <a16:creationId xmlns:a16="http://schemas.microsoft.com/office/drawing/2014/main" id="{F76AF146-D371-9DB2-EEE8-4B27A3D5F2B9}"/>
+              </a:ext>
+            </a:extLst>
+          </p:cNvPr>
+          <p:cNvGrpSpPr/>
+          <p:nvPr/>
+        </p:nvGrpSpPr>
+        <p:grpSpPr>
+          <a:xfrm>
+            <a:off x="4700863" y="1216648"/>
+            <a:ext cx="1840568" cy="1354217"/>
+            <a:chOff x="427239" y="1831187"/>
+            <a:chExt cx="1840568" cy="1354217"/>
+          </a:xfrm>
+        </p:grpSpPr>
+        <p:sp>
+          <p:nvSpPr>
+            <p:cNvPr id="20" name="CasellaDiTesto 19">
+              <a:extLst>
+                <a:ext uri="{FF2B5EF4-FFF2-40B4-BE49-F238E27FC236}">
+                  <a16:creationId xmlns:a16="http://schemas.microsoft.com/office/drawing/2014/main" id="{93998115-6964-F1DB-6426-FED1606333BE}"/>
+                </a:ext>
+              </a:extLst>
+            </p:cNvPr>
+            <p:cNvSpPr txBox="1"/>
+            <p:nvPr/>
+          </p:nvSpPr>
+          <p:spPr>
+            <a:xfrm>
+              <a:off x="427239" y="1831187"/>
+              <a:ext cx="1840568" cy="707886"/>
+            </a:xfrm>
+            <a:prstGeom prst="rect">
+              <a:avLst/>
+            </a:prstGeom>
+            <a:noFill/>
+          </p:spPr>
+          <p:txBody>
+            <a:bodyPr wrap="none" rtlCol="0">
+              <a:spAutoFit/>
+            </a:bodyPr>
+            <a:lstStyle/>
+            <a:p>
+              <a:pPr algn="ctr"/>
+              <a:r>
+                <a:rPr lang="en-GB" sz="2000" dirty="0">
+                  <a:latin typeface="Sharp Grotesk Medium 20" pitchFamily="2" charset="77"/>
+                </a:rPr>
+                <a:t>Hybrid </a:t>
+              </a:r>
+            </a:p>
+            <a:p>
+              <a:pPr algn="ctr"/>
+              <a:r>
+                <a:rPr lang="en-GB" sz="2000" dirty="0">
+                  <a:latin typeface="Sharp Grotesk Medium 20" pitchFamily="2" charset="77"/>
+                </a:rPr>
+                <a:t>architecture</a:t>
+              </a:r>
+            </a:p>
+          </p:txBody>
+        </p:sp>
+        <p:sp>
+          <p:nvSpPr>
+            <p:cNvPr id="21" name="CasellaDiTesto 20">
+              <a:extLst>
+                <a:ext uri="{FF2B5EF4-FFF2-40B4-BE49-F238E27FC236}">
+                  <a16:creationId xmlns:a16="http://schemas.microsoft.com/office/drawing/2014/main" id="{A8911017-884A-0E73-E635-5A38F581ADE4}"/>
+                </a:ext>
+              </a:extLst>
+            </p:cNvPr>
+            <p:cNvSpPr txBox="1"/>
+            <p:nvPr/>
+          </p:nvSpPr>
+          <p:spPr>
+            <a:xfrm>
+              <a:off x="867266" y="2539073"/>
+              <a:ext cx="960519" cy="646331"/>
+            </a:xfrm>
+            <a:prstGeom prst="rect">
+              <a:avLst/>
+            </a:prstGeom>
+            <a:noFill/>
+          </p:spPr>
+          <p:txBody>
+            <a:bodyPr wrap="none" rtlCol="0">
+              <a:spAutoFit/>
+            </a:bodyPr>
+            <a:lstStyle/>
+            <a:p>
+              <a:pPr algn="ctr"/>
+              <a:r>
+                <a:rPr lang="en-GB" dirty="0">
+                  <a:latin typeface="Sequel Sans Book Head" panose="020B0503050000020004" pitchFamily="34" charset="77"/>
+                </a:rPr>
+                <a:t>HyGCN</a:t>
+              </a:r>
+            </a:p>
+            <a:p>
+              <a:pPr algn="ctr"/>
+              <a:r>
+                <a:rPr lang="en-GB" dirty="0">
+                  <a:latin typeface="Sequel Sans Book Head" panose="020B0503050000020004" pitchFamily="34" charset="77"/>
+                </a:rPr>
+                <a:t>GRIP</a:t>
+              </a:r>
+            </a:p>
+          </p:txBody>
+        </p:sp>
+      </p:grpSp>
+      <p:grpSp>
+        <p:nvGrpSpPr>
+          <p:cNvPr id="22" name="Gruppo 21">
+            <a:extLst>
+              <a:ext uri="{FF2B5EF4-FFF2-40B4-BE49-F238E27FC236}">
+                <a16:creationId xmlns:a16="http://schemas.microsoft.com/office/drawing/2014/main" id="{BED6149E-DF9E-31D0-F3AA-397BA819A4DF}"/>
+              </a:ext>
+            </a:extLst>
+          </p:cNvPr>
+          <p:cNvGrpSpPr/>
+          <p:nvPr/>
+        </p:nvGrpSpPr>
+        <p:grpSpPr>
+          <a:xfrm>
+            <a:off x="6948241" y="1216648"/>
+            <a:ext cx="1542409" cy="1354217"/>
+            <a:chOff x="576320" y="1831187"/>
+            <a:chExt cx="1542409" cy="1354217"/>
+          </a:xfrm>
+        </p:grpSpPr>
+        <p:sp>
+          <p:nvSpPr>
+            <p:cNvPr id="23" name="CasellaDiTesto 22">
+              <a:extLst>
+                <a:ext uri="{FF2B5EF4-FFF2-40B4-BE49-F238E27FC236}">
+                  <a16:creationId xmlns:a16="http://schemas.microsoft.com/office/drawing/2014/main" id="{47F8AB07-05CD-A614-A414-69CFF474433F}"/>
+                </a:ext>
+              </a:extLst>
+            </p:cNvPr>
+            <p:cNvSpPr txBox="1"/>
+            <p:nvPr/>
+          </p:nvSpPr>
+          <p:spPr>
+            <a:xfrm>
+              <a:off x="576320" y="1831187"/>
+              <a:ext cx="1542409" cy="707886"/>
+            </a:xfrm>
+            <a:prstGeom prst="rect">
+              <a:avLst/>
+            </a:prstGeom>
+            <a:noFill/>
+          </p:spPr>
+          <p:txBody>
+            <a:bodyPr wrap="none" rtlCol="0">
+              <a:spAutoFit/>
+            </a:bodyPr>
+            <a:lstStyle/>
+            <a:p>
+              <a:pPr algn="ctr"/>
+              <a:r>
+                <a:rPr lang="en-GB" sz="2000" dirty="0">
+                  <a:latin typeface="Sharp Grotesk Medium 20" pitchFamily="2" charset="77"/>
+                </a:rPr>
+                <a:t>SW-HW </a:t>
+              </a:r>
+            </a:p>
+            <a:p>
+              <a:pPr algn="ctr"/>
+              <a:r>
+                <a:rPr lang="en-GB" sz="2000" dirty="0">
+                  <a:latin typeface="Sharp Grotesk Medium 20" pitchFamily="2" charset="77"/>
+                </a:rPr>
+                <a:t>Co-design</a:t>
+              </a:r>
+            </a:p>
+          </p:txBody>
+        </p:sp>
+        <p:sp>
+          <p:nvSpPr>
+            <p:cNvPr id="24" name="CasellaDiTesto 23">
+              <a:extLst>
+                <a:ext uri="{FF2B5EF4-FFF2-40B4-BE49-F238E27FC236}">
+                  <a16:creationId xmlns:a16="http://schemas.microsoft.com/office/drawing/2014/main" id="{ACCD89CA-DDAC-353A-55BC-B9011FD0C210}"/>
+                </a:ext>
+              </a:extLst>
+            </p:cNvPr>
+            <p:cNvSpPr txBox="1"/>
+            <p:nvPr/>
+          </p:nvSpPr>
+          <p:spPr>
+            <a:xfrm>
+              <a:off x="667693" y="2539073"/>
+              <a:ext cx="1359668" cy="646331"/>
+            </a:xfrm>
+            <a:prstGeom prst="rect">
+              <a:avLst/>
+            </a:prstGeom>
+            <a:noFill/>
+          </p:spPr>
+          <p:txBody>
+            <a:bodyPr wrap="none" rtlCol="0">
+              <a:spAutoFit/>
+            </a:bodyPr>
+            <a:lstStyle/>
+            <a:p>
+              <a:pPr algn="ctr"/>
+              <a:r>
+                <a:rPr lang="en-GB" dirty="0">
+                  <a:latin typeface="Sequel Sans Book Head" panose="020B0503050000020004" pitchFamily="34" charset="77"/>
+                </a:rPr>
+                <a:t>Zhang </a:t>
+              </a:r>
+              <a:r>
+                <a:rPr lang="en-GB" i="1" dirty="0">
+                  <a:latin typeface="Sequel Sans Book Obl Head" panose="020B0503050000020004" pitchFamily="34" charset="77"/>
+                </a:rPr>
+                <a:t>et al.</a:t>
+              </a:r>
+              <a:endParaRPr lang="en-GB" dirty="0">
+                <a:latin typeface="Sequel Sans Book Head" panose="020B0503050000020004" pitchFamily="34" charset="77"/>
+              </a:endParaRPr>
+            </a:p>
+            <a:p>
+              <a:pPr algn="ctr"/>
+              <a:r>
+                <a:rPr lang="en-GB" dirty="0">
+                  <a:latin typeface="Sequel Sans Book Head" panose="020B0503050000020004" pitchFamily="34" charset="77"/>
+                </a:rPr>
+                <a:t>GCoD</a:t>
+              </a:r>
+            </a:p>
+          </p:txBody>
+        </p:sp>
+      </p:grpSp>
+      <p:grpSp>
+        <p:nvGrpSpPr>
+          <p:cNvPr id="27" name="Gruppo 26">
+            <a:extLst>
+              <a:ext uri="{FF2B5EF4-FFF2-40B4-BE49-F238E27FC236}">
+                <a16:creationId xmlns:a16="http://schemas.microsoft.com/office/drawing/2014/main" id="{EC6087FA-CAC4-D7C4-CE6A-B1E2CCDF06E4}"/>
+              </a:ext>
+            </a:extLst>
+          </p:cNvPr>
+          <p:cNvGrpSpPr/>
+          <p:nvPr/>
+        </p:nvGrpSpPr>
+        <p:grpSpPr>
+          <a:xfrm>
+            <a:off x="800295" y="3144136"/>
+            <a:ext cx="5598007" cy="1434754"/>
+            <a:chOff x="-1152215" y="1206187"/>
+            <a:chExt cx="5598007" cy="1434754"/>
+          </a:xfrm>
+        </p:grpSpPr>
+        <p:sp>
+          <p:nvSpPr>
+            <p:cNvPr id="28" name="CasellaDiTesto 27">
+              <a:extLst>
+                <a:ext uri="{FF2B5EF4-FFF2-40B4-BE49-F238E27FC236}">
+                  <a16:creationId xmlns:a16="http://schemas.microsoft.com/office/drawing/2014/main" id="{6BFCE4A0-5219-AE47-B297-7FA1912496A8}"/>
+                </a:ext>
+              </a:extLst>
+            </p:cNvPr>
+            <p:cNvSpPr txBox="1"/>
+            <p:nvPr/>
+          </p:nvSpPr>
+          <p:spPr>
+            <a:xfrm>
+              <a:off x="-1152215" y="1206187"/>
+              <a:ext cx="3849131" cy="400110"/>
+            </a:xfrm>
+            <a:prstGeom prst="rect">
+              <a:avLst/>
+            </a:prstGeom>
+            <a:noFill/>
+          </p:spPr>
+          <p:txBody>
+            <a:bodyPr wrap="none" rtlCol="0">
+              <a:spAutoFit/>
+            </a:bodyPr>
+            <a:lstStyle/>
+            <a:p>
+              <a:pPr algn="ctr"/>
+              <a:r>
+                <a:rPr lang="en-GB" sz="2000" dirty="0">
+                  <a:latin typeface="Sharp Grotesk Medium 20" pitchFamily="2" charset="77"/>
+                </a:rPr>
+                <a:t>High-Level Synthesis based</a:t>
+              </a:r>
+            </a:p>
+          </p:txBody>
+        </p:sp>
+        <p:sp>
+          <p:nvSpPr>
+            <p:cNvPr id="29" name="CasellaDiTesto 28">
+              <a:extLst>
+                <a:ext uri="{FF2B5EF4-FFF2-40B4-BE49-F238E27FC236}">
+                  <a16:creationId xmlns:a16="http://schemas.microsoft.com/office/drawing/2014/main" id="{192CACE2-C5E9-DA39-BE6D-6D629B04C05C}"/>
+                </a:ext>
+              </a:extLst>
+            </p:cNvPr>
+            <p:cNvSpPr txBox="1"/>
+            <p:nvPr/>
+          </p:nvSpPr>
+          <p:spPr>
+            <a:xfrm>
+              <a:off x="-1152215" y="1717611"/>
+              <a:ext cx="5598007" cy="923330"/>
+            </a:xfrm>
+            <a:prstGeom prst="rect">
+              <a:avLst/>
+            </a:prstGeom>
+            <a:noFill/>
+          </p:spPr>
+          <p:txBody>
+            <a:bodyPr wrap="none" rtlCol="0">
+              <a:spAutoFit/>
+            </a:bodyPr>
+            <a:lstStyle/>
+            <a:p>
+              <a:r>
+                <a:rPr lang="en-GB" dirty="0">
+                  <a:latin typeface="Sequel Sans Book Head" panose="020B0503050000020004" pitchFamily="34" charset="77"/>
+                </a:rPr>
+                <a:t>FlowGNN is a GNN acceleration framework utilizing </a:t>
+              </a:r>
+            </a:p>
+            <a:p>
+              <a:r>
+                <a:rPr lang="en-GB" dirty="0">
+                  <a:latin typeface="Sequel Sans Book Head" panose="020B0503050000020004" pitchFamily="34" charset="77"/>
+                </a:rPr>
+                <a:t>High-Level Synthesis.</a:t>
+              </a:r>
+            </a:p>
+            <a:p>
+              <a:r>
+                <a:rPr lang="en-GB" dirty="0">
+                  <a:latin typeface="Sequel Sans Book Head" panose="020B0503050000020004" pitchFamily="34" charset="77"/>
+                </a:rPr>
+                <a:t>C++ model implementations ready to be synthesized. </a:t>
+              </a:r>
+            </a:p>
+          </p:txBody>
+        </p:sp>
+      </p:grpSp>
+      <p:grpSp>
+        <p:nvGrpSpPr>
+          <p:cNvPr id="38" name="Gruppo 37">
+            <a:extLst>
+              <a:ext uri="{FF2B5EF4-FFF2-40B4-BE49-F238E27FC236}">
+                <a16:creationId xmlns:a16="http://schemas.microsoft.com/office/drawing/2014/main" id="{9655481E-1315-0C5A-35DC-F46EE30369B2}"/>
+              </a:ext>
+            </a:extLst>
+          </p:cNvPr>
+          <p:cNvGrpSpPr/>
+          <p:nvPr/>
+        </p:nvGrpSpPr>
+        <p:grpSpPr>
+          <a:xfrm>
+            <a:off x="6773951" y="3230648"/>
+            <a:ext cx="1569755" cy="1261730"/>
+            <a:chOff x="5747736" y="3190456"/>
+            <a:chExt cx="1569755" cy="1261730"/>
+          </a:xfrm>
+        </p:grpSpPr>
+        <p:sp>
+          <p:nvSpPr>
+            <p:cNvPr id="31" name="CasellaDiTesto 30">
+              <a:extLst>
+                <a:ext uri="{FF2B5EF4-FFF2-40B4-BE49-F238E27FC236}">
+                  <a16:creationId xmlns:a16="http://schemas.microsoft.com/office/drawing/2014/main" id="{EE7AC169-1D54-98AE-A304-0E2FA02F7479}"/>
+                </a:ext>
+              </a:extLst>
+            </p:cNvPr>
+            <p:cNvSpPr txBox="1"/>
+            <p:nvPr/>
+          </p:nvSpPr>
+          <p:spPr>
+            <a:xfrm>
+              <a:off x="5747736" y="3190456"/>
+              <a:ext cx="1569754" cy="338554"/>
+            </a:xfrm>
+            <a:prstGeom prst="rect">
+              <a:avLst/>
+            </a:prstGeom>
+            <a:noFill/>
+          </p:spPr>
+          <p:txBody>
+            <a:bodyPr wrap="square" rtlCol="0">
+              <a:spAutoFit/>
+            </a:bodyPr>
+            <a:lstStyle/>
+            <a:p>
+              <a:pPr algn="ctr"/>
+              <a:r>
+                <a:rPr lang="en-GB" sz="1600" b="1" dirty="0">
+                  <a:latin typeface="Sequel Sans Semi Bold Head" panose="020B0503050000020004" pitchFamily="34" charset="77"/>
+                </a:rPr>
+                <a:t>C++ models</a:t>
+              </a:r>
+            </a:p>
+          </p:txBody>
+        </p:sp>
+        <p:sp>
+          <p:nvSpPr>
+            <p:cNvPr id="32" name="CasellaDiTesto 31">
+              <a:extLst>
+                <a:ext uri="{FF2B5EF4-FFF2-40B4-BE49-F238E27FC236}">
+                  <a16:creationId xmlns:a16="http://schemas.microsoft.com/office/drawing/2014/main" id="{29C2AE26-947E-3984-5EB6-3729EE66B1E8}"/>
+                </a:ext>
+              </a:extLst>
+            </p:cNvPr>
+            <p:cNvSpPr txBox="1"/>
+            <p:nvPr/>
+          </p:nvSpPr>
+          <p:spPr>
+            <a:xfrm>
+              <a:off x="5898726" y="3653331"/>
+              <a:ext cx="1267774" cy="338554"/>
+            </a:xfrm>
+            <a:prstGeom prst="rect">
+              <a:avLst/>
+            </a:prstGeom>
+            <a:noFill/>
+          </p:spPr>
+          <p:txBody>
+            <a:bodyPr wrap="square" rtlCol="0">
+              <a:spAutoFit/>
+            </a:bodyPr>
+            <a:lstStyle/>
+            <a:p>
+              <a:pPr algn="ctr"/>
+              <a:r>
+                <a:rPr lang="en-GB" sz="1600" b="1" dirty="0">
+                  <a:latin typeface="Sequel Sans Semi Bold Head" panose="020B0503050000020004" pitchFamily="34" charset="77"/>
+                </a:rPr>
+                <a:t>FlowGNN</a:t>
+              </a:r>
+            </a:p>
+          </p:txBody>
+        </p:sp>
+        <p:sp>
+          <p:nvSpPr>
+            <p:cNvPr id="33" name="CasellaDiTesto 32">
+              <a:extLst>
+                <a:ext uri="{FF2B5EF4-FFF2-40B4-BE49-F238E27FC236}">
+                  <a16:creationId xmlns:a16="http://schemas.microsoft.com/office/drawing/2014/main" id="{A323EA80-95A2-9744-F703-3E6D6EA1DF89}"/>
+                </a:ext>
+              </a:extLst>
+            </p:cNvPr>
+            <p:cNvSpPr txBox="1"/>
+            <p:nvPr/>
+          </p:nvSpPr>
+          <p:spPr>
+            <a:xfrm>
+              <a:off x="5747736" y="4113632"/>
+              <a:ext cx="1569755" cy="338554"/>
+            </a:xfrm>
+            <a:prstGeom prst="rect">
+              <a:avLst/>
+            </a:prstGeom>
+            <a:noFill/>
+          </p:spPr>
+          <p:txBody>
+            <a:bodyPr wrap="square" rtlCol="0">
+              <a:spAutoFit/>
+            </a:bodyPr>
+            <a:lstStyle/>
+            <a:p>
+              <a:pPr algn="ctr"/>
+              <a:r>
+                <a:rPr lang="en-GB" sz="1600" b="1" dirty="0">
+                  <a:latin typeface="Sequel Sans Semi Bold Head" panose="020B0503050000020004" pitchFamily="34" charset="77"/>
+                </a:rPr>
+                <a:t>Accelerator</a:t>
+              </a:r>
+            </a:p>
+          </p:txBody>
+        </p:sp>
+        <p:cxnSp>
+          <p:nvCxnSpPr>
+            <p:cNvPr id="34" name="Connettore 2 33">
+              <a:extLst>
+                <a:ext uri="{FF2B5EF4-FFF2-40B4-BE49-F238E27FC236}">
+                  <a16:creationId xmlns:a16="http://schemas.microsoft.com/office/drawing/2014/main" id="{8FABE5B3-94FA-73F6-4DBA-B2FBD6F387D7}"/>
+                </a:ext>
+              </a:extLst>
+            </p:cNvPr>
+            <p:cNvCxnSpPr>
+              <a:cxnSpLocks/>
+            </p:cNvCxnSpPr>
+            <p:nvPr/>
+          </p:nvCxnSpPr>
+          <p:spPr>
+            <a:xfrm>
+              <a:off x="6536392" y="3529010"/>
+              <a:ext cx="0" cy="168469"/>
+            </a:xfrm>
+            <a:prstGeom prst="straightConnector1">
+              <a:avLst/>
+            </a:prstGeom>
+            <a:ln w="15875" cap="flat" cmpd="sng" algn="ctr">
+              <a:solidFill>
+                <a:schemeClr val="accent1"/>
+              </a:solidFill>
+              <a:prstDash val="solid"/>
+              <a:round/>
+              <a:headEnd type="none" w="med" len="med"/>
+              <a:tailEnd type="arrow" w="med" len="med"/>
+            </a:ln>
+          </p:spPr>
+          <p:style>
+            <a:lnRef idx="0">
+              <a:scrgbClr r="0" g="0" b="0"/>
+            </a:lnRef>
+            <a:fillRef idx="0">
+              <a:scrgbClr r="0" g="0" b="0"/>
+            </a:fillRef>
+            <a:effectRef idx="0">
+              <a:scrgbClr r="0" g="0" b="0"/>
+            </a:effectRef>
+            <a:fontRef idx="minor">
+              <a:schemeClr val="tx1"/>
+            </a:fontRef>
+          </p:style>
+        </p:cxnSp>
+        <p:cxnSp>
+          <p:nvCxnSpPr>
+            <p:cNvPr id="35" name="Connettore 2 34">
+              <a:extLst>
+                <a:ext uri="{FF2B5EF4-FFF2-40B4-BE49-F238E27FC236}">
+                  <a16:creationId xmlns:a16="http://schemas.microsoft.com/office/drawing/2014/main" id="{3DD080D3-1D20-37B5-E5A3-88BF98AD5B2A}"/>
+                </a:ext>
+              </a:extLst>
+            </p:cNvPr>
+            <p:cNvCxnSpPr>
+              <a:cxnSpLocks/>
+            </p:cNvCxnSpPr>
+            <p:nvPr/>
+          </p:nvCxnSpPr>
+          <p:spPr>
+            <a:xfrm>
+              <a:off x="6536214" y="3991885"/>
+              <a:ext cx="0" cy="168469"/>
+            </a:xfrm>
+            <a:prstGeom prst="straightConnector1">
+              <a:avLst/>
+            </a:prstGeom>
+            <a:ln w="15875" cap="flat" cmpd="sng" algn="ctr">
+              <a:solidFill>
+                <a:schemeClr val="accent1"/>
+              </a:solidFill>
+              <a:prstDash val="solid"/>
+              <a:round/>
+              <a:headEnd type="none" w="med" len="med"/>
+              <a:tailEnd type="arrow" w="med" len="med"/>
+            </a:ln>
+          </p:spPr>
+          <p:style>
+            <a:lnRef idx="0">
+              <a:scrgbClr r="0" g="0" b="0"/>
+            </a:lnRef>
+            <a:fillRef idx="0">
+              <a:scrgbClr r="0" g="0" b="0"/>
+            </a:fillRef>
+            <a:effectRef idx="0">
+              <a:scrgbClr r="0" g="0" b="0"/>
+            </a:effectRef>
+            <a:fontRef idx="minor">
+              <a:schemeClr val="tx1"/>
+            </a:fontRef>
+          </p:style>
+        </p:cxnSp>
+      </p:grpSp>
+    </p:spTree>
+    <p:extLst>
+      <p:ext uri="{BB962C8B-B14F-4D97-AF65-F5344CB8AC3E}">
+        <p14:creationId xmlns:p14="http://schemas.microsoft.com/office/powerpoint/2010/main" val="2297538787"/>
+      </p:ext>
+    </p:extLst>
+  </p:cSld>
+  <p:clrMapOvr>
+    <a:masterClrMapping/>
+  </p:clrMapOvr>
+</p:sld>
+</file>
+
+<file path=ppt/slides/slide3.xml><?xml version="1.0" encoding="utf-8"?>
+<p:sld xmlns:a="http://schemas.openxmlformats.org/drawingml/2006/main" xmlns:r="http://schemas.openxmlformats.org/officeDocument/2006/relationships" xmlns:p="http://schemas.openxmlformats.org/presentationml/2006/main">
+  <p:cSld>
+    <p:spTree>
+      <p:nvGrpSpPr>
+        <p:cNvPr id="1" name=""/>
+        <p:cNvGrpSpPr/>
+        <p:nvPr/>
+      </p:nvGrpSpPr>
+      <p:grpSpPr>
+        <a:xfrm>
+          <a:off x="0" y="0"/>
+          <a:ext cx="0" cy="0"/>
+          <a:chOff x="0" y="0"/>
+          <a:chExt cx="0" cy="0"/>
+        </a:xfrm>
+      </p:grpSpPr>
+      <p:sp>
+        <p:nvSpPr>
+          <p:cNvPr id="134" name="Rettangolo 133">
+            <a:extLst>
+              <a:ext uri="{FF2B5EF4-FFF2-40B4-BE49-F238E27FC236}">
+                <a16:creationId xmlns:a16="http://schemas.microsoft.com/office/drawing/2014/main" id="{A8519319-7D7C-2912-7E4E-164AD4595F40}"/>
+              </a:ext>
+            </a:extLst>
+          </p:cNvPr>
+          <p:cNvSpPr/>
+          <p:nvPr/>
+        </p:nvSpPr>
+        <p:spPr>
+          <a:xfrm rot="10800000" flipV="1">
+            <a:off x="-1" y="5277394"/>
+            <a:ext cx="9144000" cy="437606"/>
+          </a:xfrm>
+          <a:prstGeom prst="rect">
+            <a:avLst/>
+          </a:prstGeom>
+          <a:solidFill>
+            <a:srgbClr val="728FA5"/>
+          </a:solidFill>
+          <a:ln>
+            <a:noFill/>
+          </a:ln>
+          <a:effectLst/>
+        </p:spPr>
+        <p:style>
+          <a:lnRef idx="1">
+            <a:schemeClr val="accent1"/>
+          </a:lnRef>
+          <a:fillRef idx="3">
+            <a:schemeClr val="accent1"/>
+          </a:fillRef>
+          <a:effectRef idx="2">
+            <a:schemeClr val="accent1"/>
+          </a:effectRef>
+          <a:fontRef idx="minor">
+            <a:schemeClr val="lt1"/>
+          </a:fontRef>
+        </p:style>
+        <p:txBody>
+          <a:bodyPr rtlCol="0" anchor="ctr"/>
+          <a:lstStyle/>
+          <a:p>
+            <a:pPr algn="ctr"/>
+            <a:endParaRPr lang="it-IT" sz="1200" dirty="0">
+              <a:latin typeface="Sequel Sans Book Disp" panose="020B0503050000020004" pitchFamily="34" charset="77"/>
+            </a:endParaRPr>
+          </a:p>
+        </p:txBody>
+      </p:sp>
+      <p:pic>
+        <p:nvPicPr>
+          <p:cNvPr id="4" name="Immagine 3">
+            <a:extLst>
+              <a:ext uri="{FF2B5EF4-FFF2-40B4-BE49-F238E27FC236}">
+                <a16:creationId xmlns:a16="http://schemas.microsoft.com/office/drawing/2014/main" id="{D68174EB-0F70-C780-1A24-018369C83896}"/>
+              </a:ext>
+            </a:extLst>
+          </p:cNvPr>
+          <p:cNvPicPr>
+            <a:picLocks noChangeAspect="1"/>
+          </p:cNvPicPr>
+          <p:nvPr/>
+        </p:nvPicPr>
+        <p:blipFill>
+          <a:blip r:embed="rId2"/>
+          <a:stretch>
+            <a:fillRect/>
+          </a:stretch>
+        </p:blipFill>
+        <p:spPr>
+          <a:xfrm>
+            <a:off x="223884" y="5373086"/>
+            <a:ext cx="1032686" cy="288000"/>
+          </a:xfrm>
+          <a:prstGeom prst="rect">
+            <a:avLst/>
+          </a:prstGeom>
+        </p:spPr>
+      </p:pic>
+      <p:sp>
+        <p:nvSpPr>
+          <p:cNvPr id="5" name="CasellaDiTesto 4">
+            <a:extLst>
+              <a:ext uri="{FF2B5EF4-FFF2-40B4-BE49-F238E27FC236}">
+                <a16:creationId xmlns:a16="http://schemas.microsoft.com/office/drawing/2014/main" id="{1C73B393-8402-FEF9-087D-D1084857C45D}"/>
+              </a:ext>
+            </a:extLst>
+          </p:cNvPr>
+          <p:cNvSpPr txBox="1"/>
+          <p:nvPr/>
+        </p:nvSpPr>
+        <p:spPr>
+          <a:xfrm>
+            <a:off x="8595988" y="5373086"/>
             <a:ext cx="367408" cy="276999"/>
           </a:xfrm>
           <a:prstGeom prst="rect">
@@ -21790,7 +22091,7 @@
         </p:blipFill>
         <p:spPr>
           <a:xfrm>
-            <a:off x="5578845" y="1662165"/>
+            <a:off x="5578845" y="1268480"/>
             <a:ext cx="3017143" cy="2880000"/>
           </a:xfrm>
           <a:prstGeom prst="rect">
@@ -21798,43 +22099,6 @@
           </a:prstGeom>
         </p:spPr>
       </p:pic>
-      <p:sp>
-        <p:nvSpPr>
-          <p:cNvPr id="6" name="CasellaDiTesto 5">
-            <a:extLst>
-              <a:ext uri="{FF2B5EF4-FFF2-40B4-BE49-F238E27FC236}">
-                <a16:creationId xmlns:a16="http://schemas.microsoft.com/office/drawing/2014/main" id="{918F2DB7-9002-A4A0-F481-D4DB7F56FD3B}"/>
-              </a:ext>
-            </a:extLst>
-          </p:cNvPr>
-          <p:cNvSpPr txBox="1"/>
-          <p:nvPr/>
-        </p:nvSpPr>
-        <p:spPr>
-          <a:xfrm>
-            <a:off x="359999" y="1282924"/>
-            <a:ext cx="4783501" cy="707886"/>
-          </a:xfrm>
-          <a:prstGeom prst="rect">
-            <a:avLst/>
-          </a:prstGeom>
-          <a:noFill/>
-        </p:spPr>
-        <p:txBody>
-          <a:bodyPr wrap="square" rtlCol="0">
-            <a:spAutoFit/>
-          </a:bodyPr>
-          <a:lstStyle/>
-          <a:p>
-            <a:r>
-              <a:rPr lang="en-GB" sz="2000" dirty="0">
-                <a:latin typeface="Sequel Sans Book Head" panose="020B0503050000020004" pitchFamily="34" charset="77"/>
-              </a:rPr>
-              <a:t>Growing popularity of Graph Neural Networks in past years</a:t>
-            </a:r>
-          </a:p>
-        </p:txBody>
-      </p:sp>
       <p:sp>
         <p:nvSpPr>
           <p:cNvPr id="7" name="CasellaDiTesto 6">
@@ -21849,7 +22113,7 @@
         </p:nvSpPr>
         <p:spPr>
           <a:xfrm>
-            <a:off x="359999" y="2086502"/>
+            <a:off x="359999" y="1187554"/>
             <a:ext cx="4625239" cy="1015663"/>
           </a:xfrm>
           <a:prstGeom prst="rect">
@@ -21921,6 +22185,43 @@
                 <a:latin typeface="Sequel Sans Book Head" panose="020B0503050000020004" pitchFamily="34" charset="77"/>
               </a:rPr>
               <a:t>on FPGA architectures</a:t>
+            </a:r>
+          </a:p>
+        </p:txBody>
+      </p:sp>
+      <p:sp>
+        <p:nvSpPr>
+          <p:cNvPr id="2" name="CasellaDiTesto 1">
+            <a:extLst>
+              <a:ext uri="{FF2B5EF4-FFF2-40B4-BE49-F238E27FC236}">
+                <a16:creationId xmlns:a16="http://schemas.microsoft.com/office/drawing/2014/main" id="{6C66DC1A-B68D-7731-805E-CC437C329F27}"/>
+              </a:ext>
+            </a:extLst>
+          </p:cNvPr>
+          <p:cNvSpPr txBox="1"/>
+          <p:nvPr/>
+        </p:nvSpPr>
+        <p:spPr>
+          <a:xfrm>
+            <a:off x="5677828" y="4296167"/>
+            <a:ext cx="3285568" cy="461665"/>
+          </a:xfrm>
+          <a:prstGeom prst="rect">
+            <a:avLst/>
+          </a:prstGeom>
+          <a:noFill/>
+        </p:spPr>
+        <p:txBody>
+          <a:bodyPr wrap="square" rtlCol="0">
+            <a:spAutoFit/>
+          </a:bodyPr>
+          <a:lstStyle/>
+          <a:p>
+            <a:r>
+              <a:rPr lang="en-GB" sz="1200" dirty="0">
+                <a:latin typeface="Sequel Sans Book Head" panose="020B0503050000020004" pitchFamily="34" charset="77"/>
+              </a:rPr>
+              <a:t>Growing popularity of Graph Neural Networks in past years on Google Scholar.</a:t>
             </a:r>
           </a:p>
         </p:txBody>
@@ -22200,35 +22501,6 @@
           </a:p>
         </p:txBody>
       </p:sp>
-      <p:pic>
-        <p:nvPicPr>
-          <p:cNvPr id="6" name="Immagine 5" descr="Immagine che contiene cerchio, schermata, diagramma, testo&#10;&#10;Descrizione generata automaticamente">
-            <a:extLst>
-              <a:ext uri="{FF2B5EF4-FFF2-40B4-BE49-F238E27FC236}">
-                <a16:creationId xmlns:a16="http://schemas.microsoft.com/office/drawing/2014/main" id="{0348F819-2177-171A-6F41-9CABE88E4346}"/>
-              </a:ext>
-            </a:extLst>
-          </p:cNvPr>
-          <p:cNvPicPr>
-            <a:picLocks noChangeAspect="1"/>
-          </p:cNvPicPr>
-          <p:nvPr/>
-        </p:nvPicPr>
-        <p:blipFill rotWithShape="1">
-          <a:blip r:embed="rId3"/>
-          <a:srcRect b="53499"/>
-          <a:stretch/>
-        </p:blipFill>
-        <p:spPr>
-          <a:xfrm>
-            <a:off x="2552399" y="1815265"/>
-            <a:ext cx="4020652" cy="1091074"/>
-          </a:xfrm>
-          <a:prstGeom prst="rect">
-            <a:avLst/>
-          </a:prstGeom>
-        </p:spPr>
-      </p:pic>
       <p:sp>
         <p:nvSpPr>
           <p:cNvPr id="7" name="CasellaDiTesto 6">
@@ -22469,6 +22741,36 @@
           </a:p>
         </p:txBody>
       </p:sp>
+      <p:pic>
+        <p:nvPicPr>
+          <p:cNvPr id="21" name="Immagine 20">
+            <a:extLst>
+              <a:ext uri="{FF2B5EF4-FFF2-40B4-BE49-F238E27FC236}">
+                <a16:creationId xmlns:a16="http://schemas.microsoft.com/office/drawing/2014/main" id="{26978EF0-99B2-C412-0F74-9934BCCA2CDA}"/>
+              </a:ext>
+            </a:extLst>
+          </p:cNvPr>
+          <p:cNvPicPr>
+            <a:picLocks noChangeAspect="1"/>
+          </p:cNvPicPr>
+          <p:nvPr/>
+        </p:nvPicPr>
+        <p:blipFill>
+          <a:blip r:embed="rId3"/>
+          <a:stretch>
+            <a:fillRect/>
+          </a:stretch>
+        </p:blipFill>
+        <p:spPr>
+          <a:xfrm>
+            <a:off x="2349500" y="1910924"/>
+            <a:ext cx="4445000" cy="1193800"/>
+          </a:xfrm>
+          <a:prstGeom prst="rect">
+            <a:avLst/>
+          </a:prstGeom>
+        </p:spPr>
+      </p:pic>
     </p:spTree>
     <p:extLst>
       <p:ext uri="{BB962C8B-B14F-4D97-AF65-F5344CB8AC3E}">
@@ -23393,1052 +23695,6 @@
         <p:spPr>
           <a:xfrm>
             <a:off x="8595988" y="5373086"/>
-            <a:ext cx="369012" cy="276999"/>
-          </a:xfrm>
-          <a:prstGeom prst="rect">
-            <a:avLst/>
-          </a:prstGeom>
-          <a:noFill/>
-        </p:spPr>
-        <p:txBody>
-          <a:bodyPr wrap="none" rtlCol="0">
-            <a:spAutoFit/>
-          </a:bodyPr>
-          <a:lstStyle/>
-          <a:p>
-            <a:r>
-              <a:rPr lang="en-GB" sz="1200" dirty="0">
-                <a:solidFill>
-                  <a:schemeClr val="bg1"/>
-                </a:solidFill>
-                <a:latin typeface="Sequel Sans Medium Disp" panose="020B0503050000020004" pitchFamily="34" charset="77"/>
-              </a:rPr>
-              <a:t>06</a:t>
-            </a:r>
-          </a:p>
-        </p:txBody>
-      </p:sp>
-      <p:sp>
-        <p:nvSpPr>
-          <p:cNvPr id="9" name="CasellaDiTesto 8">
-            <a:extLst>
-              <a:ext uri="{FF2B5EF4-FFF2-40B4-BE49-F238E27FC236}">
-                <a16:creationId xmlns:a16="http://schemas.microsoft.com/office/drawing/2014/main" id="{41102EC2-57C7-C247-6A71-D4C9AD649DD6}"/>
-              </a:ext>
-            </a:extLst>
-          </p:cNvPr>
-          <p:cNvSpPr txBox="1"/>
-          <p:nvPr/>
-        </p:nvSpPr>
-        <p:spPr>
-          <a:xfrm>
-            <a:off x="360000" y="180000"/>
-            <a:ext cx="5551200" cy="523220"/>
-          </a:xfrm>
-          <a:prstGeom prst="rect">
-            <a:avLst/>
-          </a:prstGeom>
-          <a:noFill/>
-        </p:spPr>
-        <p:txBody>
-          <a:bodyPr wrap="none" rtlCol="0">
-            <a:spAutoFit/>
-          </a:bodyPr>
-          <a:lstStyle/>
-          <a:p>
-            <a:r>
-              <a:rPr lang="en-GB" sz="2800" b="1" dirty="0">
-                <a:latin typeface="Söhne Halbfett" panose="020B0503030202060203" pitchFamily="34" charset="77"/>
-              </a:rPr>
-              <a:t>State of the art GNN accelerators</a:t>
-            </a:r>
-          </a:p>
-        </p:txBody>
-      </p:sp>
-      <p:sp>
-        <p:nvSpPr>
-          <p:cNvPr id="10" name="Rettangolo 9">
-            <a:extLst>
-              <a:ext uri="{FF2B5EF4-FFF2-40B4-BE49-F238E27FC236}">
-                <a16:creationId xmlns:a16="http://schemas.microsoft.com/office/drawing/2014/main" id="{1EB42C2E-6428-0DC5-4536-2EC94B06E0FA}"/>
-              </a:ext>
-            </a:extLst>
-          </p:cNvPr>
-          <p:cNvSpPr/>
-          <p:nvPr/>
-        </p:nvSpPr>
-        <p:spPr>
-          <a:xfrm flipV="1">
-            <a:off x="359999" y="648000"/>
-            <a:ext cx="5734800" cy="72000"/>
-          </a:xfrm>
-          <a:prstGeom prst="rect">
-            <a:avLst/>
-          </a:prstGeom>
-          <a:solidFill>
-            <a:srgbClr val="728FA5"/>
-          </a:solidFill>
-          <a:ln>
-            <a:noFill/>
-          </a:ln>
-          <a:effectLst/>
-        </p:spPr>
-        <p:style>
-          <a:lnRef idx="1">
-            <a:schemeClr val="accent1"/>
-          </a:lnRef>
-          <a:fillRef idx="3">
-            <a:schemeClr val="accent1"/>
-          </a:fillRef>
-          <a:effectRef idx="2">
-            <a:schemeClr val="accent1"/>
-          </a:effectRef>
-          <a:fontRef idx="minor">
-            <a:schemeClr val="lt1"/>
-          </a:fontRef>
-        </p:style>
-        <p:txBody>
-          <a:bodyPr rtlCol="0" anchor="ctr"/>
-          <a:lstStyle/>
-          <a:p>
-            <a:pPr algn="ctr"/>
-            <a:endParaRPr lang="it-IT" sz="1500" dirty="0"/>
-          </a:p>
-        </p:txBody>
-      </p:sp>
-      <p:grpSp>
-        <p:nvGrpSpPr>
-          <p:cNvPr id="2" name="Gruppo 1">
-            <a:extLst>
-              <a:ext uri="{FF2B5EF4-FFF2-40B4-BE49-F238E27FC236}">
-                <a16:creationId xmlns:a16="http://schemas.microsoft.com/office/drawing/2014/main" id="{93A182B3-EF01-9A39-05FB-2BF8501C3C87}"/>
-              </a:ext>
-            </a:extLst>
-          </p:cNvPr>
-          <p:cNvGrpSpPr/>
-          <p:nvPr/>
-        </p:nvGrpSpPr>
-        <p:grpSpPr>
-          <a:xfrm>
-            <a:off x="504271" y="1216648"/>
-            <a:ext cx="1840568" cy="1342865"/>
-            <a:chOff x="921765" y="1534763"/>
-            <a:chExt cx="1840568" cy="1342865"/>
-          </a:xfrm>
-        </p:grpSpPr>
-        <p:sp>
-          <p:nvSpPr>
-            <p:cNvPr id="6" name="CasellaDiTesto 5">
-              <a:extLst>
-                <a:ext uri="{FF2B5EF4-FFF2-40B4-BE49-F238E27FC236}">
-                  <a16:creationId xmlns:a16="http://schemas.microsoft.com/office/drawing/2014/main" id="{57F1509B-A258-1CDB-1504-83230B864797}"/>
-                </a:ext>
-              </a:extLst>
-            </p:cNvPr>
-            <p:cNvSpPr txBox="1"/>
-            <p:nvPr/>
-          </p:nvSpPr>
-          <p:spPr>
-            <a:xfrm>
-              <a:off x="921765" y="1534763"/>
-              <a:ext cx="1840568" cy="707886"/>
-            </a:xfrm>
-            <a:prstGeom prst="rect">
-              <a:avLst/>
-            </a:prstGeom>
-            <a:noFill/>
-          </p:spPr>
-          <p:txBody>
-            <a:bodyPr wrap="none" rtlCol="0">
-              <a:spAutoFit/>
-            </a:bodyPr>
-            <a:lstStyle/>
-            <a:p>
-              <a:pPr algn="ctr"/>
-              <a:r>
-                <a:rPr lang="en-GB" sz="2000" dirty="0">
-                  <a:latin typeface="Sharp Grotesk Medium 20" pitchFamily="2" charset="77"/>
-                </a:rPr>
-                <a:t>Unified </a:t>
-              </a:r>
-            </a:p>
-            <a:p>
-              <a:pPr algn="ctr"/>
-              <a:r>
-                <a:rPr lang="en-GB" sz="2000" dirty="0">
-                  <a:latin typeface="Sharp Grotesk Medium 20" pitchFamily="2" charset="77"/>
-                </a:rPr>
-                <a:t>architecture</a:t>
-              </a:r>
-            </a:p>
-          </p:txBody>
-        </p:sp>
-        <p:sp>
-          <p:nvSpPr>
-            <p:cNvPr id="7" name="CasellaDiTesto 6">
-              <a:extLst>
-                <a:ext uri="{FF2B5EF4-FFF2-40B4-BE49-F238E27FC236}">
-                  <a16:creationId xmlns:a16="http://schemas.microsoft.com/office/drawing/2014/main" id="{3F9A56EF-E3A0-6CDC-B069-5AF9DF3599E7}"/>
-                </a:ext>
-              </a:extLst>
-            </p:cNvPr>
-            <p:cNvSpPr txBox="1"/>
-            <p:nvPr/>
-          </p:nvSpPr>
-          <p:spPr>
-            <a:xfrm>
-              <a:off x="1190268" y="2231297"/>
-              <a:ext cx="1303562" cy="646331"/>
-            </a:xfrm>
-            <a:prstGeom prst="rect">
-              <a:avLst/>
-            </a:prstGeom>
-            <a:noFill/>
-          </p:spPr>
-          <p:txBody>
-            <a:bodyPr wrap="none" rtlCol="0">
-              <a:spAutoFit/>
-            </a:bodyPr>
-            <a:lstStyle/>
-            <a:p>
-              <a:pPr algn="ctr"/>
-              <a:r>
-                <a:rPr lang="en-GB" dirty="0">
-                  <a:latin typeface="Sequel Sans Book Head" panose="020B0503050000020004" pitchFamily="34" charset="77"/>
-                </a:rPr>
-                <a:t>AWB-GCN</a:t>
-              </a:r>
-            </a:p>
-            <a:p>
-              <a:pPr algn="ctr"/>
-              <a:r>
-                <a:rPr lang="en-GB" dirty="0">
-                  <a:latin typeface="Sequel Sans Book Head" panose="020B0503050000020004" pitchFamily="34" charset="77"/>
-                </a:rPr>
-                <a:t>ENG</a:t>
-              </a:r>
-            </a:p>
-          </p:txBody>
-        </p:sp>
-      </p:grpSp>
-      <p:grpSp>
-        <p:nvGrpSpPr>
-          <p:cNvPr id="8" name="Gruppo 7">
-            <a:extLst>
-              <a:ext uri="{FF2B5EF4-FFF2-40B4-BE49-F238E27FC236}">
-                <a16:creationId xmlns:a16="http://schemas.microsoft.com/office/drawing/2014/main" id="{8C36C312-7DC5-D568-C69E-9E25C0476F98}"/>
-              </a:ext>
-            </a:extLst>
-          </p:cNvPr>
-          <p:cNvGrpSpPr/>
-          <p:nvPr/>
-        </p:nvGrpSpPr>
-        <p:grpSpPr>
-          <a:xfrm>
-            <a:off x="2602567" y="1216648"/>
-            <a:ext cx="1840568" cy="1077218"/>
-            <a:chOff x="427239" y="1831187"/>
-            <a:chExt cx="1840568" cy="1077218"/>
-          </a:xfrm>
-        </p:grpSpPr>
-        <p:sp>
-          <p:nvSpPr>
-            <p:cNvPr id="11" name="CasellaDiTesto 10">
-              <a:extLst>
-                <a:ext uri="{FF2B5EF4-FFF2-40B4-BE49-F238E27FC236}">
-                  <a16:creationId xmlns:a16="http://schemas.microsoft.com/office/drawing/2014/main" id="{2C5D44EC-D364-28C0-5EC1-19013635F0E3}"/>
-                </a:ext>
-              </a:extLst>
-            </p:cNvPr>
-            <p:cNvSpPr txBox="1"/>
-            <p:nvPr/>
-          </p:nvSpPr>
-          <p:spPr>
-            <a:xfrm>
-              <a:off x="427239" y="1831187"/>
-              <a:ext cx="1840568" cy="707886"/>
-            </a:xfrm>
-            <a:prstGeom prst="rect">
-              <a:avLst/>
-            </a:prstGeom>
-            <a:noFill/>
-          </p:spPr>
-          <p:txBody>
-            <a:bodyPr wrap="none" rtlCol="0">
-              <a:spAutoFit/>
-            </a:bodyPr>
-            <a:lstStyle/>
-            <a:p>
-              <a:pPr algn="ctr"/>
-              <a:r>
-                <a:rPr lang="en-GB" sz="2000" dirty="0">
-                  <a:latin typeface="Sharp Grotesk Medium 20" pitchFamily="2" charset="77"/>
-                </a:rPr>
-                <a:t>Tiled </a:t>
-              </a:r>
-            </a:p>
-            <a:p>
-              <a:pPr algn="ctr"/>
-              <a:r>
-                <a:rPr lang="en-GB" sz="2000" dirty="0">
-                  <a:latin typeface="Sharp Grotesk Medium 20" pitchFamily="2" charset="77"/>
-                </a:rPr>
-                <a:t>architecture</a:t>
-              </a:r>
-            </a:p>
-          </p:txBody>
-        </p:sp>
-        <p:sp>
-          <p:nvSpPr>
-            <p:cNvPr id="12" name="CasellaDiTesto 11">
-              <a:extLst>
-                <a:ext uri="{FF2B5EF4-FFF2-40B4-BE49-F238E27FC236}">
-                  <a16:creationId xmlns:a16="http://schemas.microsoft.com/office/drawing/2014/main" id="{CDAAEC07-4086-5638-B063-BA316466785F}"/>
-                </a:ext>
-              </a:extLst>
-            </p:cNvPr>
-            <p:cNvSpPr txBox="1"/>
-            <p:nvPr/>
-          </p:nvSpPr>
-          <p:spPr>
-            <a:xfrm>
-              <a:off x="680515" y="2539073"/>
-              <a:ext cx="1334020" cy="369332"/>
-            </a:xfrm>
-            <a:prstGeom prst="rect">
-              <a:avLst/>
-            </a:prstGeom>
-            <a:noFill/>
-          </p:spPr>
-          <p:txBody>
-            <a:bodyPr wrap="none" rtlCol="0">
-              <a:spAutoFit/>
-            </a:bodyPr>
-            <a:lstStyle/>
-            <a:p>
-              <a:pPr algn="ctr"/>
-              <a:r>
-                <a:rPr lang="en-GB" dirty="0">
-                  <a:latin typeface="Sequel Sans Book Head" panose="020B0503050000020004" pitchFamily="34" charset="77"/>
-                </a:rPr>
-                <a:t>Auten </a:t>
-              </a:r>
-              <a:r>
-                <a:rPr lang="en-GB" i="1" dirty="0">
-                  <a:latin typeface="Sequel Sans Book Obl Head" panose="020B0503050000020004" pitchFamily="34" charset="77"/>
-                </a:rPr>
-                <a:t>et al.</a:t>
-              </a:r>
-            </a:p>
-          </p:txBody>
-        </p:sp>
-      </p:grpSp>
-      <p:grpSp>
-        <p:nvGrpSpPr>
-          <p:cNvPr id="19" name="Gruppo 18">
-            <a:extLst>
-              <a:ext uri="{FF2B5EF4-FFF2-40B4-BE49-F238E27FC236}">
-                <a16:creationId xmlns:a16="http://schemas.microsoft.com/office/drawing/2014/main" id="{F76AF146-D371-9DB2-EEE8-4B27A3D5F2B9}"/>
-              </a:ext>
-            </a:extLst>
-          </p:cNvPr>
-          <p:cNvGrpSpPr/>
-          <p:nvPr/>
-        </p:nvGrpSpPr>
-        <p:grpSpPr>
-          <a:xfrm>
-            <a:off x="4700863" y="1216648"/>
-            <a:ext cx="1840568" cy="1354217"/>
-            <a:chOff x="427239" y="1831187"/>
-            <a:chExt cx="1840568" cy="1354217"/>
-          </a:xfrm>
-        </p:grpSpPr>
-        <p:sp>
-          <p:nvSpPr>
-            <p:cNvPr id="20" name="CasellaDiTesto 19">
-              <a:extLst>
-                <a:ext uri="{FF2B5EF4-FFF2-40B4-BE49-F238E27FC236}">
-                  <a16:creationId xmlns:a16="http://schemas.microsoft.com/office/drawing/2014/main" id="{93998115-6964-F1DB-6426-FED1606333BE}"/>
-                </a:ext>
-              </a:extLst>
-            </p:cNvPr>
-            <p:cNvSpPr txBox="1"/>
-            <p:nvPr/>
-          </p:nvSpPr>
-          <p:spPr>
-            <a:xfrm>
-              <a:off x="427239" y="1831187"/>
-              <a:ext cx="1840568" cy="707886"/>
-            </a:xfrm>
-            <a:prstGeom prst="rect">
-              <a:avLst/>
-            </a:prstGeom>
-            <a:noFill/>
-          </p:spPr>
-          <p:txBody>
-            <a:bodyPr wrap="none" rtlCol="0">
-              <a:spAutoFit/>
-            </a:bodyPr>
-            <a:lstStyle/>
-            <a:p>
-              <a:pPr algn="ctr"/>
-              <a:r>
-                <a:rPr lang="en-GB" sz="2000" dirty="0">
-                  <a:latin typeface="Sharp Grotesk Medium 20" pitchFamily="2" charset="77"/>
-                </a:rPr>
-                <a:t>Hybrid </a:t>
-              </a:r>
-            </a:p>
-            <a:p>
-              <a:pPr algn="ctr"/>
-              <a:r>
-                <a:rPr lang="en-GB" sz="2000" dirty="0">
-                  <a:latin typeface="Sharp Grotesk Medium 20" pitchFamily="2" charset="77"/>
-                </a:rPr>
-                <a:t>architecture</a:t>
-              </a:r>
-            </a:p>
-          </p:txBody>
-        </p:sp>
-        <p:sp>
-          <p:nvSpPr>
-            <p:cNvPr id="21" name="CasellaDiTesto 20">
-              <a:extLst>
-                <a:ext uri="{FF2B5EF4-FFF2-40B4-BE49-F238E27FC236}">
-                  <a16:creationId xmlns:a16="http://schemas.microsoft.com/office/drawing/2014/main" id="{A8911017-884A-0E73-E635-5A38F581ADE4}"/>
-                </a:ext>
-              </a:extLst>
-            </p:cNvPr>
-            <p:cNvSpPr txBox="1"/>
-            <p:nvPr/>
-          </p:nvSpPr>
-          <p:spPr>
-            <a:xfrm>
-              <a:off x="867266" y="2539073"/>
-              <a:ext cx="960519" cy="646331"/>
-            </a:xfrm>
-            <a:prstGeom prst="rect">
-              <a:avLst/>
-            </a:prstGeom>
-            <a:noFill/>
-          </p:spPr>
-          <p:txBody>
-            <a:bodyPr wrap="none" rtlCol="0">
-              <a:spAutoFit/>
-            </a:bodyPr>
-            <a:lstStyle/>
-            <a:p>
-              <a:pPr algn="ctr"/>
-              <a:r>
-                <a:rPr lang="en-GB" dirty="0">
-                  <a:latin typeface="Sequel Sans Book Head" panose="020B0503050000020004" pitchFamily="34" charset="77"/>
-                </a:rPr>
-                <a:t>HyGCN</a:t>
-              </a:r>
-            </a:p>
-            <a:p>
-              <a:pPr algn="ctr"/>
-              <a:r>
-                <a:rPr lang="en-GB" dirty="0">
-                  <a:latin typeface="Sequel Sans Book Head" panose="020B0503050000020004" pitchFamily="34" charset="77"/>
-                </a:rPr>
-                <a:t>GRIP</a:t>
-              </a:r>
-            </a:p>
-          </p:txBody>
-        </p:sp>
-      </p:grpSp>
-      <p:grpSp>
-        <p:nvGrpSpPr>
-          <p:cNvPr id="22" name="Gruppo 21">
-            <a:extLst>
-              <a:ext uri="{FF2B5EF4-FFF2-40B4-BE49-F238E27FC236}">
-                <a16:creationId xmlns:a16="http://schemas.microsoft.com/office/drawing/2014/main" id="{BED6149E-DF9E-31D0-F3AA-397BA819A4DF}"/>
-              </a:ext>
-            </a:extLst>
-          </p:cNvPr>
-          <p:cNvGrpSpPr/>
-          <p:nvPr/>
-        </p:nvGrpSpPr>
-        <p:grpSpPr>
-          <a:xfrm>
-            <a:off x="6948241" y="1216648"/>
-            <a:ext cx="1542409" cy="1354217"/>
-            <a:chOff x="576320" y="1831187"/>
-            <a:chExt cx="1542409" cy="1354217"/>
-          </a:xfrm>
-        </p:grpSpPr>
-        <p:sp>
-          <p:nvSpPr>
-            <p:cNvPr id="23" name="CasellaDiTesto 22">
-              <a:extLst>
-                <a:ext uri="{FF2B5EF4-FFF2-40B4-BE49-F238E27FC236}">
-                  <a16:creationId xmlns:a16="http://schemas.microsoft.com/office/drawing/2014/main" id="{47F8AB07-05CD-A614-A414-69CFF474433F}"/>
-                </a:ext>
-              </a:extLst>
-            </p:cNvPr>
-            <p:cNvSpPr txBox="1"/>
-            <p:nvPr/>
-          </p:nvSpPr>
-          <p:spPr>
-            <a:xfrm>
-              <a:off x="576320" y="1831187"/>
-              <a:ext cx="1542409" cy="707886"/>
-            </a:xfrm>
-            <a:prstGeom prst="rect">
-              <a:avLst/>
-            </a:prstGeom>
-            <a:noFill/>
-          </p:spPr>
-          <p:txBody>
-            <a:bodyPr wrap="none" rtlCol="0">
-              <a:spAutoFit/>
-            </a:bodyPr>
-            <a:lstStyle/>
-            <a:p>
-              <a:pPr algn="ctr"/>
-              <a:r>
-                <a:rPr lang="en-GB" sz="2000" dirty="0">
-                  <a:latin typeface="Sharp Grotesk Medium 20" pitchFamily="2" charset="77"/>
-                </a:rPr>
-                <a:t>SW-HW </a:t>
-              </a:r>
-            </a:p>
-            <a:p>
-              <a:pPr algn="ctr"/>
-              <a:r>
-                <a:rPr lang="en-GB" sz="2000" dirty="0">
-                  <a:latin typeface="Sharp Grotesk Medium 20" pitchFamily="2" charset="77"/>
-                </a:rPr>
-                <a:t>Co-design</a:t>
-              </a:r>
-            </a:p>
-          </p:txBody>
-        </p:sp>
-        <p:sp>
-          <p:nvSpPr>
-            <p:cNvPr id="24" name="CasellaDiTesto 23">
-              <a:extLst>
-                <a:ext uri="{FF2B5EF4-FFF2-40B4-BE49-F238E27FC236}">
-                  <a16:creationId xmlns:a16="http://schemas.microsoft.com/office/drawing/2014/main" id="{ACCD89CA-DDAC-353A-55BC-B9011FD0C210}"/>
-                </a:ext>
-              </a:extLst>
-            </p:cNvPr>
-            <p:cNvSpPr txBox="1"/>
-            <p:nvPr/>
-          </p:nvSpPr>
-          <p:spPr>
-            <a:xfrm>
-              <a:off x="667693" y="2539073"/>
-              <a:ext cx="1359668" cy="646331"/>
-            </a:xfrm>
-            <a:prstGeom prst="rect">
-              <a:avLst/>
-            </a:prstGeom>
-            <a:noFill/>
-          </p:spPr>
-          <p:txBody>
-            <a:bodyPr wrap="none" rtlCol="0">
-              <a:spAutoFit/>
-            </a:bodyPr>
-            <a:lstStyle/>
-            <a:p>
-              <a:pPr algn="ctr"/>
-              <a:r>
-                <a:rPr lang="en-GB" dirty="0">
-                  <a:latin typeface="Sequel Sans Book Head" panose="020B0503050000020004" pitchFamily="34" charset="77"/>
-                </a:rPr>
-                <a:t>Zhang </a:t>
-              </a:r>
-              <a:r>
-                <a:rPr lang="en-GB" i="1" dirty="0">
-                  <a:latin typeface="Sequel Sans Book Obl Head" panose="020B0503050000020004" pitchFamily="34" charset="77"/>
-                </a:rPr>
-                <a:t>et al.</a:t>
-              </a:r>
-              <a:endParaRPr lang="en-GB" dirty="0">
-                <a:latin typeface="Sequel Sans Book Head" panose="020B0503050000020004" pitchFamily="34" charset="77"/>
-              </a:endParaRPr>
-            </a:p>
-            <a:p>
-              <a:pPr algn="ctr"/>
-              <a:r>
-                <a:rPr lang="en-GB" dirty="0">
-                  <a:latin typeface="Sequel Sans Book Head" panose="020B0503050000020004" pitchFamily="34" charset="77"/>
-                </a:rPr>
-                <a:t>GCoD</a:t>
-              </a:r>
-            </a:p>
-          </p:txBody>
-        </p:sp>
-      </p:grpSp>
-      <p:grpSp>
-        <p:nvGrpSpPr>
-          <p:cNvPr id="27" name="Gruppo 26">
-            <a:extLst>
-              <a:ext uri="{FF2B5EF4-FFF2-40B4-BE49-F238E27FC236}">
-                <a16:creationId xmlns:a16="http://schemas.microsoft.com/office/drawing/2014/main" id="{EC6087FA-CAC4-D7C4-CE6A-B1E2CCDF06E4}"/>
-              </a:ext>
-            </a:extLst>
-          </p:cNvPr>
-          <p:cNvGrpSpPr/>
-          <p:nvPr/>
-        </p:nvGrpSpPr>
-        <p:grpSpPr>
-          <a:xfrm>
-            <a:off x="800295" y="3144136"/>
-            <a:ext cx="5598007" cy="1434754"/>
-            <a:chOff x="-1152215" y="1206187"/>
-            <a:chExt cx="5598007" cy="1434754"/>
-          </a:xfrm>
-        </p:grpSpPr>
-        <p:sp>
-          <p:nvSpPr>
-            <p:cNvPr id="28" name="CasellaDiTesto 27">
-              <a:extLst>
-                <a:ext uri="{FF2B5EF4-FFF2-40B4-BE49-F238E27FC236}">
-                  <a16:creationId xmlns:a16="http://schemas.microsoft.com/office/drawing/2014/main" id="{6BFCE4A0-5219-AE47-B297-7FA1912496A8}"/>
-                </a:ext>
-              </a:extLst>
-            </p:cNvPr>
-            <p:cNvSpPr txBox="1"/>
-            <p:nvPr/>
-          </p:nvSpPr>
-          <p:spPr>
-            <a:xfrm>
-              <a:off x="-1152215" y="1206187"/>
-              <a:ext cx="3849131" cy="400110"/>
-            </a:xfrm>
-            <a:prstGeom prst="rect">
-              <a:avLst/>
-            </a:prstGeom>
-            <a:noFill/>
-          </p:spPr>
-          <p:txBody>
-            <a:bodyPr wrap="none" rtlCol="0">
-              <a:spAutoFit/>
-            </a:bodyPr>
-            <a:lstStyle/>
-            <a:p>
-              <a:pPr algn="ctr"/>
-              <a:r>
-                <a:rPr lang="en-GB" sz="2000" dirty="0">
-                  <a:latin typeface="Sharp Grotesk Medium 20" pitchFamily="2" charset="77"/>
-                </a:rPr>
-                <a:t>High-Level Synthesis based</a:t>
-              </a:r>
-            </a:p>
-          </p:txBody>
-        </p:sp>
-        <p:sp>
-          <p:nvSpPr>
-            <p:cNvPr id="29" name="CasellaDiTesto 28">
-              <a:extLst>
-                <a:ext uri="{FF2B5EF4-FFF2-40B4-BE49-F238E27FC236}">
-                  <a16:creationId xmlns:a16="http://schemas.microsoft.com/office/drawing/2014/main" id="{192CACE2-C5E9-DA39-BE6D-6D629B04C05C}"/>
-                </a:ext>
-              </a:extLst>
-            </p:cNvPr>
-            <p:cNvSpPr txBox="1"/>
-            <p:nvPr/>
-          </p:nvSpPr>
-          <p:spPr>
-            <a:xfrm>
-              <a:off x="-1152215" y="1717611"/>
-              <a:ext cx="5598007" cy="923330"/>
-            </a:xfrm>
-            <a:prstGeom prst="rect">
-              <a:avLst/>
-            </a:prstGeom>
-            <a:noFill/>
-          </p:spPr>
-          <p:txBody>
-            <a:bodyPr wrap="none" rtlCol="0">
-              <a:spAutoFit/>
-            </a:bodyPr>
-            <a:lstStyle/>
-            <a:p>
-              <a:r>
-                <a:rPr lang="en-GB" dirty="0">
-                  <a:latin typeface="Sequel Sans Book Head" panose="020B0503050000020004" pitchFamily="34" charset="77"/>
-                </a:rPr>
-                <a:t>FlowGNN is a GNN acceleration framework utilizing </a:t>
-              </a:r>
-            </a:p>
-            <a:p>
-              <a:r>
-                <a:rPr lang="en-GB" dirty="0">
-                  <a:latin typeface="Sequel Sans Book Head" panose="020B0503050000020004" pitchFamily="34" charset="77"/>
-                </a:rPr>
-                <a:t>High-Level Synthesis.</a:t>
-              </a:r>
-            </a:p>
-            <a:p>
-              <a:r>
-                <a:rPr lang="en-GB" dirty="0">
-                  <a:latin typeface="Sequel Sans Book Head" panose="020B0503050000020004" pitchFamily="34" charset="77"/>
-                </a:rPr>
-                <a:t>C++ model implementations ready to be synthesized. </a:t>
-              </a:r>
-            </a:p>
-          </p:txBody>
-        </p:sp>
-      </p:grpSp>
-      <p:grpSp>
-        <p:nvGrpSpPr>
-          <p:cNvPr id="38" name="Gruppo 37">
-            <a:extLst>
-              <a:ext uri="{FF2B5EF4-FFF2-40B4-BE49-F238E27FC236}">
-                <a16:creationId xmlns:a16="http://schemas.microsoft.com/office/drawing/2014/main" id="{9655481E-1315-0C5A-35DC-F46EE30369B2}"/>
-              </a:ext>
-            </a:extLst>
-          </p:cNvPr>
-          <p:cNvGrpSpPr/>
-          <p:nvPr/>
-        </p:nvGrpSpPr>
-        <p:grpSpPr>
-          <a:xfrm>
-            <a:off x="6773951" y="3230648"/>
-            <a:ext cx="1569755" cy="1261730"/>
-            <a:chOff x="5747736" y="3190456"/>
-            <a:chExt cx="1569755" cy="1261730"/>
-          </a:xfrm>
-        </p:grpSpPr>
-        <p:sp>
-          <p:nvSpPr>
-            <p:cNvPr id="31" name="CasellaDiTesto 30">
-              <a:extLst>
-                <a:ext uri="{FF2B5EF4-FFF2-40B4-BE49-F238E27FC236}">
-                  <a16:creationId xmlns:a16="http://schemas.microsoft.com/office/drawing/2014/main" id="{EE7AC169-1D54-98AE-A304-0E2FA02F7479}"/>
-                </a:ext>
-              </a:extLst>
-            </p:cNvPr>
-            <p:cNvSpPr txBox="1"/>
-            <p:nvPr/>
-          </p:nvSpPr>
-          <p:spPr>
-            <a:xfrm>
-              <a:off x="5747736" y="3190456"/>
-              <a:ext cx="1569754" cy="338554"/>
-            </a:xfrm>
-            <a:prstGeom prst="rect">
-              <a:avLst/>
-            </a:prstGeom>
-            <a:noFill/>
-          </p:spPr>
-          <p:txBody>
-            <a:bodyPr wrap="square" rtlCol="0">
-              <a:spAutoFit/>
-            </a:bodyPr>
-            <a:lstStyle/>
-            <a:p>
-              <a:pPr algn="ctr"/>
-              <a:r>
-                <a:rPr lang="en-GB" sz="1600" b="1" dirty="0">
-                  <a:latin typeface="Sequel Sans Semi Bold Head" panose="020B0503050000020004" pitchFamily="34" charset="77"/>
-                </a:rPr>
-                <a:t>C++ models</a:t>
-              </a:r>
-            </a:p>
-          </p:txBody>
-        </p:sp>
-        <p:sp>
-          <p:nvSpPr>
-            <p:cNvPr id="32" name="CasellaDiTesto 31">
-              <a:extLst>
-                <a:ext uri="{FF2B5EF4-FFF2-40B4-BE49-F238E27FC236}">
-                  <a16:creationId xmlns:a16="http://schemas.microsoft.com/office/drawing/2014/main" id="{29C2AE26-947E-3984-5EB6-3729EE66B1E8}"/>
-                </a:ext>
-              </a:extLst>
-            </p:cNvPr>
-            <p:cNvSpPr txBox="1"/>
-            <p:nvPr/>
-          </p:nvSpPr>
-          <p:spPr>
-            <a:xfrm>
-              <a:off x="5898726" y="3653331"/>
-              <a:ext cx="1267774" cy="338554"/>
-            </a:xfrm>
-            <a:prstGeom prst="rect">
-              <a:avLst/>
-            </a:prstGeom>
-            <a:noFill/>
-          </p:spPr>
-          <p:txBody>
-            <a:bodyPr wrap="square" rtlCol="0">
-              <a:spAutoFit/>
-            </a:bodyPr>
-            <a:lstStyle/>
-            <a:p>
-              <a:pPr algn="ctr"/>
-              <a:r>
-                <a:rPr lang="en-GB" sz="1600" b="1" dirty="0">
-                  <a:latin typeface="Sequel Sans Semi Bold Head" panose="020B0503050000020004" pitchFamily="34" charset="77"/>
-                </a:rPr>
-                <a:t>FlowGNN</a:t>
-              </a:r>
-            </a:p>
-          </p:txBody>
-        </p:sp>
-        <p:sp>
-          <p:nvSpPr>
-            <p:cNvPr id="33" name="CasellaDiTesto 32">
-              <a:extLst>
-                <a:ext uri="{FF2B5EF4-FFF2-40B4-BE49-F238E27FC236}">
-                  <a16:creationId xmlns:a16="http://schemas.microsoft.com/office/drawing/2014/main" id="{A323EA80-95A2-9744-F703-3E6D6EA1DF89}"/>
-                </a:ext>
-              </a:extLst>
-            </p:cNvPr>
-            <p:cNvSpPr txBox="1"/>
-            <p:nvPr/>
-          </p:nvSpPr>
-          <p:spPr>
-            <a:xfrm>
-              <a:off x="5747736" y="4113632"/>
-              <a:ext cx="1569755" cy="338554"/>
-            </a:xfrm>
-            <a:prstGeom prst="rect">
-              <a:avLst/>
-            </a:prstGeom>
-            <a:noFill/>
-          </p:spPr>
-          <p:txBody>
-            <a:bodyPr wrap="square" rtlCol="0">
-              <a:spAutoFit/>
-            </a:bodyPr>
-            <a:lstStyle/>
-            <a:p>
-              <a:pPr algn="ctr"/>
-              <a:r>
-                <a:rPr lang="en-GB" sz="1600" b="1" dirty="0">
-                  <a:latin typeface="Sequel Sans Semi Bold Head" panose="020B0503050000020004" pitchFamily="34" charset="77"/>
-                </a:rPr>
-                <a:t>Accelerator</a:t>
-              </a:r>
-            </a:p>
-          </p:txBody>
-        </p:sp>
-        <p:cxnSp>
-          <p:nvCxnSpPr>
-            <p:cNvPr id="34" name="Connettore 2 33">
-              <a:extLst>
-                <a:ext uri="{FF2B5EF4-FFF2-40B4-BE49-F238E27FC236}">
-                  <a16:creationId xmlns:a16="http://schemas.microsoft.com/office/drawing/2014/main" id="{8FABE5B3-94FA-73F6-4DBA-B2FBD6F387D7}"/>
-                </a:ext>
-              </a:extLst>
-            </p:cNvPr>
-            <p:cNvCxnSpPr>
-              <a:cxnSpLocks/>
-            </p:cNvCxnSpPr>
-            <p:nvPr/>
-          </p:nvCxnSpPr>
-          <p:spPr>
-            <a:xfrm>
-              <a:off x="6536392" y="3529010"/>
-              <a:ext cx="0" cy="168469"/>
-            </a:xfrm>
-            <a:prstGeom prst="straightConnector1">
-              <a:avLst/>
-            </a:prstGeom>
-            <a:ln w="15875" cap="flat" cmpd="sng" algn="ctr">
-              <a:solidFill>
-                <a:schemeClr val="accent1"/>
-              </a:solidFill>
-              <a:prstDash val="solid"/>
-              <a:round/>
-              <a:headEnd type="none" w="med" len="med"/>
-              <a:tailEnd type="arrow" w="med" len="med"/>
-            </a:ln>
-          </p:spPr>
-          <p:style>
-            <a:lnRef idx="0">
-              <a:scrgbClr r="0" g="0" b="0"/>
-            </a:lnRef>
-            <a:fillRef idx="0">
-              <a:scrgbClr r="0" g="0" b="0"/>
-            </a:fillRef>
-            <a:effectRef idx="0">
-              <a:scrgbClr r="0" g="0" b="0"/>
-            </a:effectRef>
-            <a:fontRef idx="minor">
-              <a:schemeClr val="tx1"/>
-            </a:fontRef>
-          </p:style>
-        </p:cxnSp>
-        <p:cxnSp>
-          <p:nvCxnSpPr>
-            <p:cNvPr id="35" name="Connettore 2 34">
-              <a:extLst>
-                <a:ext uri="{FF2B5EF4-FFF2-40B4-BE49-F238E27FC236}">
-                  <a16:creationId xmlns:a16="http://schemas.microsoft.com/office/drawing/2014/main" id="{3DD080D3-1D20-37B5-E5A3-88BF98AD5B2A}"/>
-                </a:ext>
-              </a:extLst>
-            </p:cNvPr>
-            <p:cNvCxnSpPr>
-              <a:cxnSpLocks/>
-            </p:cNvCxnSpPr>
-            <p:nvPr/>
-          </p:nvCxnSpPr>
-          <p:spPr>
-            <a:xfrm>
-              <a:off x="6536214" y="3991885"/>
-              <a:ext cx="0" cy="168469"/>
-            </a:xfrm>
-            <a:prstGeom prst="straightConnector1">
-              <a:avLst/>
-            </a:prstGeom>
-            <a:ln w="15875" cap="flat" cmpd="sng" algn="ctr">
-              <a:solidFill>
-                <a:schemeClr val="accent1"/>
-              </a:solidFill>
-              <a:prstDash val="solid"/>
-              <a:round/>
-              <a:headEnd type="none" w="med" len="med"/>
-              <a:tailEnd type="arrow" w="med" len="med"/>
-            </a:ln>
-          </p:spPr>
-          <p:style>
-            <a:lnRef idx="0">
-              <a:scrgbClr r="0" g="0" b="0"/>
-            </a:lnRef>
-            <a:fillRef idx="0">
-              <a:scrgbClr r="0" g="0" b="0"/>
-            </a:fillRef>
-            <a:effectRef idx="0">
-              <a:scrgbClr r="0" g="0" b="0"/>
-            </a:effectRef>
-            <a:fontRef idx="minor">
-              <a:schemeClr val="tx1"/>
-            </a:fontRef>
-          </p:style>
-        </p:cxnSp>
-      </p:grpSp>
-    </p:spTree>
-    <p:extLst>
-      <p:ext uri="{BB962C8B-B14F-4D97-AF65-F5344CB8AC3E}">
-        <p14:creationId xmlns:p14="http://schemas.microsoft.com/office/powerpoint/2010/main" val="1420058741"/>
-      </p:ext>
-    </p:extLst>
-  </p:cSld>
-  <p:clrMapOvr>
-    <a:masterClrMapping/>
-  </p:clrMapOvr>
-</p:sld>
-</file>
-
-<file path=ppt/slides/slide7.xml><?xml version="1.0" encoding="utf-8"?>
-<p:sld xmlns:a="http://schemas.openxmlformats.org/drawingml/2006/main" xmlns:r="http://schemas.openxmlformats.org/officeDocument/2006/relationships" xmlns:p="http://schemas.openxmlformats.org/presentationml/2006/main">
-  <p:cSld>
-    <p:spTree>
-      <p:nvGrpSpPr>
-        <p:cNvPr id="1" name=""/>
-        <p:cNvGrpSpPr/>
-        <p:nvPr/>
-      </p:nvGrpSpPr>
-      <p:grpSpPr>
-        <a:xfrm>
-          <a:off x="0" y="0"/>
-          <a:ext cx="0" cy="0"/>
-          <a:chOff x="0" y="0"/>
-          <a:chExt cx="0" cy="0"/>
-        </a:xfrm>
-      </p:grpSpPr>
-      <p:sp>
-        <p:nvSpPr>
-          <p:cNvPr id="134" name="Rettangolo 133">
-            <a:extLst>
-              <a:ext uri="{FF2B5EF4-FFF2-40B4-BE49-F238E27FC236}">
-                <a16:creationId xmlns:a16="http://schemas.microsoft.com/office/drawing/2014/main" id="{A8519319-7D7C-2912-7E4E-164AD4595F40}"/>
-              </a:ext>
-            </a:extLst>
-          </p:cNvPr>
-          <p:cNvSpPr/>
-          <p:nvPr/>
-        </p:nvSpPr>
-        <p:spPr>
-          <a:xfrm flipV="1">
-            <a:off x="-1" y="5277394"/>
-            <a:ext cx="9144000" cy="437606"/>
-          </a:xfrm>
-          <a:prstGeom prst="rect">
-            <a:avLst/>
-          </a:prstGeom>
-          <a:solidFill>
-            <a:srgbClr val="728FA5"/>
-          </a:solidFill>
-          <a:ln>
-            <a:noFill/>
-          </a:ln>
-          <a:effectLst/>
-        </p:spPr>
-        <p:style>
-          <a:lnRef idx="1">
-            <a:schemeClr val="accent1"/>
-          </a:lnRef>
-          <a:fillRef idx="3">
-            <a:schemeClr val="accent1"/>
-          </a:fillRef>
-          <a:effectRef idx="2">
-            <a:schemeClr val="accent1"/>
-          </a:effectRef>
-          <a:fontRef idx="minor">
-            <a:schemeClr val="lt1"/>
-          </a:fontRef>
-        </p:style>
-        <p:txBody>
-          <a:bodyPr rtlCol="0" anchor="ctr"/>
-          <a:lstStyle/>
-          <a:p>
-            <a:pPr algn="ctr"/>
-            <a:endParaRPr lang="it-IT" sz="1500" dirty="0"/>
-          </a:p>
-        </p:txBody>
-      </p:sp>
-      <p:pic>
-        <p:nvPicPr>
-          <p:cNvPr id="4" name="Immagine 3">
-            <a:extLst>
-              <a:ext uri="{FF2B5EF4-FFF2-40B4-BE49-F238E27FC236}">
-                <a16:creationId xmlns:a16="http://schemas.microsoft.com/office/drawing/2014/main" id="{D68174EB-0F70-C780-1A24-018369C83896}"/>
-              </a:ext>
-            </a:extLst>
-          </p:cNvPr>
-          <p:cNvPicPr>
-            <a:picLocks noChangeAspect="1"/>
-          </p:cNvPicPr>
-          <p:nvPr/>
-        </p:nvPicPr>
-        <p:blipFill>
-          <a:blip r:embed="rId2"/>
-          <a:stretch>
-            <a:fillRect/>
-          </a:stretch>
-        </p:blipFill>
-        <p:spPr>
-          <a:xfrm>
-            <a:off x="223884" y="5373086"/>
-            <a:ext cx="1032686" cy="288000"/>
-          </a:xfrm>
-          <a:prstGeom prst="rect">
-            <a:avLst/>
-          </a:prstGeom>
-        </p:spPr>
-      </p:pic>
-      <p:sp>
-        <p:nvSpPr>
-          <p:cNvPr id="5" name="CasellaDiTesto 4">
-            <a:extLst>
-              <a:ext uri="{FF2B5EF4-FFF2-40B4-BE49-F238E27FC236}">
-                <a16:creationId xmlns:a16="http://schemas.microsoft.com/office/drawing/2014/main" id="{1C73B393-8402-FEF9-087D-D1084857C45D}"/>
-              </a:ext>
-            </a:extLst>
-          </p:cNvPr>
-          <p:cNvSpPr txBox="1"/>
-          <p:nvPr/>
-        </p:nvSpPr>
-        <p:spPr>
-          <a:xfrm>
-            <a:off x="8595988" y="5373086"/>
             <a:ext cx="360996" cy="276999"/>
           </a:xfrm>
           <a:prstGeom prst="rect">
@@ -24730,7 +23986,7 @@
 </p:sld>
 </file>
 
-<file path=ppt/slides/slide8.xml><?xml version="1.0" encoding="utf-8"?>
+<file path=ppt/slides/slide7.xml><?xml version="1.0" encoding="utf-8"?>
 <p:sld xmlns:a="http://schemas.openxmlformats.org/drawingml/2006/main" xmlns:r="http://schemas.openxmlformats.org/officeDocument/2006/relationships" xmlns:p="http://schemas.openxmlformats.org/presentationml/2006/main">
   <p:cSld>
     <p:spTree>
@@ -26033,7 +25289,7 @@
 </p:sld>
 </file>
 
-<file path=ppt/slides/slide9.xml><?xml version="1.0" encoding="utf-8"?>
+<file path=ppt/slides/slide8.xml><?xml version="1.0" encoding="utf-8"?>
 <p:sld xmlns:a="http://schemas.openxmlformats.org/drawingml/2006/main" xmlns:r="http://schemas.openxmlformats.org/officeDocument/2006/relationships" xmlns:p="http://schemas.openxmlformats.org/presentationml/2006/main">
   <p:cSld>
     <p:spTree>
@@ -26891,6 +26147,753 @@
     <p:extLst>
       <p:ext uri="{BB962C8B-B14F-4D97-AF65-F5344CB8AC3E}">
         <p14:creationId xmlns:p14="http://schemas.microsoft.com/office/powerpoint/2010/main" val="3944959708"/>
+      </p:ext>
+    </p:extLst>
+  </p:cSld>
+  <p:clrMapOvr>
+    <a:masterClrMapping/>
+  </p:clrMapOvr>
+</p:sld>
+</file>
+
+<file path=ppt/slides/slide9.xml><?xml version="1.0" encoding="utf-8"?>
+<p:sld xmlns:a="http://schemas.openxmlformats.org/drawingml/2006/main" xmlns:r="http://schemas.openxmlformats.org/officeDocument/2006/relationships" xmlns:p="http://schemas.openxmlformats.org/presentationml/2006/main">
+  <p:cSld>
+    <p:spTree>
+      <p:nvGrpSpPr>
+        <p:cNvPr id="1" name=""/>
+        <p:cNvGrpSpPr/>
+        <p:nvPr/>
+      </p:nvGrpSpPr>
+      <p:grpSpPr>
+        <a:xfrm>
+          <a:off x="0" y="0"/>
+          <a:ext cx="0" cy="0"/>
+          <a:chOff x="0" y="0"/>
+          <a:chExt cx="0" cy="0"/>
+        </a:xfrm>
+      </p:grpSpPr>
+      <p:sp>
+        <p:nvSpPr>
+          <p:cNvPr id="134" name="Rettangolo 133">
+            <a:extLst>
+              <a:ext uri="{FF2B5EF4-FFF2-40B4-BE49-F238E27FC236}">
+                <a16:creationId xmlns:a16="http://schemas.microsoft.com/office/drawing/2014/main" id="{A8519319-7D7C-2912-7E4E-164AD4595F40}"/>
+              </a:ext>
+            </a:extLst>
+          </p:cNvPr>
+          <p:cNvSpPr/>
+          <p:nvPr/>
+        </p:nvSpPr>
+        <p:spPr>
+          <a:xfrm flipV="1">
+            <a:off x="-1" y="5277394"/>
+            <a:ext cx="9144000" cy="437606"/>
+          </a:xfrm>
+          <a:prstGeom prst="rect">
+            <a:avLst/>
+          </a:prstGeom>
+          <a:solidFill>
+            <a:srgbClr val="728FA5"/>
+          </a:solidFill>
+          <a:ln>
+            <a:noFill/>
+          </a:ln>
+          <a:effectLst/>
+        </p:spPr>
+        <p:style>
+          <a:lnRef idx="1">
+            <a:schemeClr val="accent1"/>
+          </a:lnRef>
+          <a:fillRef idx="3">
+            <a:schemeClr val="accent1"/>
+          </a:fillRef>
+          <a:effectRef idx="2">
+            <a:schemeClr val="accent1"/>
+          </a:effectRef>
+          <a:fontRef idx="minor">
+            <a:schemeClr val="lt1"/>
+          </a:fontRef>
+        </p:style>
+        <p:txBody>
+          <a:bodyPr rtlCol="0" anchor="ctr"/>
+          <a:lstStyle/>
+          <a:p>
+            <a:pPr algn="ctr"/>
+            <a:endParaRPr lang="it-IT" sz="1500" dirty="0"/>
+          </a:p>
+        </p:txBody>
+      </p:sp>
+      <p:pic>
+        <p:nvPicPr>
+          <p:cNvPr id="4" name="Immagine 3">
+            <a:extLst>
+              <a:ext uri="{FF2B5EF4-FFF2-40B4-BE49-F238E27FC236}">
+                <a16:creationId xmlns:a16="http://schemas.microsoft.com/office/drawing/2014/main" id="{D68174EB-0F70-C780-1A24-018369C83896}"/>
+              </a:ext>
+            </a:extLst>
+          </p:cNvPr>
+          <p:cNvPicPr>
+            <a:picLocks noChangeAspect="1"/>
+          </p:cNvPicPr>
+          <p:nvPr/>
+        </p:nvPicPr>
+        <p:blipFill>
+          <a:blip r:embed="rId2"/>
+          <a:stretch>
+            <a:fillRect/>
+          </a:stretch>
+        </p:blipFill>
+        <p:spPr>
+          <a:xfrm>
+            <a:off x="223884" y="5373086"/>
+            <a:ext cx="1032686" cy="288000"/>
+          </a:xfrm>
+          <a:prstGeom prst="rect">
+            <a:avLst/>
+          </a:prstGeom>
+        </p:spPr>
+      </p:pic>
+      <p:sp>
+        <p:nvSpPr>
+          <p:cNvPr id="5" name="CasellaDiTesto 4">
+            <a:extLst>
+              <a:ext uri="{FF2B5EF4-FFF2-40B4-BE49-F238E27FC236}">
+                <a16:creationId xmlns:a16="http://schemas.microsoft.com/office/drawing/2014/main" id="{1C73B393-8402-FEF9-087D-D1084857C45D}"/>
+              </a:ext>
+            </a:extLst>
+          </p:cNvPr>
+          <p:cNvSpPr txBox="1"/>
+          <p:nvPr/>
+        </p:nvSpPr>
+        <p:spPr>
+          <a:xfrm>
+            <a:off x="8595988" y="5373086"/>
+            <a:ext cx="332142" cy="276999"/>
+          </a:xfrm>
+          <a:prstGeom prst="rect">
+            <a:avLst/>
+          </a:prstGeom>
+          <a:noFill/>
+        </p:spPr>
+        <p:txBody>
+          <a:bodyPr wrap="none" rtlCol="0">
+            <a:spAutoFit/>
+          </a:bodyPr>
+          <a:lstStyle/>
+          <a:p>
+            <a:r>
+              <a:rPr lang="en-GB" sz="1200" dirty="0">
+                <a:solidFill>
+                  <a:schemeClr val="bg1"/>
+                </a:solidFill>
+                <a:latin typeface="Sequel Sans Medium Disp" panose="020B0503050000020004" pitchFamily="34" charset="77"/>
+              </a:rPr>
+              <a:t>10</a:t>
+            </a:r>
+          </a:p>
+        </p:txBody>
+      </p:sp>
+      <p:sp>
+        <p:nvSpPr>
+          <p:cNvPr id="9" name="CasellaDiTesto 8">
+            <a:extLst>
+              <a:ext uri="{FF2B5EF4-FFF2-40B4-BE49-F238E27FC236}">
+                <a16:creationId xmlns:a16="http://schemas.microsoft.com/office/drawing/2014/main" id="{41102EC2-57C7-C247-6A71-D4C9AD649DD6}"/>
+              </a:ext>
+            </a:extLst>
+          </p:cNvPr>
+          <p:cNvSpPr txBox="1"/>
+          <p:nvPr/>
+        </p:nvSpPr>
+        <p:spPr>
+          <a:xfrm>
+            <a:off x="360000" y="180000"/>
+            <a:ext cx="3818225" cy="523220"/>
+          </a:xfrm>
+          <a:prstGeom prst="rect">
+            <a:avLst/>
+          </a:prstGeom>
+          <a:noFill/>
+        </p:spPr>
+        <p:txBody>
+          <a:bodyPr wrap="none" rtlCol="0">
+            <a:spAutoFit/>
+          </a:bodyPr>
+          <a:lstStyle/>
+          <a:p>
+            <a:r>
+              <a:rPr lang="en-GB" sz="2800" b="1" dirty="0">
+                <a:latin typeface="Söhne Halbfett" panose="020B0503030202060203" pitchFamily="34" charset="77"/>
+              </a:rPr>
+              <a:t>From PyTorch to MLIR</a:t>
+            </a:r>
+          </a:p>
+        </p:txBody>
+      </p:sp>
+      <p:sp>
+        <p:nvSpPr>
+          <p:cNvPr id="10" name="Rettangolo 9">
+            <a:extLst>
+              <a:ext uri="{FF2B5EF4-FFF2-40B4-BE49-F238E27FC236}">
+                <a16:creationId xmlns:a16="http://schemas.microsoft.com/office/drawing/2014/main" id="{1EB42C2E-6428-0DC5-4536-2EC94B06E0FA}"/>
+              </a:ext>
+            </a:extLst>
+          </p:cNvPr>
+          <p:cNvSpPr/>
+          <p:nvPr/>
+        </p:nvSpPr>
+        <p:spPr>
+          <a:xfrm flipV="1">
+            <a:off x="359999" y="648000"/>
+            <a:ext cx="4006800" cy="72000"/>
+          </a:xfrm>
+          <a:prstGeom prst="rect">
+            <a:avLst/>
+          </a:prstGeom>
+          <a:solidFill>
+            <a:srgbClr val="728FA5"/>
+          </a:solidFill>
+          <a:ln>
+            <a:noFill/>
+          </a:ln>
+          <a:effectLst/>
+        </p:spPr>
+        <p:style>
+          <a:lnRef idx="1">
+            <a:schemeClr val="accent1"/>
+          </a:lnRef>
+          <a:fillRef idx="3">
+            <a:schemeClr val="accent1"/>
+          </a:fillRef>
+          <a:effectRef idx="2">
+            <a:schemeClr val="accent1"/>
+          </a:effectRef>
+          <a:fontRef idx="minor">
+            <a:schemeClr val="lt1"/>
+          </a:fontRef>
+        </p:style>
+        <p:txBody>
+          <a:bodyPr rtlCol="0" anchor="ctr"/>
+          <a:lstStyle/>
+          <a:p>
+            <a:pPr algn="ctr"/>
+            <a:endParaRPr lang="it-IT" sz="1500" dirty="0"/>
+          </a:p>
+        </p:txBody>
+      </p:sp>
+      <p:sp>
+        <p:nvSpPr>
+          <p:cNvPr id="2" name="CasellaDiTesto 1">
+            <a:extLst>
+              <a:ext uri="{FF2B5EF4-FFF2-40B4-BE49-F238E27FC236}">
+                <a16:creationId xmlns:a16="http://schemas.microsoft.com/office/drawing/2014/main" id="{96138985-2159-F34D-0EAB-F406459DDBCC}"/>
+              </a:ext>
+            </a:extLst>
+          </p:cNvPr>
+          <p:cNvSpPr txBox="1"/>
+          <p:nvPr/>
+        </p:nvSpPr>
+        <p:spPr>
+          <a:xfrm>
+            <a:off x="740227" y="1212658"/>
+            <a:ext cx="4167798" cy="3477875"/>
+          </a:xfrm>
+          <a:prstGeom prst="rect">
+            <a:avLst/>
+          </a:prstGeom>
+        </p:spPr>
+        <p:txBody>
+          <a:bodyPr wrap="square" rtlCol="0">
+            <a:spAutoFit/>
+          </a:bodyPr>
+          <a:lstStyle/>
+          <a:p>
+            <a:r>
+              <a:rPr lang="en-GB" sz="2000" dirty="0">
+                <a:latin typeface="Sequel Sans Book Head" panose="020B0503050000020004" pitchFamily="34" charset="77"/>
+              </a:rPr>
+              <a:t>Torch script is an intermediate representation used to generate serializable and optimizable models directly from PyTorch code; it represents the bridge between PyTorch and Torch-MLIR. </a:t>
+            </a:r>
+          </a:p>
+          <a:p>
+            <a:endParaRPr lang="en-GB" sz="2000" dirty="0">
+              <a:latin typeface="Sequel Sans Book Head" panose="020B0503050000020004" pitchFamily="34" charset="77"/>
+            </a:endParaRPr>
+          </a:p>
+          <a:p>
+            <a:r>
+              <a:rPr lang="en-GB" sz="2000" dirty="0">
+                <a:latin typeface="Sequel Sans Book Head" panose="020B0503050000020004" pitchFamily="34" charset="77"/>
+              </a:rPr>
+              <a:t>The model must be adapted to Torch Script, then it can be compiled using Torch-MLIR to obtain its MLIR representation.</a:t>
+            </a:r>
+          </a:p>
+        </p:txBody>
+      </p:sp>
+      <p:grpSp>
+        <p:nvGrpSpPr>
+          <p:cNvPr id="20" name="Gruppo 19">
+            <a:extLst>
+              <a:ext uri="{FF2B5EF4-FFF2-40B4-BE49-F238E27FC236}">
+                <a16:creationId xmlns:a16="http://schemas.microsoft.com/office/drawing/2014/main" id="{B003B4C5-C2E1-8EBC-CDFB-A2B4E5FAF963}"/>
+              </a:ext>
+            </a:extLst>
+          </p:cNvPr>
+          <p:cNvGrpSpPr/>
+          <p:nvPr/>
+        </p:nvGrpSpPr>
+        <p:grpSpPr>
+          <a:xfrm>
+            <a:off x="4935618" y="1387718"/>
+            <a:ext cx="3460885" cy="3243841"/>
+            <a:chOff x="4715810" y="1577803"/>
+            <a:chExt cx="3460885" cy="3243841"/>
+          </a:xfrm>
+        </p:grpSpPr>
+        <p:grpSp>
+          <p:nvGrpSpPr>
+            <p:cNvPr id="17" name="Gruppo 16">
+              <a:extLst>
+                <a:ext uri="{FF2B5EF4-FFF2-40B4-BE49-F238E27FC236}">
+                  <a16:creationId xmlns:a16="http://schemas.microsoft.com/office/drawing/2014/main" id="{8B53DB9B-5185-D7B1-EA69-99D0B2E26323}"/>
+                </a:ext>
+              </a:extLst>
+            </p:cNvPr>
+            <p:cNvGrpSpPr/>
+            <p:nvPr/>
+          </p:nvGrpSpPr>
+          <p:grpSpPr>
+            <a:xfrm>
+              <a:off x="4715810" y="1577803"/>
+              <a:ext cx="3460885" cy="3243841"/>
+              <a:chOff x="5281475" y="2415480"/>
+              <a:chExt cx="3460885" cy="3243841"/>
+            </a:xfrm>
+          </p:grpSpPr>
+          <p:grpSp>
+            <p:nvGrpSpPr>
+              <p:cNvPr id="3" name="Gruppo 2">
+                <a:extLst>
+                  <a:ext uri="{FF2B5EF4-FFF2-40B4-BE49-F238E27FC236}">
+                    <a16:creationId xmlns:a16="http://schemas.microsoft.com/office/drawing/2014/main" id="{432B210D-2B1F-422F-7A43-0344CC990BAD}"/>
+                  </a:ext>
+                </a:extLst>
+              </p:cNvPr>
+              <p:cNvGrpSpPr/>
+              <p:nvPr/>
+            </p:nvGrpSpPr>
+            <p:grpSpPr>
+              <a:xfrm>
+                <a:off x="5281475" y="2415480"/>
+                <a:ext cx="3460885" cy="2651694"/>
+                <a:chOff x="5127556" y="1439162"/>
+                <a:chExt cx="3460885" cy="2651694"/>
+              </a:xfrm>
+            </p:grpSpPr>
+            <p:sp>
+              <p:nvSpPr>
+                <p:cNvPr id="6" name="CasellaDiTesto 5">
+                  <a:extLst>
+                    <a:ext uri="{FF2B5EF4-FFF2-40B4-BE49-F238E27FC236}">
+                      <a16:creationId xmlns:a16="http://schemas.microsoft.com/office/drawing/2014/main" id="{8DE73085-0175-DD07-5F0A-FA09A657A04C}"/>
+                    </a:ext>
+                  </a:extLst>
+                </p:cNvPr>
+                <p:cNvSpPr txBox="1"/>
+                <p:nvPr/>
+              </p:nvSpPr>
+              <p:spPr>
+                <a:xfrm>
+                  <a:off x="5127556" y="1439162"/>
+                  <a:ext cx="3460885" cy="584775"/>
+                </a:xfrm>
+                <a:prstGeom prst="rect">
+                  <a:avLst/>
+                </a:prstGeom>
+                <a:noFill/>
+              </p:spPr>
+              <p:txBody>
+                <a:bodyPr wrap="square" rtlCol="0">
+                  <a:spAutoFit/>
+                </a:bodyPr>
+                <a:lstStyle/>
+                <a:p>
+                  <a:pPr algn="ctr"/>
+                  <a:r>
+                    <a:rPr lang="en-GB" sz="1600" b="1" dirty="0">
+                      <a:latin typeface="Sequel Sans Semi Bold Head" panose="020B0503050000020004" pitchFamily="34" charset="77"/>
+                    </a:rPr>
+                    <a:t>Model PyTorch </a:t>
+                  </a:r>
+                </a:p>
+                <a:p>
+                  <a:pPr algn="ctr"/>
+                  <a:r>
+                    <a:rPr lang="en-GB" sz="1600" b="1" dirty="0">
+                      <a:latin typeface="Sequel Sans Semi Bold Head" panose="020B0503050000020004" pitchFamily="34" charset="77"/>
+                    </a:rPr>
+                    <a:t>implementation</a:t>
+                  </a:r>
+                </a:p>
+              </p:txBody>
+            </p:sp>
+            <p:sp>
+              <p:nvSpPr>
+                <p:cNvPr id="7" name="CasellaDiTesto 6">
+                  <a:extLst>
+                    <a:ext uri="{FF2B5EF4-FFF2-40B4-BE49-F238E27FC236}">
+                      <a16:creationId xmlns:a16="http://schemas.microsoft.com/office/drawing/2014/main" id="{66EBB242-56EC-490E-9A89-D78C5A2D57D9}"/>
+                    </a:ext>
+                  </a:extLst>
+                </p:cNvPr>
+                <p:cNvSpPr txBox="1"/>
+                <p:nvPr/>
+              </p:nvSpPr>
+              <p:spPr>
+                <a:xfrm>
+                  <a:off x="5257797" y="2263729"/>
+                  <a:ext cx="3200404" cy="584775"/>
+                </a:xfrm>
+                <a:prstGeom prst="rect">
+                  <a:avLst/>
+                </a:prstGeom>
+                <a:noFill/>
+              </p:spPr>
+              <p:txBody>
+                <a:bodyPr wrap="square" rtlCol="0">
+                  <a:spAutoFit/>
+                </a:bodyPr>
+                <a:lstStyle/>
+                <a:p>
+                  <a:pPr algn="ctr"/>
+                  <a:r>
+                    <a:rPr lang="en-GB" sz="1600" b="1" dirty="0">
+                      <a:latin typeface="Sequel Sans Semi Bold Head" panose="020B0503050000020004" pitchFamily="34" charset="77"/>
+                    </a:rPr>
+                    <a:t>Adapt model</a:t>
+                  </a:r>
+                </a:p>
+                <a:p>
+                  <a:pPr algn="ctr"/>
+                  <a:r>
+                    <a:rPr lang="en-GB" sz="1600" b="1" dirty="0">
+                      <a:latin typeface="Sequel Sans Semi Bold Head" panose="020B0503050000020004" pitchFamily="34" charset="77"/>
+                    </a:rPr>
+                    <a:t>to Torch Script</a:t>
+                  </a:r>
+                </a:p>
+              </p:txBody>
+            </p:sp>
+            <p:sp>
+              <p:nvSpPr>
+                <p:cNvPr id="8" name="CasellaDiTesto 7">
+                  <a:extLst>
+                    <a:ext uri="{FF2B5EF4-FFF2-40B4-BE49-F238E27FC236}">
+                      <a16:creationId xmlns:a16="http://schemas.microsoft.com/office/drawing/2014/main" id="{E3B8F603-0264-9C84-EB1F-E546F147EE76}"/>
+                    </a:ext>
+                  </a:extLst>
+                </p:cNvPr>
+                <p:cNvSpPr txBox="1"/>
+                <p:nvPr/>
+              </p:nvSpPr>
+              <p:spPr>
+                <a:xfrm>
+                  <a:off x="5829291" y="3752302"/>
+                  <a:ext cx="2057418" cy="338554"/>
+                </a:xfrm>
+                <a:prstGeom prst="rect">
+                  <a:avLst/>
+                </a:prstGeom>
+                <a:noFill/>
+              </p:spPr>
+              <p:txBody>
+                <a:bodyPr wrap="square" rtlCol="0">
+                  <a:spAutoFit/>
+                </a:bodyPr>
+                <a:lstStyle/>
+                <a:p>
+                  <a:pPr algn="ctr"/>
+                  <a:r>
+                    <a:rPr lang="en-GB" sz="1600" b="1" dirty="0">
+                      <a:latin typeface="Sequel Sans Semi Bold Head" panose="020B0503050000020004" pitchFamily="34" charset="77"/>
+                    </a:rPr>
+                    <a:t>torch_mlir.compile</a:t>
+                  </a:r>
+                </a:p>
+              </p:txBody>
+            </p:sp>
+            <p:cxnSp>
+              <p:nvCxnSpPr>
+                <p:cNvPr id="11" name="Connettore 2 10">
+                  <a:extLst>
+                    <a:ext uri="{FF2B5EF4-FFF2-40B4-BE49-F238E27FC236}">
+                      <a16:creationId xmlns:a16="http://schemas.microsoft.com/office/drawing/2014/main" id="{4D698DC7-9BD6-E588-AA91-1CFBE5F706E5}"/>
+                    </a:ext>
+                  </a:extLst>
+                </p:cNvPr>
+                <p:cNvCxnSpPr>
+                  <a:cxnSpLocks/>
+                </p:cNvCxnSpPr>
+                <p:nvPr/>
+              </p:nvCxnSpPr>
+              <p:spPr>
+                <a:xfrm>
+                  <a:off x="6861778" y="2086655"/>
+                  <a:ext cx="0" cy="168469"/>
+                </a:xfrm>
+                <a:prstGeom prst="straightConnector1">
+                  <a:avLst/>
+                </a:prstGeom>
+                <a:ln w="15875" cap="flat" cmpd="sng" algn="ctr">
+                  <a:solidFill>
+                    <a:schemeClr val="accent1"/>
+                  </a:solidFill>
+                  <a:prstDash val="solid"/>
+                  <a:round/>
+                  <a:headEnd type="none" w="med" len="med"/>
+                  <a:tailEnd type="arrow" w="med" len="med"/>
+                </a:ln>
+              </p:spPr>
+              <p:style>
+                <a:lnRef idx="0">
+                  <a:scrgbClr r="0" g="0" b="0"/>
+                </a:lnRef>
+                <a:fillRef idx="0">
+                  <a:scrgbClr r="0" g="0" b="0"/>
+                </a:fillRef>
+                <a:effectRef idx="0">
+                  <a:scrgbClr r="0" g="0" b="0"/>
+                </a:effectRef>
+                <a:fontRef idx="minor">
+                  <a:schemeClr val="tx1"/>
+                </a:fontRef>
+              </p:style>
+            </p:cxnSp>
+            <p:cxnSp>
+              <p:nvCxnSpPr>
+                <p:cNvPr id="12" name="Connettore 2 11">
+                  <a:extLst>
+                    <a:ext uri="{FF2B5EF4-FFF2-40B4-BE49-F238E27FC236}">
+                      <a16:creationId xmlns:a16="http://schemas.microsoft.com/office/drawing/2014/main" id="{1B8AA04D-7B40-120B-C28E-D8EF6BA08969}"/>
+                    </a:ext>
+                  </a:extLst>
+                </p:cNvPr>
+                <p:cNvCxnSpPr>
+                  <a:cxnSpLocks/>
+                </p:cNvCxnSpPr>
+                <p:nvPr/>
+              </p:nvCxnSpPr>
+              <p:spPr>
+                <a:xfrm>
+                  <a:off x="6861600" y="2918806"/>
+                  <a:ext cx="0" cy="168469"/>
+                </a:xfrm>
+                <a:prstGeom prst="straightConnector1">
+                  <a:avLst/>
+                </a:prstGeom>
+                <a:ln w="15875" cap="flat" cmpd="sng" algn="ctr">
+                  <a:solidFill>
+                    <a:schemeClr val="accent1"/>
+                  </a:solidFill>
+                  <a:prstDash val="solid"/>
+                  <a:round/>
+                  <a:headEnd type="none" w="med" len="med"/>
+                  <a:tailEnd type="arrow" w="med" len="med"/>
+                </a:ln>
+              </p:spPr>
+              <p:style>
+                <a:lnRef idx="0">
+                  <a:scrgbClr r="0" g="0" b="0"/>
+                </a:lnRef>
+                <a:fillRef idx="0">
+                  <a:scrgbClr r="0" g="0" b="0"/>
+                </a:fillRef>
+                <a:effectRef idx="0">
+                  <a:scrgbClr r="0" g="0" b="0"/>
+                </a:effectRef>
+                <a:fontRef idx="minor">
+                  <a:schemeClr val="tx1"/>
+                </a:fontRef>
+              </p:style>
+            </p:cxnSp>
+          </p:grpSp>
+          <p:sp>
+            <p:nvSpPr>
+              <p:cNvPr id="15" name="CasellaDiTesto 14">
+                <a:extLst>
+                  <a:ext uri="{FF2B5EF4-FFF2-40B4-BE49-F238E27FC236}">
+                    <a16:creationId xmlns:a16="http://schemas.microsoft.com/office/drawing/2014/main" id="{50094E58-1DEF-E956-E200-40BAE93C9BE1}"/>
+                  </a:ext>
+                </a:extLst>
+              </p:cNvPr>
+              <p:cNvSpPr txBox="1"/>
+              <p:nvPr/>
+            </p:nvSpPr>
+            <p:spPr>
+              <a:xfrm>
+                <a:off x="5920074" y="5320767"/>
+                <a:ext cx="2190890" cy="338554"/>
+              </a:xfrm>
+              <a:prstGeom prst="rect">
+                <a:avLst/>
+              </a:prstGeom>
+              <a:noFill/>
+            </p:spPr>
+            <p:txBody>
+              <a:bodyPr wrap="square" rtlCol="0">
+                <a:spAutoFit/>
+              </a:bodyPr>
+              <a:lstStyle/>
+              <a:p>
+                <a:pPr algn="ctr"/>
+                <a:r>
+                  <a:rPr lang="en-GB" sz="1600" b="1" dirty="0">
+                    <a:latin typeface="Sequel Sans Semi Bold Head" panose="020B0503050000020004" pitchFamily="34" charset="77"/>
+                  </a:rPr>
+                  <a:t>MLIR representation</a:t>
+                </a:r>
+              </a:p>
+            </p:txBody>
+          </p:sp>
+          <p:cxnSp>
+            <p:nvCxnSpPr>
+              <p:cNvPr id="16" name="Connettore 2 15">
+                <a:extLst>
+                  <a:ext uri="{FF2B5EF4-FFF2-40B4-BE49-F238E27FC236}">
+                    <a16:creationId xmlns:a16="http://schemas.microsoft.com/office/drawing/2014/main" id="{3EEC6E2C-4407-267B-4D8B-F91CE61E70F5}"/>
+                  </a:ext>
+                </a:extLst>
+              </p:cNvPr>
+              <p:cNvCxnSpPr>
+                <a:cxnSpLocks/>
+              </p:cNvCxnSpPr>
+              <p:nvPr/>
+            </p:nvCxnSpPr>
+            <p:spPr>
+              <a:xfrm>
+                <a:off x="7019119" y="5137476"/>
+                <a:ext cx="0" cy="168469"/>
+              </a:xfrm>
+              <a:prstGeom prst="straightConnector1">
+                <a:avLst/>
+              </a:prstGeom>
+              <a:ln w="15875" cap="flat" cmpd="sng" algn="ctr">
+                <a:solidFill>
+                  <a:schemeClr val="accent1"/>
+                </a:solidFill>
+                <a:prstDash val="solid"/>
+                <a:round/>
+                <a:headEnd type="none" w="med" len="med"/>
+                <a:tailEnd type="arrow" w="med" len="med"/>
+              </a:ln>
+            </p:spPr>
+            <p:style>
+              <a:lnRef idx="0">
+                <a:scrgbClr r="0" g="0" b="0"/>
+              </a:lnRef>
+              <a:fillRef idx="0">
+                <a:scrgbClr r="0" g="0" b="0"/>
+              </a:fillRef>
+              <a:effectRef idx="0">
+                <a:scrgbClr r="0" g="0" b="0"/>
+              </a:effectRef>
+              <a:fontRef idx="minor">
+                <a:schemeClr val="tx1"/>
+              </a:fontRef>
+            </p:style>
+          </p:cxnSp>
+        </p:grpSp>
+        <p:sp>
+          <p:nvSpPr>
+            <p:cNvPr id="18" name="CasellaDiTesto 17">
+              <a:extLst>
+                <a:ext uri="{FF2B5EF4-FFF2-40B4-BE49-F238E27FC236}">
+                  <a16:creationId xmlns:a16="http://schemas.microsoft.com/office/drawing/2014/main" id="{499067EE-E249-3746-F504-82D5A7188ADB}"/>
+                </a:ext>
+              </a:extLst>
+            </p:cNvPr>
+            <p:cNvSpPr txBox="1"/>
+            <p:nvPr/>
+          </p:nvSpPr>
+          <p:spPr>
+            <a:xfrm>
+              <a:off x="5421145" y="3293214"/>
+              <a:ext cx="2057418" cy="338554"/>
+            </a:xfrm>
+            <a:prstGeom prst="rect">
+              <a:avLst/>
+            </a:prstGeom>
+            <a:noFill/>
+          </p:spPr>
+          <p:txBody>
+            <a:bodyPr wrap="square" rtlCol="0">
+              <a:spAutoFit/>
+            </a:bodyPr>
+            <a:lstStyle/>
+            <a:p>
+              <a:pPr algn="ctr"/>
+              <a:r>
+                <a:rPr lang="en-GB" sz="1600" b="1" dirty="0">
+                  <a:latin typeface="Sequel Sans Semi Bold Head" panose="020B0503050000020004" pitchFamily="34" charset="77"/>
+                </a:rPr>
+                <a:t>Training</a:t>
+              </a:r>
+            </a:p>
+          </p:txBody>
+        </p:sp>
+        <p:cxnSp>
+          <p:nvCxnSpPr>
+            <p:cNvPr id="19" name="Connettore 2 18">
+              <a:extLst>
+                <a:ext uri="{FF2B5EF4-FFF2-40B4-BE49-F238E27FC236}">
+                  <a16:creationId xmlns:a16="http://schemas.microsoft.com/office/drawing/2014/main" id="{A15CDFF5-81F5-FCA5-2127-D3C85D448028}"/>
+                </a:ext>
+              </a:extLst>
+            </p:cNvPr>
+            <p:cNvCxnSpPr>
+              <a:cxnSpLocks/>
+            </p:cNvCxnSpPr>
+            <p:nvPr/>
+          </p:nvCxnSpPr>
+          <p:spPr>
+            <a:xfrm>
+              <a:off x="6457054" y="3702070"/>
+              <a:ext cx="0" cy="168469"/>
+            </a:xfrm>
+            <a:prstGeom prst="straightConnector1">
+              <a:avLst/>
+            </a:prstGeom>
+            <a:ln w="15875" cap="flat" cmpd="sng" algn="ctr">
+              <a:solidFill>
+                <a:schemeClr val="accent1"/>
+              </a:solidFill>
+              <a:prstDash val="solid"/>
+              <a:round/>
+              <a:headEnd type="none" w="med" len="med"/>
+              <a:tailEnd type="arrow" w="med" len="med"/>
+            </a:ln>
+          </p:spPr>
+          <p:style>
+            <a:lnRef idx="0">
+              <a:scrgbClr r="0" g="0" b="0"/>
+            </a:lnRef>
+            <a:fillRef idx="0">
+              <a:scrgbClr r="0" g="0" b="0"/>
+            </a:fillRef>
+            <a:effectRef idx="0">
+              <a:scrgbClr r="0" g="0" b="0"/>
+            </a:effectRef>
+            <a:fontRef idx="minor">
+              <a:schemeClr val="tx1"/>
+            </a:fontRef>
+          </p:style>
+        </p:cxnSp>
+      </p:grpSp>
+    </p:spTree>
+    <p:extLst>
+      <p:ext uri="{BB962C8B-B14F-4D97-AF65-F5344CB8AC3E}">
+        <p14:creationId xmlns:p14="http://schemas.microsoft.com/office/powerpoint/2010/main" val="1571603107"/>
       </p:ext>
     </p:extLst>
   </p:cSld>

--- a/docs/presentation/presentation.pptx
+++ b/docs/presentation/presentation.pptx
@@ -4816,7 +4816,7 @@
           <a:p>
             <a:fld id="{B96E2279-029F-964F-A5B1-8676BDA67CCA}" type="datetimeFigureOut">
               <a:rPr lang="it-IT" smtClean="0"/>
-              <a:t>01/10/23</a:t>
+              <a:t>02/10/23</a:t>
             </a:fld>
             <a:endParaRPr lang="it-IT"/>
           </a:p>
@@ -5018,7 +5018,7 @@
           <a:p>
             <a:fld id="{B96E2279-029F-964F-A5B1-8676BDA67CCA}" type="datetimeFigureOut">
               <a:rPr lang="it-IT" smtClean="0"/>
-              <a:t>01/10/23</a:t>
+              <a:t>02/10/23</a:t>
             </a:fld>
             <a:endParaRPr lang="it-IT"/>
           </a:p>
@@ -9983,7 +9983,7 @@
           <a:p>
             <a:fld id="{B96E2279-029F-964F-A5B1-8676BDA67CCA}" type="datetimeFigureOut">
               <a:rPr lang="it-IT" smtClean="0"/>
-              <a:t>01/10/23</a:t>
+              <a:t>02/10/23</a:t>
             </a:fld>
             <a:endParaRPr lang="it-IT"/>
           </a:p>
@@ -10292,7 +10292,7 @@
           <a:p>
             <a:fld id="{B96E2279-029F-964F-A5B1-8676BDA67CCA}" type="datetimeFigureOut">
               <a:rPr lang="it-IT" smtClean="0"/>
-              <a:t>01/10/23</a:t>
+              <a:t>02/10/23</a:t>
             </a:fld>
             <a:endParaRPr lang="it-IT"/>
           </a:p>
@@ -10735,7 +10735,7 @@
           <a:p>
             <a:fld id="{B96E2279-029F-964F-A5B1-8676BDA67CCA}" type="datetimeFigureOut">
               <a:rPr lang="it-IT" smtClean="0"/>
-              <a:t>01/10/23</a:t>
+              <a:t>02/10/23</a:t>
             </a:fld>
             <a:endParaRPr lang="it-IT"/>
           </a:p>
@@ -10876,7 +10876,7 @@
           <a:p>
             <a:fld id="{B96E2279-029F-964F-A5B1-8676BDA67CCA}" type="datetimeFigureOut">
               <a:rPr lang="it-IT" smtClean="0"/>
-              <a:t>01/10/23</a:t>
+              <a:t>02/10/23</a:t>
             </a:fld>
             <a:endParaRPr lang="it-IT"/>
           </a:p>
@@ -10995,7 +10995,7 @@
           <a:p>
             <a:fld id="{B96E2279-029F-964F-A5B1-8676BDA67CCA}" type="datetimeFigureOut">
               <a:rPr lang="it-IT" smtClean="0"/>
-              <a:t>01/10/23</a:t>
+              <a:t>02/10/23</a:t>
             </a:fld>
             <a:endParaRPr lang="it-IT"/>
           </a:p>
@@ -11294,7 +11294,7 @@
           <a:p>
             <a:fld id="{B96E2279-029F-964F-A5B1-8676BDA67CCA}" type="datetimeFigureOut">
               <a:rPr lang="it-IT" smtClean="0"/>
-              <a:t>01/10/23</a:t>
+              <a:t>02/10/23</a:t>
             </a:fld>
             <a:endParaRPr lang="it-IT"/>
           </a:p>
@@ -11573,7 +11573,7 @@
           <a:p>
             <a:fld id="{B96E2279-029F-964F-A5B1-8676BDA67CCA}" type="datetimeFigureOut">
               <a:rPr lang="it-IT" smtClean="0"/>
-              <a:t>01/10/23</a:t>
+              <a:t>02/10/23</a:t>
             </a:fld>
             <a:endParaRPr lang="it-IT"/>
           </a:p>
@@ -12187,8 +12187,8 @@
         </p:nvSpPr>
         <p:spPr>
           <a:xfrm>
-            <a:off x="3956287" y="5025600"/>
-            <a:ext cx="1231427" cy="400110"/>
+            <a:off x="3779956" y="4964045"/>
+            <a:ext cx="1584088" cy="461665"/>
           </a:xfrm>
           <a:prstGeom prst="rect">
             <a:avLst/>
@@ -12203,7 +12203,7 @@
           <a:p>
             <a:pPr algn="ctr"/>
             <a:r>
-              <a:rPr lang="en-GB" sz="1000" dirty="0">
+              <a:rPr lang="en-GB" sz="1100" dirty="0">
                 <a:solidFill>
                   <a:srgbClr val="728FA5"/>
                 </a:solidFill>
@@ -12211,12 +12211,18 @@
               </a:rPr>
               <a:t>AUTHOR</a:t>
             </a:r>
+            <a:endParaRPr lang="en-GB" sz="1000" dirty="0">
+              <a:solidFill>
+                <a:srgbClr val="728FA5"/>
+              </a:solidFill>
+              <a:latin typeface="Sequel Sans Medium Disp" panose="020B0503050000020004" pitchFamily="34" charset="77"/>
+            </a:endParaRPr>
           </a:p>
           <a:p>
             <a:pPr algn="ctr"/>
             <a:r>
-              <a:rPr lang="en-GB" sz="1000" dirty="0">
-                <a:latin typeface="Sequel Sans Book Disp" panose="020B0503050000020004" pitchFamily="34" charset="77"/>
+              <a:rPr lang="en-GB" sz="1300" dirty="0">
+                <a:latin typeface="Sequel Sans Roman Disp" panose="020B0503050000020004" pitchFamily="34" charset="77"/>
               </a:rPr>
               <a:t>DEMASI GIOVANNI</a:t>
             </a:r>
@@ -12614,7 +12620,7 @@
         </p:blipFill>
         <p:spPr>
           <a:xfrm>
-            <a:off x="4888525" y="1918697"/>
+            <a:off x="4888525" y="2143920"/>
             <a:ext cx="3707463" cy="2160000"/>
           </a:xfrm>
           <a:prstGeom prst="rect">
@@ -12636,7 +12642,7 @@
         </p:nvSpPr>
         <p:spPr>
           <a:xfrm>
-            <a:off x="5048986" y="4260052"/>
+            <a:off x="5054596" y="4396673"/>
             <a:ext cx="3707463" cy="646331"/>
           </a:xfrm>
           <a:prstGeom prst="rect">
@@ -12673,8 +12679,8 @@
         </p:nvSpPr>
         <p:spPr>
           <a:xfrm>
-            <a:off x="461519" y="1973251"/>
-            <a:ext cx="4097702" cy="3139321"/>
+            <a:off x="421595" y="2028499"/>
+            <a:ext cx="4097702" cy="3046988"/>
           </a:xfrm>
           <a:prstGeom prst="rect">
             <a:avLst/>
@@ -12688,53 +12694,61 @@
           <a:lstStyle/>
           <a:p>
             <a:r>
-              <a:rPr lang="en-GB" dirty="0">
+              <a:rPr lang="en-GB" sz="1600" b="1" dirty="0">
+                <a:latin typeface="Sequel Sans Semi Bold Disp" panose="020B0503050000020004" pitchFamily="34" charset="77"/>
+              </a:rPr>
+              <a:t>Analysis results</a:t>
+            </a:r>
+          </a:p>
+          <a:p>
+            <a:r>
+              <a:rPr lang="en-GB" sz="1600" dirty="0">
                 <a:latin typeface="Sequel Sans Book Head" panose="020B0503050000020004" pitchFamily="34" charset="77"/>
               </a:rPr>
               <a:t>The baseline accelerator is faster than PyTorch when matrices are relatively small. The reasons behind this behaviour may lie in the fact that:</a:t>
             </a:r>
           </a:p>
           <a:p>
-            <a:pPr marL="285750" indent="-285750">
-              <a:buFont typeface="Wingdings" pitchFamily="2" charset="2"/>
-              <a:buChar char="§"/>
+            <a:pPr marL="342900" indent="-342900">
+              <a:buFont typeface="+mj-lt"/>
+              <a:buAutoNum type="arabicPeriod"/>
             </a:pPr>
             <a:r>
-              <a:rPr lang="en-GB" dirty="0">
+              <a:rPr lang="en-GB" sz="1600" dirty="0">
                 <a:latin typeface="Sequel Sans Book Head" panose="020B0503050000020004" pitchFamily="34" charset="77"/>
               </a:rPr>
-              <a:t>the generated accelerator assumes that all data is available in BRAM</a:t>
+              <a:t>The generated accelerator assumes that all data is available in BRAM</a:t>
             </a:r>
           </a:p>
           <a:p>
-            <a:pPr marL="285750" indent="-285750">
-              <a:buFont typeface="Wingdings" pitchFamily="2" charset="2"/>
-              <a:buChar char="§"/>
+            <a:pPr marL="342900" indent="-342900">
+              <a:buFont typeface="+mj-lt"/>
+              <a:buAutoNum type="arabicPeriod"/>
             </a:pPr>
             <a:r>
-              <a:rPr lang="en-GB" dirty="0">
+              <a:rPr lang="en-GB" sz="1600" dirty="0">
                 <a:latin typeface="Sequel Sans Book Head" panose="020B0503050000020004" pitchFamily="34" charset="77"/>
               </a:rPr>
               <a:t>PyTorch times have been measured using all available </a:t>
             </a:r>
             <a:br>
-              <a:rPr lang="en-GB" dirty="0">
+              <a:rPr lang="en-GB" sz="1600" dirty="0">
                 <a:latin typeface="Sequel Sans Book Head" panose="020B0503050000020004" pitchFamily="34" charset="77"/>
               </a:rPr>
             </a:br>
             <a:r>
-              <a:rPr lang="en-GB" dirty="0">
+              <a:rPr lang="en-GB" sz="1600" dirty="0">
                 <a:latin typeface="Sequel Sans Book Head" panose="020B0503050000020004" pitchFamily="34" charset="77"/>
               </a:rPr>
               <a:t>threads on the machine, exploiting more parallelism with respect </a:t>
             </a:r>
             <a:br>
-              <a:rPr lang="en-GB" dirty="0">
+              <a:rPr lang="en-GB" sz="1600" dirty="0">
                 <a:latin typeface="Sequel Sans Book Head" panose="020B0503050000020004" pitchFamily="34" charset="77"/>
               </a:rPr>
             </a:br>
             <a:r>
-              <a:rPr lang="en-GB" dirty="0">
+              <a:rPr lang="en-GB" sz="1600" dirty="0">
                 <a:latin typeface="Sequel Sans Book Head" panose="020B0503050000020004" pitchFamily="34" charset="77"/>
               </a:rPr>
               <a:t>to the accelerator</a:t>
@@ -12756,8 +12770,8 @@
         </p:nvSpPr>
         <p:spPr>
           <a:xfrm>
-            <a:off x="461519" y="1035553"/>
-            <a:ext cx="1587089" cy="830997"/>
+            <a:off x="421595" y="1194143"/>
+            <a:ext cx="1587089" cy="738664"/>
           </a:xfrm>
           <a:prstGeom prst="rect">
             <a:avLst/>
@@ -12771,15 +12785,15 @@
           <a:lstStyle/>
           <a:p>
             <a:r>
-              <a:rPr lang="en-GB" sz="1600" b="1" dirty="0">
-                <a:latin typeface="Sequel Sans Semi Bold Disp" panose="020B0503050000020004" pitchFamily="34" charset="77"/>
+              <a:rPr lang="en-GB" sz="1400" dirty="0">
+                <a:latin typeface="Sequel Sans Medium Disp" panose="020B0503050000020004" pitchFamily="34" charset="77"/>
               </a:rPr>
-              <a:t>PyTorch</a:t>
+              <a:t>CPU</a:t>
             </a:r>
           </a:p>
           <a:p>
             <a:r>
-              <a:rPr lang="en-GB" sz="1600" dirty="0">
+              <a:rPr lang="en-GB" sz="1400" dirty="0">
                 <a:latin typeface="Sequel Sans Book Head" panose="020B0503050000020004" pitchFamily="34" charset="77"/>
               </a:rPr>
               <a:t>Intel Core i9, 8 </a:t>
@@ -12787,7 +12801,7 @@
           </a:p>
           <a:p>
             <a:r>
-              <a:rPr lang="en-GB" sz="1600" dirty="0">
+              <a:rPr lang="en-GB" sz="1400" dirty="0">
                 <a:latin typeface="Sequel Sans Book Head" panose="020B0503050000020004" pitchFamily="34" charset="77"/>
               </a:rPr>
               <a:t>cores, 2.3 GHz</a:t>
@@ -12809,8 +12823,8 @@
         </p:nvSpPr>
         <p:spPr>
           <a:xfrm>
-            <a:off x="2312659" y="1035553"/>
-            <a:ext cx="2370422" cy="830997"/>
+            <a:off x="2272735" y="1194143"/>
+            <a:ext cx="2370422" cy="738664"/>
           </a:xfrm>
           <a:prstGeom prst="rect">
             <a:avLst/>
@@ -12824,15 +12838,15 @@
           <a:lstStyle/>
           <a:p>
             <a:r>
-              <a:rPr lang="en-GB" sz="1600" b="1" dirty="0">
-                <a:latin typeface="Sequel Sans Semi Bold Disp" panose="020B0503050000020004" pitchFamily="34" charset="77"/>
+              <a:rPr lang="en-GB" sz="1400" dirty="0">
+                <a:latin typeface="Sequel Sans Medium Disp" panose="020B0503050000020004" pitchFamily="34" charset="77"/>
               </a:rPr>
               <a:t>Accelerators</a:t>
             </a:r>
           </a:p>
           <a:p>
             <a:r>
-              <a:rPr lang="en-GB" sz="1600" dirty="0">
+              <a:rPr lang="en-GB" sz="1400" dirty="0">
                 <a:latin typeface="Sequel Sans Book Head" panose="020B0503050000020004" pitchFamily="34" charset="77"/>
               </a:rPr>
               <a:t>AMD Virtex UltraScale+ (Alveo U280) FPGA.</a:t>
@@ -12854,8 +12868,8 @@
         </p:nvSpPr>
         <p:spPr>
           <a:xfrm>
-            <a:off x="4947133" y="1063637"/>
-            <a:ext cx="4097702" cy="584775"/>
+            <a:off x="5112501" y="1179353"/>
+            <a:ext cx="4272494" cy="738664"/>
           </a:xfrm>
           <a:prstGeom prst="rect">
             <a:avLst/>
@@ -12869,10 +12883,55 @@
           <a:lstStyle/>
           <a:p>
             <a:r>
-              <a:rPr lang="en-GB" sz="1600" dirty="0">
+              <a:rPr lang="en-GB" sz="1400" dirty="0">
                 <a:latin typeface="Sequel Sans Book Head" panose="020B0503050000020004" pitchFamily="34" charset="77"/>
               </a:rPr>
-              <a:t>Analysis about model performance to identify the computational bottlenecks</a:t>
+              <a:t>Analysis to identify performance differences between PyTorch matrix multiplication </a:t>
+            </a:r>
+          </a:p>
+          <a:p>
+            <a:r>
+              <a:rPr lang="en-GB" sz="1400" dirty="0">
+                <a:latin typeface="Sequel Sans Book Head" panose="020B0503050000020004" pitchFamily="34" charset="77"/>
+              </a:rPr>
+              <a:t>operation and the baseline accelerator.</a:t>
+            </a:r>
+          </a:p>
+        </p:txBody>
+      </p:sp>
+      <p:sp>
+        <p:nvSpPr>
+          <p:cNvPr id="12" name="CasellaDiTesto 11">
+            <a:extLst>
+              <a:ext uri="{FF2B5EF4-FFF2-40B4-BE49-F238E27FC236}">
+                <a16:creationId xmlns:a16="http://schemas.microsoft.com/office/drawing/2014/main" id="{0B102D54-7A88-2410-7AD2-7245AD5F6F08}"/>
+              </a:ext>
+            </a:extLst>
+          </p:cNvPr>
+          <p:cNvSpPr txBox="1"/>
+          <p:nvPr/>
+        </p:nvSpPr>
+        <p:spPr>
+          <a:xfrm>
+            <a:off x="421595" y="869937"/>
+            <a:ext cx="4097702" cy="338554"/>
+          </a:xfrm>
+          <a:prstGeom prst="rect">
+            <a:avLst/>
+          </a:prstGeom>
+          <a:noFill/>
+        </p:spPr>
+        <p:txBody>
+          <a:bodyPr wrap="square" rtlCol="0">
+            <a:spAutoFit/>
+          </a:bodyPr>
+          <a:lstStyle/>
+          <a:p>
+            <a:r>
+              <a:rPr lang="en-GB" sz="1600" b="1" dirty="0">
+                <a:latin typeface="Sequel Sans Semi Bold Disp" panose="020B0503050000020004" pitchFamily="34" charset="77"/>
+              </a:rPr>
+              <a:t>Experimental phase setup</a:t>
             </a:r>
           </a:p>
         </p:txBody>
@@ -13130,8 +13189,8 @@
         </p:nvSpPr>
         <p:spPr>
           <a:xfrm>
-            <a:off x="358586" y="1029382"/>
-            <a:ext cx="3854826" cy="400110"/>
+            <a:off x="358586" y="1621999"/>
+            <a:ext cx="3854826" cy="369332"/>
           </a:xfrm>
           <a:prstGeom prst="rect">
             <a:avLst/>
@@ -13146,7 +13205,7 @@
           <a:p>
             <a:pPr algn="ctr"/>
             <a:r>
-              <a:rPr lang="en-GB" sz="2000" b="1" dirty="0">
+              <a:rPr lang="en-GB" b="1" dirty="0">
                 <a:latin typeface="Sequel Sans Semi Bold Disp" panose="020B0503050000020004" pitchFamily="34" charset="77"/>
               </a:rPr>
               <a:t>Loop unrolling</a:t>
@@ -13168,8 +13227,8 @@
         </p:nvSpPr>
         <p:spPr>
           <a:xfrm>
-            <a:off x="4513157" y="1028124"/>
-            <a:ext cx="3854826" cy="400110"/>
+            <a:off x="4513157" y="1620741"/>
+            <a:ext cx="3854826" cy="369332"/>
           </a:xfrm>
           <a:prstGeom prst="rect">
             <a:avLst/>
@@ -13184,7 +13243,7 @@
           <a:p>
             <a:pPr algn="ctr"/>
             <a:r>
-              <a:rPr lang="en-GB" sz="2000" b="1" dirty="0">
+              <a:rPr lang="en-GB" b="1" dirty="0">
                 <a:latin typeface="Sequel Sans Semi Bold Disp" panose="020B0503050000020004" pitchFamily="34" charset="77"/>
               </a:rPr>
               <a:t>Parallel memory access</a:t>
@@ -13206,7 +13265,7 @@
         </p:nvSpPr>
         <p:spPr>
           <a:xfrm>
-            <a:off x="740227" y="2009231"/>
+            <a:off x="740227" y="2485592"/>
             <a:ext cx="1791540" cy="738664"/>
           </a:xfrm>
           <a:prstGeom prst="rect">
@@ -13289,8 +13348,8 @@
         </p:nvSpPr>
         <p:spPr>
           <a:xfrm>
-            <a:off x="4851885" y="3117039"/>
-            <a:ext cx="3757275" cy="2031325"/>
+            <a:off x="4851885" y="3605706"/>
+            <a:ext cx="3757275" cy="1323439"/>
           </a:xfrm>
           <a:prstGeom prst="rect">
             <a:avLst/>
@@ -13308,10 +13367,10 @@
               <a:buChar char="§"/>
             </a:pPr>
             <a:r>
-              <a:rPr lang="en-GB" dirty="0">
+              <a:rPr lang="en-GB" sz="1600" dirty="0">
                 <a:latin typeface="Sequel Sans Book Head" panose="020B0503050000020004" pitchFamily="34" charset="77"/>
               </a:rPr>
-              <a:t>increasing the number of memory channels</a:t>
+              <a:t>Increasing the number of memory channels for parallel r/w</a:t>
             </a:r>
           </a:p>
           <a:p>
@@ -13320,10 +13379,10 @@
               <a:buChar char="§"/>
             </a:pPr>
             <a:r>
-              <a:rPr lang="en-GB" dirty="0">
+              <a:rPr lang="en-GB" sz="1600" dirty="0">
                 <a:latin typeface="Sequel Sans Book Head" panose="020B0503050000020004" pitchFamily="34" charset="77"/>
               </a:rPr>
-              <a:t>better exploitation of available parallelism</a:t>
+              <a:t>Better exploitation of parallelism</a:t>
             </a:r>
           </a:p>
           <a:p>
@@ -13332,10 +13391,10 @@
               <a:buChar char="§"/>
             </a:pPr>
             <a:r>
-              <a:rPr lang="en-GB" dirty="0">
+              <a:rPr lang="en-GB" sz="1600" dirty="0">
                 <a:latin typeface="Sequel Sans Book Head" panose="020B0503050000020004" pitchFamily="34" charset="77"/>
               </a:rPr>
-              <a:t>more parallel memory accesses but more cycles due to external memory </a:t>
+              <a:t>More parallel memory accesses but more cycles due to external memory </a:t>
             </a:r>
           </a:p>
         </p:txBody>
@@ -13354,7 +13413,7 @@
         </p:nvSpPr>
         <p:spPr>
           <a:xfrm>
-            <a:off x="2405456" y="1988135"/>
+            <a:off x="2405456" y="2464496"/>
             <a:ext cx="1791540" cy="954107"/>
           </a:xfrm>
           <a:prstGeom prst="rect">
@@ -13460,7 +13519,7 @@
         </p:nvSpPr>
         <p:spPr>
           <a:xfrm>
-            <a:off x="988382" y="1727080"/>
+            <a:off x="988382" y="2203441"/>
             <a:ext cx="1009828" cy="307777"/>
           </a:xfrm>
           <a:prstGeom prst="rect">
@@ -13498,7 +13557,7 @@
         </p:nvSpPr>
         <p:spPr>
           <a:xfrm>
-            <a:off x="2636323" y="1727080"/>
+            <a:off x="2636323" y="2203441"/>
             <a:ext cx="1009828" cy="307777"/>
           </a:xfrm>
           <a:prstGeom prst="rect">
@@ -13536,8 +13595,8 @@
         </p:nvSpPr>
         <p:spPr>
           <a:xfrm>
-            <a:off x="604354" y="3276493"/>
-            <a:ext cx="3854826" cy="1754326"/>
+            <a:off x="604354" y="3589840"/>
+            <a:ext cx="3854826" cy="1354217"/>
           </a:xfrm>
           <a:prstGeom prst="rect">
             <a:avLst/>
@@ -13555,10 +13614,10 @@
               <a:buChar char="§"/>
             </a:pPr>
             <a:r>
-              <a:rPr lang="en-GB" dirty="0">
+              <a:rPr lang="en-GB" sz="1600" dirty="0">
                 <a:latin typeface="Sequel Sans Book Head" panose="020B0503050000020004" pitchFamily="34" charset="77"/>
               </a:rPr>
-              <a:t>expanding completely or partially the loop</a:t>
+              <a:t>Expanding completely or partially the loop, according to unroll factor</a:t>
             </a:r>
           </a:p>
           <a:p>
@@ -13567,10 +13626,10 @@
               <a:buChar char="§"/>
             </a:pPr>
             <a:r>
-              <a:rPr lang="en-GB" dirty="0">
+              <a:rPr lang="en-GB" sz="1600" dirty="0">
                 <a:latin typeface="Sequel Sans Book Head" panose="020B0503050000020004" pitchFamily="34" charset="77"/>
               </a:rPr>
-              <a:t>unroll factor parameter to decide the number of loop iterations to  unroll</a:t>
+              <a:t>Unroll factor parameter to decide the number of loop iterations to  unroll</a:t>
             </a:r>
           </a:p>
           <a:p>
@@ -13579,10 +13638,10 @@
               <a:buChar char="§"/>
             </a:pPr>
             <a:r>
-              <a:rPr lang="en-GB" dirty="0">
+              <a:rPr lang="en-GB" sz="1600" dirty="0">
                 <a:latin typeface="Sequel Sans Book Head" panose="020B0503050000020004" pitchFamily="34" charset="77"/>
               </a:rPr>
-              <a:t>more chances of parallelization</a:t>
+              <a:t>More chances of parallelization</a:t>
             </a:r>
           </a:p>
         </p:txBody>
@@ -13602,13 +13661,13 @@
           <p:nvPr>
             <p:extLst>
               <p:ext uri="{D42A27DB-BD31-4B8C-83A1-F6EECF244321}">
-                <p14:modId xmlns:p14="http://schemas.microsoft.com/office/powerpoint/2010/main" val="1019508351"/>
+                <p14:modId xmlns:p14="http://schemas.microsoft.com/office/powerpoint/2010/main" val="892259507"/>
               </p:ext>
             </p:extLst>
           </p:nvPr>
         </p:nvGraphicFramePr>
         <p:xfrm>
-          <a:off x="5592550" y="1939641"/>
+          <a:off x="5592550" y="2416002"/>
           <a:ext cx="889329" cy="889329"/>
         </p:xfrm>
         <a:graphic>
@@ -13823,7 +13882,7 @@
         </p:nvSpPr>
         <p:spPr>
           <a:xfrm>
-            <a:off x="5532300" y="1550789"/>
+            <a:off x="5532300" y="2027150"/>
             <a:ext cx="1009828" cy="307777"/>
           </a:xfrm>
           <a:prstGeom prst="rect">
@@ -13862,13 +13921,13 @@
           <p:nvPr>
             <p:extLst>
               <p:ext uri="{D42A27DB-BD31-4B8C-83A1-F6EECF244321}">
-                <p14:modId xmlns:p14="http://schemas.microsoft.com/office/powerpoint/2010/main" val="2105230575"/>
+                <p14:modId xmlns:p14="http://schemas.microsoft.com/office/powerpoint/2010/main" val="2136711221"/>
               </p:ext>
             </p:extLst>
           </p:nvPr>
         </p:nvGraphicFramePr>
         <p:xfrm>
-          <a:off x="7151598" y="1933898"/>
+          <a:off x="7151598" y="2410259"/>
           <a:ext cx="296443" cy="889329"/>
         </p:xfrm>
         <a:graphic>
@@ -13964,7 +14023,7 @@
         </p:nvSpPr>
         <p:spPr>
           <a:xfrm>
-            <a:off x="6730523" y="1554577"/>
+            <a:off x="6730523" y="2030938"/>
             <a:ext cx="1138592" cy="307777"/>
           </a:xfrm>
           <a:prstGeom prst="rect">
@@ -14004,7 +14063,7 @@
         </p:nvCxnSpPr>
         <p:spPr>
           <a:xfrm flipH="1">
-            <a:off x="6409593" y="2074986"/>
+            <a:off x="6409593" y="2551347"/>
             <a:ext cx="879230" cy="0"/>
           </a:xfrm>
           <a:prstGeom prst="straightConnector1">
@@ -14051,7 +14110,7 @@
         </p:nvCxnSpPr>
         <p:spPr>
           <a:xfrm flipH="1">
-            <a:off x="6403735" y="2385649"/>
+            <a:off x="6403735" y="2862010"/>
             <a:ext cx="879230" cy="0"/>
           </a:xfrm>
           <a:prstGeom prst="straightConnector1">
@@ -14098,7 +14157,7 @@
         </p:nvCxnSpPr>
         <p:spPr>
           <a:xfrm flipH="1">
-            <a:off x="6406667" y="2669930"/>
+            <a:off x="6406667" y="3146291"/>
             <a:ext cx="879230" cy="0"/>
           </a:xfrm>
           <a:prstGeom prst="straightConnector1">
@@ -14129,6 +14188,43 @@
           </a:fontRef>
         </p:style>
       </p:cxnSp>
+      <p:sp>
+        <p:nvSpPr>
+          <p:cNvPr id="2" name="CasellaDiTesto 1">
+            <a:extLst>
+              <a:ext uri="{FF2B5EF4-FFF2-40B4-BE49-F238E27FC236}">
+                <a16:creationId xmlns:a16="http://schemas.microsoft.com/office/drawing/2014/main" id="{0B3F941A-BF94-C273-A984-A65F7CF72158}"/>
+              </a:ext>
+            </a:extLst>
+          </p:cNvPr>
+          <p:cNvSpPr txBox="1"/>
+          <p:nvPr/>
+        </p:nvSpPr>
+        <p:spPr>
+          <a:xfrm>
+            <a:off x="358586" y="867246"/>
+            <a:ext cx="8064112" cy="584775"/>
+          </a:xfrm>
+          <a:prstGeom prst="rect">
+            <a:avLst/>
+          </a:prstGeom>
+          <a:noFill/>
+        </p:spPr>
+        <p:txBody>
+          <a:bodyPr wrap="square" rtlCol="0">
+            <a:spAutoFit/>
+          </a:bodyPr>
+          <a:lstStyle/>
+          <a:p>
+            <a:r>
+              <a:rPr lang="en-GB" sz="1600" dirty="0">
+                <a:latin typeface="Sequel Sans Book Head" panose="020B0503050000020004" pitchFamily="34" charset="77"/>
+              </a:rPr>
+              <a:t>To make the accelerator able to exploits more parallelism, two main optimizations have been applied: loop unrolling and parallel memory accesses.</a:t>
+            </a:r>
+          </a:p>
+        </p:txBody>
+      </p:sp>
     </p:spTree>
     <p:extLst>
       <p:ext uri="{BB962C8B-B14F-4D97-AF65-F5344CB8AC3E}">
@@ -14368,12 +14464,134 @@
           </a:p>
         </p:txBody>
       </p:sp>
+      <p:sp>
+        <p:nvSpPr>
+          <p:cNvPr id="12" name="CasellaDiTesto 11">
+            <a:extLst>
+              <a:ext uri="{FF2B5EF4-FFF2-40B4-BE49-F238E27FC236}">
+                <a16:creationId xmlns:a16="http://schemas.microsoft.com/office/drawing/2014/main" id="{3E4CB1B7-4632-8E59-B962-187E39067627}"/>
+              </a:ext>
+            </a:extLst>
+          </p:cNvPr>
+          <p:cNvSpPr txBox="1"/>
+          <p:nvPr/>
+        </p:nvSpPr>
+        <p:spPr>
+          <a:xfrm>
+            <a:off x="359999" y="1773791"/>
+            <a:ext cx="4597012" cy="3293209"/>
+          </a:xfrm>
+          <a:prstGeom prst="rect">
+            <a:avLst/>
+          </a:prstGeom>
+          <a:noFill/>
+        </p:spPr>
+        <p:txBody>
+          <a:bodyPr wrap="square" rtlCol="0">
+            <a:spAutoFit/>
+          </a:bodyPr>
+          <a:lstStyle/>
+          <a:p>
+            <a:r>
+              <a:rPr lang="en-GB" sz="1600" dirty="0">
+                <a:latin typeface="Sequel Sans Book Head" panose="020B0503050000020004" pitchFamily="34" charset="77"/>
+              </a:rPr>
+              <a:t>Analysis results showed that, in some situations, using external memory is better than BRAM:</a:t>
+            </a:r>
+          </a:p>
+          <a:p>
+            <a:pPr marL="285750" indent="-285750">
+              <a:buFont typeface="Wingdings" pitchFamily="2" charset="2"/>
+              <a:buChar char="§"/>
+            </a:pPr>
+            <a:r>
+              <a:rPr lang="en-GB" sz="1600" dirty="0">
+                <a:latin typeface="Sequel Sans Book Head" panose="020B0503050000020004" pitchFamily="34" charset="77"/>
+              </a:rPr>
+              <a:t>Small unroll factor: better setting is using 2 channels, storing all memory objects in BRAMs </a:t>
+            </a:r>
+          </a:p>
+          <a:p>
+            <a:pPr marL="285750" indent="-285750">
+              <a:buFont typeface="Wingdings" pitchFamily="2" charset="2"/>
+              <a:buChar char="§"/>
+            </a:pPr>
+            <a:r>
+              <a:rPr lang="en-GB" sz="1600" dirty="0">
+                <a:latin typeface="Sequel Sans Book Head" panose="020B0503050000020004" pitchFamily="34" charset="77"/>
+              </a:rPr>
+              <a:t>Large unroll factor: 32 channels with external memory is the best option</a:t>
+            </a:r>
+          </a:p>
+          <a:p>
+            <a:pPr marL="285750" indent="-285750">
+              <a:buFont typeface="Wingdings" pitchFamily="2" charset="2"/>
+              <a:buChar char="§"/>
+            </a:pPr>
+            <a:r>
+              <a:rPr lang="en-GB" sz="1600" dirty="0">
+                <a:latin typeface="Sequel Sans Book Head" panose="020B0503050000020004" pitchFamily="34" charset="77"/>
+              </a:rPr>
+              <a:t>2 channels with external memory is always the least favourable choice</a:t>
+            </a:r>
+          </a:p>
+          <a:p>
+            <a:pPr marL="285750" indent="-285750">
+              <a:buFont typeface="Wingdings" pitchFamily="2" charset="2"/>
+              <a:buChar char="§"/>
+            </a:pPr>
+            <a:r>
+              <a:rPr lang="en-GB" sz="1600" dirty="0">
+                <a:latin typeface="Sequel Sans Book Head" panose="020B0503050000020004" pitchFamily="34" charset="77"/>
+              </a:rPr>
+              <a:t>Usage of external memory is beneficial when large volume of data can be simultaneously  loaded and stored to offset the additional cycles required for external memory</a:t>
+            </a:r>
+          </a:p>
+        </p:txBody>
+      </p:sp>
+      <p:sp>
+        <p:nvSpPr>
+          <p:cNvPr id="6" name="CasellaDiTesto 5">
+            <a:extLst>
+              <a:ext uri="{FF2B5EF4-FFF2-40B4-BE49-F238E27FC236}">
+                <a16:creationId xmlns:a16="http://schemas.microsoft.com/office/drawing/2014/main" id="{D8FDA275-2AAA-DAD3-F274-E0CC0B3437C8}"/>
+              </a:ext>
+            </a:extLst>
+          </p:cNvPr>
+          <p:cNvSpPr txBox="1"/>
+          <p:nvPr/>
+        </p:nvSpPr>
+        <p:spPr>
+          <a:xfrm>
+            <a:off x="5077693" y="4427531"/>
+            <a:ext cx="3959553" cy="646331"/>
+          </a:xfrm>
+          <a:prstGeom prst="rect">
+            <a:avLst/>
+          </a:prstGeom>
+          <a:noFill/>
+        </p:spPr>
+        <p:txBody>
+          <a:bodyPr wrap="square" rtlCol="0">
+            <a:spAutoFit/>
+          </a:bodyPr>
+          <a:lstStyle/>
+          <a:p>
+            <a:r>
+              <a:rPr lang="en-GB" sz="1200" dirty="0">
+                <a:latin typeface="Sequel Sans Book Head" panose="020B0503050000020004" pitchFamily="34" charset="77"/>
+              </a:rPr>
+              <a:t>Cycles comparison between accelerator configurations using different number of channels with BRAM/external memory (NO_BRAM), for increasing unroll factor.</a:t>
+            </a:r>
+          </a:p>
+        </p:txBody>
+      </p:sp>
       <p:pic>
         <p:nvPicPr>
-          <p:cNvPr id="2" name="Immagine 1">
+          <p:cNvPr id="8" name="Immagine 7">
             <a:extLst>
               <a:ext uri="{FF2B5EF4-FFF2-40B4-BE49-F238E27FC236}">
-                <a16:creationId xmlns:a16="http://schemas.microsoft.com/office/drawing/2014/main" id="{6B39EC74-C6C7-5FC6-68F5-86E7032DE319}"/>
+                <a16:creationId xmlns:a16="http://schemas.microsoft.com/office/drawing/2014/main" id="{CFD4EE64-1F52-1600-9CC8-A84D03709A9F}"/>
               </a:ext>
             </a:extLst>
           </p:cNvPr>
@@ -14390,8 +14608,8 @@
         </p:blipFill>
         <p:spPr>
           <a:xfrm>
-            <a:off x="4710652" y="1056183"/>
-            <a:ext cx="3581400" cy="1525988"/>
+            <a:off x="5367674" y="1086610"/>
+            <a:ext cx="3379592" cy="1440000"/>
           </a:xfrm>
           <a:prstGeom prst="rect">
             <a:avLst/>
@@ -14400,10 +14618,10 @@
       </p:pic>
       <p:pic>
         <p:nvPicPr>
-          <p:cNvPr id="7" name="Immagine 6">
+          <p:cNvPr id="13" name="Immagine 12">
             <a:extLst>
               <a:ext uri="{FF2B5EF4-FFF2-40B4-BE49-F238E27FC236}">
-                <a16:creationId xmlns:a16="http://schemas.microsoft.com/office/drawing/2014/main" id="{6737F300-BE88-D324-58D7-D78203BF2B0A}"/>
+                <a16:creationId xmlns:a16="http://schemas.microsoft.com/office/drawing/2014/main" id="{A457EF3D-CE87-7771-7746-04A1EADF9E43}"/>
               </a:ext>
             </a:extLst>
           </p:cNvPr>
@@ -14420,8 +14638,8 @@
         </p:blipFill>
         <p:spPr>
           <a:xfrm>
-            <a:off x="4710652" y="2640104"/>
-            <a:ext cx="3581400" cy="1866900"/>
+            <a:off x="5330940" y="2606982"/>
+            <a:ext cx="3453061" cy="1800000"/>
           </a:xfrm>
           <a:prstGeom prst="rect">
             <a:avLst/>
@@ -14430,10 +14648,10 @@
       </p:pic>
       <p:sp>
         <p:nvSpPr>
-          <p:cNvPr id="12" name="CasellaDiTesto 11">
+          <p:cNvPr id="14" name="CasellaDiTesto 13">
             <a:extLst>
               <a:ext uri="{FF2B5EF4-FFF2-40B4-BE49-F238E27FC236}">
-                <a16:creationId xmlns:a16="http://schemas.microsoft.com/office/drawing/2014/main" id="{3E4CB1B7-4632-8E59-B962-187E39067627}"/>
+                <a16:creationId xmlns:a16="http://schemas.microsoft.com/office/drawing/2014/main" id="{8C04DD06-E76A-E597-551C-13DD354B71A2}"/>
               </a:ext>
             </a:extLst>
           </p:cNvPr>
@@ -14442,8 +14660,8 @@
         </p:nvSpPr>
         <p:spPr>
           <a:xfrm>
-            <a:off x="359999" y="1065953"/>
-            <a:ext cx="4073350" cy="3693319"/>
+            <a:off x="396734" y="853102"/>
+            <a:ext cx="4597012" cy="830997"/>
           </a:xfrm>
           <a:prstGeom prst="rect">
             <a:avLst/>
@@ -14456,88 +14674,11 @@
           </a:bodyPr>
           <a:lstStyle/>
           <a:p>
-            <a:pPr marL="285750" indent="-285750">
-              <a:buFont typeface="Wingdings" pitchFamily="2" charset="2"/>
-              <a:buChar char="§"/>
-            </a:pPr>
             <a:r>
-              <a:rPr lang="en-GB" dirty="0">
+              <a:rPr lang="en-GB" sz="1600" dirty="0">
                 <a:latin typeface="Sequel Sans Book Head" panose="020B0503050000020004" pitchFamily="34" charset="77"/>
               </a:rPr>
-              <a:t>Low available parallelization: two channels and storing all memory objects in BRAMs </a:t>
-            </a:r>
-          </a:p>
-          <a:p>
-            <a:pPr marL="285750" indent="-285750">
-              <a:buFont typeface="Wingdings" pitchFamily="2" charset="2"/>
-              <a:buChar char="§"/>
-            </a:pPr>
-            <a:r>
-              <a:rPr lang="en-GB" dirty="0">
-                <a:latin typeface="Sequel Sans Book Head" panose="020B0503050000020004" pitchFamily="34" charset="77"/>
-              </a:rPr>
-              <a:t>High available parallelization: thirty-two channels with external memory </a:t>
-            </a:r>
-          </a:p>
-          <a:p>
-            <a:pPr marL="285750" indent="-285750">
-              <a:buFont typeface="Wingdings" pitchFamily="2" charset="2"/>
-              <a:buChar char="§"/>
-            </a:pPr>
-            <a:r>
-              <a:rPr lang="en-GB" dirty="0">
-                <a:latin typeface="Sequel Sans Book Head" panose="020B0503050000020004" pitchFamily="34" charset="77"/>
-              </a:rPr>
-              <a:t>Two channels with external memory is the least favourable choice</a:t>
-            </a:r>
-          </a:p>
-          <a:p>
-            <a:pPr marL="285750" indent="-285750">
-              <a:buFont typeface="Wingdings" pitchFamily="2" charset="2"/>
-              <a:buChar char="§"/>
-            </a:pPr>
-            <a:r>
-              <a:rPr lang="en-GB" dirty="0">
-                <a:latin typeface="Sequel Sans Book Head" panose="020B0503050000020004" pitchFamily="34" charset="77"/>
-              </a:rPr>
-              <a:t>External memory beneficial when large volume of data can be simultaneously  loaded and stored to offset the additional cycles required for external memory</a:t>
-            </a:r>
-          </a:p>
-        </p:txBody>
-      </p:sp>
-      <p:sp>
-        <p:nvSpPr>
-          <p:cNvPr id="6" name="CasellaDiTesto 5">
-            <a:extLst>
-              <a:ext uri="{FF2B5EF4-FFF2-40B4-BE49-F238E27FC236}">
-                <a16:creationId xmlns:a16="http://schemas.microsoft.com/office/drawing/2014/main" id="{D8FDA275-2AAA-DAD3-F274-E0CC0B3437C8}"/>
-              </a:ext>
-            </a:extLst>
-          </p:cNvPr>
-          <p:cNvSpPr txBox="1"/>
-          <p:nvPr/>
-        </p:nvSpPr>
-        <p:spPr>
-          <a:xfrm>
-            <a:off x="4569229" y="4528440"/>
-            <a:ext cx="4048553" cy="461665"/>
-          </a:xfrm>
-          <a:prstGeom prst="rect">
-            <a:avLst/>
-          </a:prstGeom>
-          <a:noFill/>
-        </p:spPr>
-        <p:txBody>
-          <a:bodyPr wrap="square" rtlCol="0">
-            <a:spAutoFit/>
-          </a:bodyPr>
-          <a:lstStyle/>
-          <a:p>
-            <a:r>
-              <a:rPr lang="en-GB" sz="1200" dirty="0">
-                <a:latin typeface="Sequel Sans Book Head" panose="020B0503050000020004" pitchFamily="34" charset="77"/>
-              </a:rPr>
-              <a:t>Cycles comparison between configurations with different number of channels with BRAM/external memory.</a:t>
+              <a:t>Analysis aiming to analyse the relation between the number of execution cycles when using BRAM/external memory and the unroll factor. </a:t>
             </a:r>
           </a:p>
         </p:txBody>
@@ -14803,7 +14944,7 @@
         </p:blipFill>
         <p:spPr>
           <a:xfrm>
-            <a:off x="523446" y="2136658"/>
+            <a:off x="485681" y="2357724"/>
             <a:ext cx="3861140" cy="2160000"/>
           </a:xfrm>
           <a:prstGeom prst="rect">
@@ -14825,8 +14966,8 @@
         </p:nvSpPr>
         <p:spPr>
           <a:xfrm>
-            <a:off x="4898994" y="813154"/>
-            <a:ext cx="3696994" cy="1477328"/>
+            <a:off x="4971327" y="1362044"/>
+            <a:ext cx="3696994" cy="1323439"/>
           </a:xfrm>
           <a:prstGeom prst="rect">
             <a:avLst/>
@@ -14844,10 +14985,10 @@
               <a:buChar char="§"/>
             </a:pPr>
             <a:r>
-              <a:rPr lang="en-GB" dirty="0">
+              <a:rPr lang="en-GB" sz="1600" dirty="0">
                 <a:latin typeface="Sequel Sans Book Head" panose="020B0503050000020004" pitchFamily="34" charset="77"/>
               </a:rPr>
-              <a:t>optimized accelerator uses two channels with on-chip BRAMs and one full unroll</a:t>
+              <a:t>Synthesis has not impacted the accuracy of the model</a:t>
             </a:r>
           </a:p>
           <a:p>
@@ -14856,10 +14997,22 @@
               <a:buChar char="§"/>
             </a:pPr>
             <a:r>
-              <a:rPr lang="en-GB" dirty="0">
+              <a:rPr lang="en-GB" sz="1600" dirty="0">
                 <a:latin typeface="Sequel Sans Book Head" panose="020B0503050000020004" pitchFamily="34" charset="77"/>
               </a:rPr>
-              <a:t>synthesis has not impacted the accuracy of the model</a:t>
+              <a:t>Average error is stable; not affected by the dataset size</a:t>
+            </a:r>
+          </a:p>
+          <a:p>
+            <a:pPr marL="285750" indent="-285750">
+              <a:buFont typeface="Wingdings" pitchFamily="2" charset="2"/>
+              <a:buChar char="§"/>
+            </a:pPr>
+            <a:r>
+              <a:rPr lang="en-GB" sz="1600" dirty="0">
+                <a:latin typeface="Sequel Sans Book Head" panose="020B0503050000020004" pitchFamily="34" charset="77"/>
+              </a:rPr>
+              <a:t>Low probability of misclassification</a:t>
             </a:r>
           </a:p>
         </p:txBody>
@@ -14878,8 +15031,8 @@
         </p:nvSpPr>
         <p:spPr>
           <a:xfrm>
-            <a:off x="409146" y="4365091"/>
-            <a:ext cx="4136477" cy="646331"/>
+            <a:off x="435522" y="4579449"/>
+            <a:ext cx="4136477" cy="553998"/>
           </a:xfrm>
           <a:prstGeom prst="rect">
             <a:avLst/>
@@ -14893,10 +15046,21 @@
           <a:lstStyle/>
           <a:p>
             <a:r>
-              <a:rPr lang="en-GB" sz="1200" dirty="0">
+              <a:rPr lang="en-GB" sz="1000" dirty="0">
                 <a:latin typeface="Sequel Sans Book Head" panose="020B0503050000020004" pitchFamily="34" charset="77"/>
               </a:rPr>
               <a:t>Graph Convolutional Network inference time comparison between PyTorch and FPGA implementations for different sizes of the dataset.</a:t>
+            </a:r>
+            <a:br>
+              <a:rPr lang="en-GB" sz="1000" dirty="0">
+                <a:latin typeface="Sequel Sans Book Head" panose="020B0503050000020004" pitchFamily="34" charset="77"/>
+              </a:rPr>
+            </a:br>
+            <a:r>
+              <a:rPr lang="en-GB" sz="1000" dirty="0">
+                <a:latin typeface="Sequel Sans Book Head" panose="020B0503050000020004" pitchFamily="34" charset="77"/>
+              </a:rPr>
+              <a:t>Optimized accelerator uses 2 channels with BRAMs and one full unroll.</a:t>
             </a:r>
           </a:p>
         </p:txBody>
@@ -14915,8 +15079,8 @@
         </p:nvSpPr>
         <p:spPr>
           <a:xfrm>
-            <a:off x="359998" y="1006395"/>
-            <a:ext cx="4212001" cy="923330"/>
+            <a:off x="348013" y="922627"/>
+            <a:ext cx="4136477" cy="1323439"/>
           </a:xfrm>
           <a:prstGeom prst="rect">
             <a:avLst/>
@@ -14929,12 +15093,20 @@
           </a:bodyPr>
           <a:lstStyle/>
           <a:p>
+            <a:r>
+              <a:rPr lang="en-GB" sz="1600" dirty="0">
+                <a:latin typeface="Sequel Sans Book Head" panose="020B0503050000020004" pitchFamily="34" charset="77"/>
+              </a:rPr>
+              <a:t>Application of the analysed optimizations to the Graph Convolutional Network.</a:t>
+            </a:r>
+          </a:p>
+          <a:p>
             <a:pPr marL="285750" indent="-285750">
               <a:buFont typeface="Wingdings" pitchFamily="2" charset="2"/>
               <a:buChar char="§"/>
             </a:pPr>
             <a:r>
-              <a:rPr lang="en-GB" dirty="0">
+              <a:rPr lang="en-GB" sz="1600" dirty="0">
                 <a:latin typeface="Sequel Sans Book Head" panose="020B0503050000020004" pitchFamily="34" charset="77"/>
               </a:rPr>
               <a:t>Accelerator outperforms PyTorch</a:t>
@@ -14946,16 +15118,16 @@
               <a:buChar char="§"/>
             </a:pPr>
             <a:r>
-              <a:rPr lang="en-GB" dirty="0">
+              <a:rPr lang="en-GB" sz="1600" dirty="0">
                 <a:latin typeface="Sequel Sans Book Head" panose="020B0503050000020004" pitchFamily="34" charset="77"/>
               </a:rPr>
-              <a:t>Advantage maintained with increasing dataset sizes</a:t>
+              <a:t>Performance improvement maintained with increasing dataset sizes</a:t>
             </a:r>
           </a:p>
         </p:txBody>
       </p:sp>
-      <mc:AlternateContent xmlns:mc="http://schemas.openxmlformats.org/markup-compatibility/2006" xmlns:a14="http://schemas.microsoft.com/office/drawing/2010/main">
-        <mc:Choice Requires="a14">
+      <mc:AlternateContent xmlns:mc="http://schemas.openxmlformats.org/markup-compatibility/2006">
+        <mc:Choice xmlns:a14="http://schemas.microsoft.com/office/drawing/2010/main" Requires="a14">
           <p:graphicFrame>
             <p:nvGraphicFramePr>
               <p:cNvPr id="12" name="Tabella 11">
@@ -14971,13 +15143,13 @@
               <p:nvPr>
                 <p:extLst>
                   <p:ext uri="{D42A27DB-BD31-4B8C-83A1-F6EECF244321}">
-                    <p14:modId xmlns:p14="http://schemas.microsoft.com/office/powerpoint/2010/main" val="1013792295"/>
+                    <p14:modId xmlns:p14="http://schemas.microsoft.com/office/powerpoint/2010/main" val="3655971565"/>
                   </p:ext>
                 </p:extLst>
               </p:nvPr>
             </p:nvGraphicFramePr>
             <p:xfrm>
-              <a:off x="5251786" y="2621279"/>
+              <a:off x="5251786" y="2819562"/>
               <a:ext cx="3136076" cy="1584919"/>
             </p:xfrm>
             <a:graphic>
@@ -15845,7 +16017,7 @@
             </a:graphic>
           </p:graphicFrame>
         </mc:Choice>
-        <mc:Fallback xmlns="">
+        <mc:Fallback>
           <p:graphicFrame>
             <p:nvGraphicFramePr>
               <p:cNvPr id="12" name="Tabella 11">
@@ -15861,13 +16033,13 @@
               <p:nvPr>
                 <p:extLst>
                   <p:ext uri="{D42A27DB-BD31-4B8C-83A1-F6EECF244321}">
-                    <p14:modId xmlns:p14="http://schemas.microsoft.com/office/powerpoint/2010/main" val="1013792295"/>
+                    <p14:modId xmlns:p14="http://schemas.microsoft.com/office/powerpoint/2010/main" val="3655971565"/>
                   </p:ext>
                 </p:extLst>
               </p:nvPr>
             </p:nvGraphicFramePr>
             <p:xfrm>
-              <a:off x="5251786" y="2621279"/>
+              <a:off x="5251786" y="2819562"/>
               <a:ext cx="3136076" cy="1584919"/>
             </p:xfrm>
             <a:graphic>
@@ -15985,7 +16157,7 @@
                         <a:blipFill>
                           <a:blip r:embed="rId4"/>
                           <a:stretch>
-                            <a:fillRect l="-288235" t="-5556" r="-103922" b="-605556"/>
+                            <a:fillRect l="-288235" t="-5556" r="-103922" b="-600000"/>
                           </a:stretch>
                         </a:blipFill>
                       </a:tcPr>
@@ -16002,7 +16174,7 @@
                         <a:blipFill>
                           <a:blip r:embed="rId4"/>
                           <a:stretch>
-                            <a:fillRect l="-388235" t="-5556" r="-3922" b="-605556"/>
+                            <a:fillRect l="-388235" t="-5556" r="-3922" b="-600000"/>
                           </a:stretch>
                         </a:blipFill>
                       </a:tcPr>
@@ -16691,8 +16863,8 @@
           </p:graphicFrame>
         </mc:Fallback>
       </mc:AlternateContent>
-      <mc:AlternateContent xmlns:mc="http://schemas.openxmlformats.org/markup-compatibility/2006" xmlns:a14="http://schemas.microsoft.com/office/drawing/2010/main">
-        <mc:Choice Requires="a14">
+      <mc:AlternateContent xmlns:mc="http://schemas.openxmlformats.org/markup-compatibility/2006">
+        <mc:Choice xmlns:a14="http://schemas.microsoft.com/office/drawing/2010/main" Requires="a14">
           <p:sp>
             <p:nvSpPr>
               <p:cNvPr id="13" name="CasellaDiTesto 12">
@@ -16707,8 +16879,8 @@
             </p:nvSpPr>
             <p:spPr>
               <a:xfrm>
-                <a:off x="5220937" y="4365091"/>
-                <a:ext cx="3197773" cy="461665"/>
+                <a:off x="5398215" y="4538560"/>
+                <a:ext cx="3197773" cy="400110"/>
               </a:xfrm>
               <a:prstGeom prst="rect">
                 <a:avLst/>
@@ -16722,7 +16894,7 @@
               <a:lstStyle/>
               <a:p>
                 <a:r>
-                  <a:rPr lang="en-GB" sz="1200" dirty="0">
+                  <a:rPr lang="en-GB" sz="1000" dirty="0">
                     <a:latin typeface="Sequel Sans Book Head" panose="020B0503050000020004" pitchFamily="34" charset="77"/>
                   </a:rPr>
                   <a:t>Accuracy comparison between PyTorch and Accelerator. 𝝐=total error; </a:t>
@@ -16733,14 +16905,14 @@
                       <m:accPr>
                         <m:chr m:val="̅"/>
                         <m:ctrlPr>
-                          <a:rPr lang="en-GB" sz="1200" i="1" smtClean="0">
+                          <a:rPr lang="en-GB" sz="1000" i="1" smtClean="0">
                             <a:latin typeface="Cambria Math" panose="02040503050406030204" pitchFamily="18" charset="0"/>
                           </a:rPr>
                         </m:ctrlPr>
                       </m:accPr>
                       <m:e>
                         <m:r>
-                          <a:rPr lang="en-GB" sz="1200" b="1" i="1" smtClean="0">
+                          <a:rPr lang="en-GB" sz="1000" b="1" i="1" smtClean="0">
                             <a:latin typeface="Cambria Math" panose="02040503050406030204" pitchFamily="18" charset="0"/>
                             <a:ea typeface="Cambria Math" panose="02040503050406030204" pitchFamily="18" charset="0"/>
                           </a:rPr>
@@ -16751,7 +16923,7 @@
                   </m:oMath>
                 </a14:m>
                 <a:r>
-                  <a:rPr lang="en-GB" sz="1200" dirty="0">
+                  <a:rPr lang="en-GB" sz="1000" dirty="0">
                     <a:latin typeface="Sequel Sans Book Head" panose="020B0503050000020004" pitchFamily="34" charset="77"/>
                   </a:rPr>
                   <a:t>=average error.</a:t>
@@ -16760,7 +16932,7 @@
             </p:txBody>
           </p:sp>
         </mc:Choice>
-        <mc:Fallback xmlns="">
+        <mc:Fallback>
           <p:sp>
             <p:nvSpPr>
               <p:cNvPr id="13" name="CasellaDiTesto 12">
@@ -16777,8 +16949,8 @@
             </p:nvSpPr>
             <p:spPr>
               <a:xfrm>
-                <a:off x="5220937" y="4365091"/>
-                <a:ext cx="3197773" cy="461665"/>
+                <a:off x="5398215" y="4538560"/>
+                <a:ext cx="3197773" cy="400110"/>
               </a:xfrm>
               <a:prstGeom prst="rect">
                 <a:avLst/>
@@ -16786,7 +16958,7 @@
               <a:blipFill>
                 <a:blip r:embed="rId5"/>
                 <a:stretch>
-                  <a:fillRect r="-791" b="-7895"/>
+                  <a:fillRect b="-9375"/>
                 </a:stretch>
               </a:blipFill>
             </p:spPr>
@@ -16805,6 +16977,43 @@
           </p:sp>
         </mc:Fallback>
       </mc:AlternateContent>
+      <p:sp>
+        <p:nvSpPr>
+          <p:cNvPr id="14" name="CasellaDiTesto 13">
+            <a:extLst>
+              <a:ext uri="{FF2B5EF4-FFF2-40B4-BE49-F238E27FC236}">
+                <a16:creationId xmlns:a16="http://schemas.microsoft.com/office/drawing/2014/main" id="{A4E6D905-D456-0FE3-1E62-91AD90C84EC7}"/>
+              </a:ext>
+            </a:extLst>
+          </p:cNvPr>
+          <p:cNvSpPr txBox="1"/>
+          <p:nvPr/>
+        </p:nvSpPr>
+        <p:spPr>
+          <a:xfrm>
+            <a:off x="4852726" y="507128"/>
+            <a:ext cx="4068992" cy="830997"/>
+          </a:xfrm>
+          <a:prstGeom prst="rect">
+            <a:avLst/>
+          </a:prstGeom>
+          <a:noFill/>
+        </p:spPr>
+        <p:txBody>
+          <a:bodyPr wrap="square">
+            <a:spAutoFit/>
+          </a:bodyPr>
+          <a:lstStyle/>
+          <a:p>
+            <a:r>
+              <a:rPr lang="en-GB" sz="1600" dirty="0">
+                <a:latin typeface="Sequel Sans Book Head" panose="020B0503050000020004" pitchFamily="34" charset="77"/>
+              </a:rPr>
+              <a:t>Analysis to measure difference in floating precision on FPGA implementations and its impact on model accuracy.</a:t>
+            </a:r>
+          </a:p>
+        </p:txBody>
+      </p:sp>
     </p:spTree>
     <p:extLst>
       <p:ext uri="{BB962C8B-B14F-4D97-AF65-F5344CB8AC3E}">
@@ -17058,8 +17267,8 @@
         </p:nvSpPr>
         <p:spPr>
           <a:xfrm>
-            <a:off x="520682" y="1040247"/>
-            <a:ext cx="8075306" cy="646331"/>
+            <a:off x="359999" y="933331"/>
+            <a:ext cx="8075306" cy="830997"/>
           </a:xfrm>
           <a:prstGeom prst="rect">
             <a:avLst/>
@@ -17073,10 +17282,18 @@
           <a:lstStyle/>
           <a:p>
             <a:r>
-              <a:rPr lang="en-GB" dirty="0">
+              <a:rPr lang="en-GB" sz="1600" dirty="0">
                 <a:latin typeface="Sequel Sans Book Head" panose="020B0503050000020004" pitchFamily="34" charset="77"/>
               </a:rPr>
-              <a:t>analysis to show how the accelerator has been affected by the loop unrolling technique with respect to the baseline performance</a:t>
+              <a:t>Analysis to show how the accelerator using 2 channels with BRAMs and one full unroll </a:t>
+            </a:r>
+          </a:p>
+          <a:p>
+            <a:r>
+              <a:rPr lang="en-GB" sz="1600" dirty="0">
+                <a:latin typeface="Sequel Sans Book Head" panose="020B0503050000020004" pitchFamily="34" charset="77"/>
+              </a:rPr>
+              <a:t>of the innermost loop has been affected by loop unrolling technique, compared to the baseline performance with 2 channels BRAMs and unroll factor equal to 1.</a:t>
             </a:r>
           </a:p>
         </p:txBody>
@@ -17095,8 +17312,8 @@
         </p:nvSpPr>
         <p:spPr>
           <a:xfrm>
-            <a:off x="520682" y="2006825"/>
-            <a:ext cx="3172088" cy="2585323"/>
+            <a:off x="359999" y="2049982"/>
+            <a:ext cx="3682613" cy="2554545"/>
           </a:xfrm>
           <a:prstGeom prst="rect">
             <a:avLst/>
@@ -17114,10 +17331,10 @@
               <a:buChar char="§"/>
             </a:pPr>
             <a:r>
-              <a:rPr lang="en-GB" dirty="0">
+              <a:rPr lang="en-GB" sz="1600" dirty="0">
                 <a:latin typeface="Sequel Sans Book Head" panose="020B0503050000020004" pitchFamily="34" charset="77"/>
               </a:rPr>
-              <a:t>optimized accelerator uses two channels and one full unrolling of the innermost loop</a:t>
+              <a:t>The baseline accelerator does not exploit parallelism at all</a:t>
             </a:r>
           </a:p>
           <a:p>
@@ -17126,10 +17343,10 @@
               <a:buChar char="§"/>
             </a:pPr>
             <a:r>
-              <a:rPr lang="en-GB" dirty="0">
+              <a:rPr lang="en-GB" sz="1600" dirty="0">
                 <a:latin typeface="Sequel Sans Book Head" panose="020B0503050000020004" pitchFamily="34" charset="77"/>
               </a:rPr>
-              <a:t>the speedup increases as  the size of the dataset increases</a:t>
+              <a:t>The optimized accelerator exploits parallelism more and more as the size of the dataset increases the speedup increases as the size of the dataset increases</a:t>
             </a:r>
           </a:p>
           <a:p>
@@ -17138,10 +17355,10 @@
               <a:buChar char="§"/>
             </a:pPr>
             <a:r>
-              <a:rPr lang="en-GB" dirty="0">
+              <a:rPr lang="en-GB" sz="1600" dirty="0">
                 <a:latin typeface="Sequel Sans Book Head" panose="020B0503050000020004" pitchFamily="34" charset="77"/>
               </a:rPr>
-              <a:t>trade-off between performance and area</a:t>
+              <a:t>Trade-off between performance and area: more parallel operations means more computational units</a:t>
             </a:r>
           </a:p>
         </p:txBody>
@@ -17168,8 +17385,8 @@
         </p:blipFill>
         <p:spPr>
           <a:xfrm>
-            <a:off x="3999035" y="1880705"/>
-            <a:ext cx="4381500" cy="2451100"/>
+            <a:off x="4397652" y="1977659"/>
+            <a:ext cx="3861140" cy="2160000"/>
           </a:xfrm>
           <a:prstGeom prst="rect">
             <a:avLst/>
@@ -17190,7 +17407,7 @@
         </p:nvSpPr>
         <p:spPr>
           <a:xfrm>
-            <a:off x="4341070" y="4384361"/>
+            <a:off x="4397652" y="4281362"/>
             <a:ext cx="4282248" cy="646331"/>
           </a:xfrm>
           <a:prstGeom prst="rect">
@@ -17379,7 +17596,7 @@
         <p:spPr>
           <a:xfrm>
             <a:off x="360000" y="180000"/>
-            <a:ext cx="4546758" cy="523220"/>
+            <a:ext cx="3969035" cy="523220"/>
           </a:xfrm>
           <a:prstGeom prst="rect">
             <a:avLst/>
@@ -17396,7 +17613,7 @@
               <a:rPr lang="en-GB" sz="2800" b="1" dirty="0">
                 <a:latin typeface="Söhne Halbfett" panose="020B0503030202060203" pitchFamily="34" charset="77"/>
               </a:rPr>
-              <a:t>Proposed solution analysis</a:t>
+              <a:t>State of the art analysis</a:t>
             </a:r>
           </a:p>
         </p:txBody>
@@ -17416,7 +17633,7 @@
         <p:spPr>
           <a:xfrm flipV="1">
             <a:off x="359999" y="648000"/>
-            <a:ext cx="4719600" cy="72000"/>
+            <a:ext cx="4147200" cy="72000"/>
           </a:xfrm>
           <a:prstGeom prst="rect">
             <a:avLst/>
@@ -17467,14 +17684,14 @@
           <p:nvPr>
             <p:extLst>
               <p:ext uri="{D42A27DB-BD31-4B8C-83A1-F6EECF244321}">
-                <p14:modId xmlns:p14="http://schemas.microsoft.com/office/powerpoint/2010/main" val="3228301084"/>
+                <p14:modId xmlns:p14="http://schemas.microsoft.com/office/powerpoint/2010/main" val="596702807"/>
               </p:ext>
             </p:extLst>
           </p:nvPr>
         </p:nvGraphicFramePr>
         <p:xfrm>
-          <a:off x="440683" y="894964"/>
-          <a:ext cx="7568940" cy="2536872"/>
+          <a:off x="684417" y="1603629"/>
+          <a:ext cx="7775166" cy="3310244"/>
         </p:xfrm>
         <a:graphic>
           <a:graphicData uri="http://schemas.openxmlformats.org/drawingml/2006/table">
@@ -17483,28 +17700,28 @@
                 <a:tableStyleId>{5C22544A-7EE6-4342-B048-85BDC9FD1C3A}</a:tableStyleId>
               </a:tblPr>
               <a:tblGrid>
-                <a:gridCol w="1365098">
+                <a:gridCol w="1402292">
                   <a:extLst>
                     <a:ext uri="{9D8B030D-6E8A-4147-A177-3AD203B41FA5}">
                       <a16:colId xmlns:a16="http://schemas.microsoft.com/office/drawing/2014/main" val="4261120669"/>
                     </a:ext>
                   </a:extLst>
                 </a:gridCol>
-                <a:gridCol w="2141798">
+                <a:gridCol w="2200154">
                   <a:extLst>
                     <a:ext uri="{9D8B030D-6E8A-4147-A177-3AD203B41FA5}">
                       <a16:colId xmlns:a16="http://schemas.microsoft.com/office/drawing/2014/main" val="3443097104"/>
                     </a:ext>
                   </a:extLst>
                 </a:gridCol>
-                <a:gridCol w="2127737">
+                <a:gridCol w="2185710">
                   <a:extLst>
                     <a:ext uri="{9D8B030D-6E8A-4147-A177-3AD203B41FA5}">
                       <a16:colId xmlns:a16="http://schemas.microsoft.com/office/drawing/2014/main" val="2198381005"/>
                     </a:ext>
                   </a:extLst>
                 </a:gridCol>
-                <a:gridCol w="1934307">
+                <a:gridCol w="1987010">
                   <a:extLst>
                     <a:ext uri="{9D8B030D-6E8A-4147-A177-3AD203B41FA5}">
                       <a16:colId xmlns:a16="http://schemas.microsoft.com/office/drawing/2014/main" val="1839077936"/>
@@ -17512,12 +17729,13 @@
                   </a:extLst>
                 </a:gridCol>
               </a:tblGrid>
-              <a:tr h="342158">
+              <a:tr h="446466">
                 <a:tc>
                   <a:txBody>
                     <a:bodyPr/>
                     <a:lstStyle/>
                     <a:p>
+                      <a:pPr algn="l"/>
                       <a:r>
                         <a:rPr lang="en-GB" sz="1400" b="0" i="0" dirty="0">
                           <a:latin typeface="Sequel Sans Medium Disp" panose="020B0503050000020004" pitchFamily="34" charset="77"/>
@@ -17598,7 +17816,7 @@
                   </a:ext>
                 </a:extLst>
               </a:tr>
-              <a:tr h="703110">
+              <a:tr h="945298">
                 <a:tc>
                   <a:txBody>
                     <a:bodyPr/>
@@ -17624,7 +17842,7 @@
                         <a:rPr lang="en-GB" sz="1400" b="0" i="0" dirty="0">
                           <a:latin typeface="Sequel Sans Book Disp" panose="020B0503050000020004" pitchFamily="34" charset="77"/>
                         </a:rPr>
-                        <a:t>mostly focused on a specific model, only some solutions are generalizable</a:t>
+                        <a:t>Mostly focused on a specific model, only some solutions are generalizable</a:t>
                       </a:r>
                     </a:p>
                   </a:txBody>
@@ -17656,7 +17874,7 @@
                         <a:rPr lang="en-GB" sz="1400" b="0" i="0" dirty="0">
                           <a:latin typeface="Sequel Sans Book Disp" panose="020B0503050000020004" pitchFamily="34" charset="77"/>
                         </a:rPr>
-                        <a:t>All models that can be implemented in PyTorch</a:t>
+                        <a:t>Any models that can be implemented in PyTorch</a:t>
                       </a:r>
                     </a:p>
                   </a:txBody>
@@ -17668,7 +17886,7 @@
                   </a:ext>
                 </a:extLst>
               </a:tr>
-              <a:tr h="767156">
+              <a:tr h="1001025">
                 <a:tc>
                   <a:txBody>
                     <a:bodyPr/>
@@ -17694,7 +17912,7 @@
                         <a:rPr lang="en-GB" sz="1400" b="0" i="0" dirty="0">
                           <a:latin typeface="Sequel Sans Book Disp" panose="020B0503050000020004" pitchFamily="34" charset="77"/>
                         </a:rPr>
-                        <a:t>mostly not customizable, only few propose some settable parameters</a:t>
+                        <a:t>Mostly not customizable, only few propose some settable parameters</a:t>
                       </a:r>
                     </a:p>
                   </a:txBody>
@@ -17747,7 +17965,7 @@
                   </a:ext>
                 </a:extLst>
               </a:tr>
-              <a:tr h="703110">
+              <a:tr h="917455">
                 <a:tc>
                   <a:txBody>
                     <a:bodyPr/>
@@ -17773,7 +17991,7 @@
                         <a:rPr lang="en-GB" sz="1400" b="0" i="0" dirty="0">
                           <a:latin typeface="Sequel Sans Book Disp" panose="020B0503050000020004" pitchFamily="34" charset="77"/>
                         </a:rPr>
-                        <a:t>mostly required, only one solution uses HLS tools</a:t>
+                        <a:t>Mostly required, only one solution uses HLS tools</a:t>
                       </a:r>
                     </a:p>
                   </a:txBody>
@@ -17844,8 +18062,8 @@
         </p:nvSpPr>
         <p:spPr>
           <a:xfrm>
-            <a:off x="440683" y="3571633"/>
-            <a:ext cx="7568940" cy="1569660"/>
+            <a:off x="359999" y="869427"/>
+            <a:ext cx="8099584" cy="584775"/>
           </a:xfrm>
           <a:prstGeom prst="rect">
             <a:avLst/>
@@ -17860,45 +18078,9 @@
           <a:p>
             <a:r>
               <a:rPr lang="en-GB" sz="1600" dirty="0">
-                <a:latin typeface="Sequel Sans Medium Disp" panose="020B0503050000020004" pitchFamily="34" charset="77"/>
-              </a:rPr>
-              <a:t>About FlowGNN</a:t>
-            </a:r>
-          </a:p>
-          <a:p>
-            <a:pPr marL="285750" indent="-285750">
-              <a:buFont typeface="Wingdings" pitchFamily="2" charset="2"/>
-              <a:buChar char="§"/>
-            </a:pPr>
-            <a:r>
-              <a:rPr lang="en-GB" sz="1600" dirty="0">
                 <a:latin typeface="Sequel Sans Book Head" panose="020B0503050000020004" pitchFamily="34" charset="77"/>
               </a:rPr>
-              <a:t>FlowGNN is the only state of the art solution using High-Level Synthesis</a:t>
-            </a:r>
-          </a:p>
-          <a:p>
-            <a:pPr marL="285750" indent="-285750">
-              <a:buFont typeface="Wingdings" pitchFamily="2" charset="2"/>
-              <a:buChar char="§"/>
-            </a:pPr>
-            <a:r>
-              <a:rPr lang="en-GB" sz="1600" dirty="0">
-                <a:latin typeface="Sequel Sans Book Head" panose="020B0503050000020004" pitchFamily="34" charset="77"/>
-              </a:rPr>
-              <a:t>New model and features should be implemented in C++, for significative changes it can represent a possible blocking factor</a:t>
-            </a:r>
-          </a:p>
-          <a:p>
-            <a:pPr marL="285750" indent="-285750">
-              <a:buFont typeface="Wingdings" pitchFamily="2" charset="2"/>
-              <a:buChar char="§"/>
-            </a:pPr>
-            <a:r>
-              <a:rPr lang="en-GB" sz="1600" dirty="0">
-                <a:latin typeface="Sequel Sans Book Head" panose="020B0503050000020004" pitchFamily="34" charset="77"/>
-              </a:rPr>
-              <a:t>Limited possibility of customization to specific needs, only four parallelization parameters</a:t>
+              <a:t>The proposed toolchain offers new and improved ways to accelerate Graph Neural Network inference time on FPGA architectures. </a:t>
             </a:r>
           </a:p>
         </p:txBody>
@@ -20623,7 +20805,7 @@
         </p:nvGrpSpPr>
         <p:grpSpPr>
           <a:xfrm>
-            <a:off x="470705" y="1498694"/>
+            <a:off x="657384" y="1684324"/>
             <a:ext cx="2193364" cy="1905513"/>
             <a:chOff x="559469" y="1498694"/>
             <a:chExt cx="2193364" cy="1905513"/>
@@ -20804,10 +20986,10 @@
         </p:nvGrpSpPr>
         <p:grpSpPr>
           <a:xfrm>
-            <a:off x="3256629" y="1498694"/>
-            <a:ext cx="2256148" cy="3075064"/>
+            <a:off x="3443308" y="1684324"/>
+            <a:ext cx="2256148" cy="1597736"/>
             <a:chOff x="2987068" y="1498694"/>
-            <a:chExt cx="2256148" cy="3075064"/>
+            <a:chExt cx="2256148" cy="1597736"/>
           </a:xfrm>
         </p:grpSpPr>
         <p:grpSp>
@@ -20920,7 +21102,7 @@
           <p:spPr>
             <a:xfrm>
               <a:off x="2987068" y="2388544"/>
-              <a:ext cx="2256148" cy="2185214"/>
+              <a:ext cx="2256148" cy="707886"/>
             </a:xfrm>
             <a:prstGeom prst="rect">
               <a:avLst/>
@@ -20956,42 +21138,6 @@
                 <a:t>experiments</a:t>
               </a:r>
             </a:p>
-            <a:p>
-              <a:pPr marL="914400" lvl="1" indent="-457200">
-                <a:buFont typeface="+mj-lt"/>
-                <a:buAutoNum type="alphaLcPeriod"/>
-              </a:pPr>
-              <a:r>
-                <a:rPr lang="en-GB" sz="1600" dirty="0">
-                  <a:latin typeface="Sequel Sans Book Head" panose="020B0503050000020004" pitchFamily="34" charset="77"/>
-                </a:rPr>
-                <a:t>matrix mul acceleration</a:t>
-              </a:r>
-            </a:p>
-            <a:p>
-              <a:pPr marL="914400" lvl="1" indent="-457200">
-                <a:buFont typeface="+mj-lt"/>
-                <a:buAutoNum type="alphaLcPeriod"/>
-              </a:pPr>
-              <a:r>
-                <a:rPr lang="en-GB" sz="1600" dirty="0">
-                  <a:latin typeface="Sequel Sans Book Head" panose="020B0503050000020004" pitchFamily="34" charset="77"/>
-                </a:rPr>
-                <a:t>GCN accelerator</a:t>
-              </a:r>
-            </a:p>
-            <a:p>
-              <a:pPr marL="914400" lvl="1" indent="-457200">
-                <a:buFont typeface="+mj-lt"/>
-                <a:buAutoNum type="alphaLcPeriod"/>
-              </a:pPr>
-              <a:r>
-                <a:rPr lang="en-GB" sz="1600" dirty="0">
-                  <a:latin typeface="Sequel Sans Book Head" panose="020B0503050000020004" pitchFamily="34" charset="77"/>
-                </a:rPr>
-                <a:t>model accuracy</a:t>
-              </a:r>
-            </a:p>
           </p:txBody>
         </p:sp>
       </p:grpSp>
@@ -21009,7 +21155,7 @@
         </p:nvGrpSpPr>
         <p:grpSpPr>
           <a:xfrm>
-            <a:off x="5946267" y="1498694"/>
+            <a:off x="6132946" y="1684324"/>
             <a:ext cx="2353671" cy="2213289"/>
             <a:chOff x="6035031" y="1498694"/>
             <a:chExt cx="2353671" cy="2213289"/>
@@ -21158,7 +21304,7 @@
                 <a:rPr lang="en-GB" sz="2000" dirty="0">
                   <a:latin typeface="Sequel Sans Book Head" panose="020B0503050000020004" pitchFamily="34" charset="77"/>
                 </a:rPr>
-                <a:t>toolchain future developments</a:t>
+                <a:t>future developments</a:t>
               </a:r>
             </a:p>
           </p:txBody>
@@ -23582,12 +23728,134 @@
           </a:p>
         </p:txBody>
       </p:sp>
+      <p:sp>
+        <p:nvSpPr>
+          <p:cNvPr id="8" name="CasellaDiTesto 7">
+            <a:extLst>
+              <a:ext uri="{FF2B5EF4-FFF2-40B4-BE49-F238E27FC236}">
+                <a16:creationId xmlns:a16="http://schemas.microsoft.com/office/drawing/2014/main" id="{AD4EB7AD-52E3-4FFE-A68F-8C2FA0771D74}"/>
+              </a:ext>
+            </a:extLst>
+          </p:cNvPr>
+          <p:cNvSpPr txBox="1"/>
+          <p:nvPr/>
+        </p:nvSpPr>
+        <p:spPr>
+          <a:xfrm>
+            <a:off x="359999" y="1811858"/>
+            <a:ext cx="4625239" cy="3293209"/>
+          </a:xfrm>
+          <a:prstGeom prst="rect">
+            <a:avLst/>
+          </a:prstGeom>
+          <a:noFill/>
+        </p:spPr>
+        <p:txBody>
+          <a:bodyPr wrap="square" rtlCol="0">
+            <a:spAutoFit/>
+          </a:bodyPr>
+          <a:lstStyle/>
+          <a:p>
+            <a:r>
+              <a:rPr lang="en-GB" sz="1600" b="1" dirty="0">
+                <a:latin typeface="Sequel Sans Semi Bold Disp" panose="020B0503050000020004" pitchFamily="34" charset="77"/>
+              </a:rPr>
+              <a:t>Objectives of the thesis</a:t>
+            </a:r>
+          </a:p>
+          <a:p>
+            <a:pPr marL="285750" indent="-285750">
+              <a:buFont typeface="Wingdings" pitchFamily="2" charset="2"/>
+              <a:buChar char="§"/>
+            </a:pPr>
+            <a:r>
+              <a:rPr lang="en-GB" sz="1600" dirty="0">
+                <a:latin typeface="Sequel Sans Book Head" panose="020B0503050000020004" pitchFamily="34" charset="77"/>
+              </a:rPr>
+              <a:t>A comprehensive toolchain for Graph Neural Network inference acceleration on FPGA architectures</a:t>
+            </a:r>
+          </a:p>
+          <a:p>
+            <a:pPr marL="800100" lvl="1" indent="-342900">
+              <a:buFont typeface="+mj-lt"/>
+              <a:buAutoNum type="arabicPeriod"/>
+            </a:pPr>
+            <a:r>
+              <a:rPr lang="en-GB" sz="1600" dirty="0">
+                <a:latin typeface="Sequel Sans Book Head" panose="020B0503050000020004" pitchFamily="34" charset="77"/>
+              </a:rPr>
+              <a:t>Identify the models bottlenecks and accelerate the heaviest computational operations</a:t>
+            </a:r>
+          </a:p>
+          <a:p>
+            <a:pPr marL="800100" lvl="1" indent="-342900">
+              <a:buFont typeface="+mj-lt"/>
+              <a:buAutoNum type="arabicPeriod"/>
+            </a:pPr>
+            <a:r>
+              <a:rPr lang="en-GB" sz="1600" dirty="0">
+                <a:latin typeface="Sequel Sans Book Head" panose="020B0503050000020004" pitchFamily="34" charset="77"/>
+              </a:rPr>
+              <a:t>Identify customized optimizations designed to finely enhance model performance</a:t>
+            </a:r>
+          </a:p>
+          <a:p>
+            <a:pPr marL="800100" lvl="1" indent="-342900">
+              <a:buFont typeface="+mj-lt"/>
+              <a:buAutoNum type="arabicPeriod"/>
+            </a:pPr>
+            <a:r>
+              <a:rPr lang="en-GB" sz="1600" dirty="0">
+                <a:latin typeface="Sequel Sans Book Head" panose="020B0503050000020004" pitchFamily="34" charset="77"/>
+              </a:rPr>
+              <a:t>Usage of the toolchain for the generation of a GNN inference accelerator</a:t>
+            </a:r>
+          </a:p>
+        </p:txBody>
+      </p:sp>
+      <p:sp>
+        <p:nvSpPr>
+          <p:cNvPr id="2" name="CasellaDiTesto 1">
+            <a:extLst>
+              <a:ext uri="{FF2B5EF4-FFF2-40B4-BE49-F238E27FC236}">
+                <a16:creationId xmlns:a16="http://schemas.microsoft.com/office/drawing/2014/main" id="{6C66DC1A-B68D-7731-805E-CC437C329F27}"/>
+              </a:ext>
+            </a:extLst>
+          </p:cNvPr>
+          <p:cNvSpPr txBox="1"/>
+          <p:nvPr/>
+        </p:nvSpPr>
+        <p:spPr>
+          <a:xfrm>
+            <a:off x="5493189" y="4605335"/>
+            <a:ext cx="3285568" cy="461665"/>
+          </a:xfrm>
+          <a:prstGeom prst="rect">
+            <a:avLst/>
+          </a:prstGeom>
+          <a:noFill/>
+        </p:spPr>
+        <p:txBody>
+          <a:bodyPr wrap="square" rtlCol="0">
+            <a:spAutoFit/>
+          </a:bodyPr>
+          <a:lstStyle/>
+          <a:p>
+            <a:r>
+              <a:rPr lang="en-GB" sz="1200" dirty="0">
+                <a:latin typeface="Sequel Sans Book Head" panose="020B0503050000020004" pitchFamily="34" charset="77"/>
+              </a:rPr>
+              <a:t>Growing popularity of Graph Neural Networks in past years on Google Scholar.</a:t>
+            </a:r>
+          </a:p>
+        </p:txBody>
+      </p:sp>
       <p:pic>
         <p:nvPicPr>
-          <p:cNvPr id="3" name="Immagine 2">
+          <p:cNvPr id="7" name="Immagine 6">
             <a:extLst>
               <a:ext uri="{FF2B5EF4-FFF2-40B4-BE49-F238E27FC236}">
-                <a16:creationId xmlns:a16="http://schemas.microsoft.com/office/drawing/2014/main" id="{C98FA6BB-F7C4-CA27-9852-022EA0D9C1F7}"/>
+                <a16:creationId xmlns:a16="http://schemas.microsoft.com/office/drawing/2014/main" id="{7D2DBC88-E767-6D62-B541-DC2F0D9203ED}"/>
               </a:ext>
             </a:extLst>
           </p:cNvPr>
@@ -23604,8 +23872,8 @@
         </p:blipFill>
         <p:spPr>
           <a:xfrm>
-            <a:off x="5394206" y="1268480"/>
-            <a:ext cx="3017143" cy="2880000"/>
+            <a:off x="5354787" y="1857656"/>
+            <a:ext cx="3006323" cy="2689200"/>
           </a:xfrm>
           <a:prstGeom prst="rect">
             <a:avLst/>
@@ -23614,10 +23882,10 @@
       </p:pic>
       <p:sp>
         <p:nvSpPr>
-          <p:cNvPr id="8" name="CasellaDiTesto 7">
+          <p:cNvPr id="11" name="CasellaDiTesto 10">
             <a:extLst>
               <a:ext uri="{FF2B5EF4-FFF2-40B4-BE49-F238E27FC236}">
-                <a16:creationId xmlns:a16="http://schemas.microsoft.com/office/drawing/2014/main" id="{AD4EB7AD-52E3-4FFE-A68F-8C2FA0771D74}"/>
+                <a16:creationId xmlns:a16="http://schemas.microsoft.com/office/drawing/2014/main" id="{F736F55C-ED5A-40E8-7829-E7CC0616BFA4}"/>
               </a:ext>
             </a:extLst>
           </p:cNvPr>
@@ -23626,8 +23894,8 @@
         </p:nvSpPr>
         <p:spPr>
           <a:xfrm>
-            <a:off x="548012" y="980212"/>
-            <a:ext cx="4625239" cy="3970318"/>
+            <a:off x="359999" y="888879"/>
+            <a:ext cx="8057860" cy="830997"/>
           </a:xfrm>
           <a:prstGeom prst="rect">
             <a:avLst/>
@@ -23640,100 +23908,19 @@
           </a:bodyPr>
           <a:lstStyle/>
           <a:p>
-            <a:pPr marL="285750" indent="-285750">
-              <a:buFont typeface="Wingdings" pitchFamily="2" charset="2"/>
-              <a:buChar char="§"/>
-            </a:pPr>
             <a:r>
-              <a:rPr lang="en-GB" dirty="0">
+              <a:rPr lang="en-GB" sz="1600" b="1" dirty="0">
+                <a:latin typeface="Sequel Sans Semi Bold Disp" panose="020B0503050000020004" pitchFamily="34" charset="77"/>
+              </a:rPr>
+              <a:t>Motivations of the thesis</a:t>
+            </a:r>
+          </a:p>
+          <a:p>
+            <a:r>
+              <a:rPr lang="en-GB" sz="1600" dirty="0">
                 <a:latin typeface="Sequel Sans Book Head" panose="020B0503050000020004" pitchFamily="34" charset="77"/>
               </a:rPr>
-              <a:t>A comprehensive toolchain for Graph Neural Network inference acceleration on FPGA architectures</a:t>
-            </a:r>
-          </a:p>
-          <a:p>
-            <a:pPr marL="285750" indent="-285750">
-              <a:buFont typeface="Wingdings" pitchFamily="2" charset="2"/>
-              <a:buChar char="§"/>
-            </a:pPr>
-            <a:r>
-              <a:rPr lang="en-GB" dirty="0">
-                <a:latin typeface="Sequel Sans Book Head" panose="020B0503050000020004" pitchFamily="34" charset="77"/>
-              </a:rPr>
-              <a:t>Identify customized optimizations designed to finely enhance model performance</a:t>
-            </a:r>
-          </a:p>
-          <a:p>
-            <a:pPr marL="285750" indent="-285750">
-              <a:buFont typeface="Wingdings" pitchFamily="2" charset="2"/>
-              <a:buChar char="§"/>
-            </a:pPr>
-            <a:r>
-              <a:rPr lang="en-GB" dirty="0">
-                <a:latin typeface="Sequel Sans Book Head" panose="020B0503050000020004" pitchFamily="34" charset="77"/>
-              </a:rPr>
-              <a:t>Enhancing the capabilities of the toolchain’s elements to make them compatible</a:t>
-            </a:r>
-          </a:p>
-          <a:p>
-            <a:pPr marL="285750" indent="-285750">
-              <a:buFont typeface="Wingdings" pitchFamily="2" charset="2"/>
-              <a:buChar char="§"/>
-            </a:pPr>
-            <a:r>
-              <a:rPr lang="en-GB" dirty="0">
-                <a:latin typeface="Sequel Sans Book Head" panose="020B0503050000020004" pitchFamily="34" charset="77"/>
-              </a:rPr>
-              <a:t>Identify the models bottlenecks and accelerate the heaviest computational operations</a:t>
-            </a:r>
-          </a:p>
-          <a:p>
-            <a:pPr marL="285750" indent="-285750">
-              <a:buFont typeface="Wingdings" pitchFamily="2" charset="2"/>
-              <a:buChar char="§"/>
-            </a:pPr>
-            <a:r>
-              <a:rPr lang="en-GB" dirty="0">
-                <a:latin typeface="Sequel Sans Book Head" panose="020B0503050000020004" pitchFamily="34" charset="77"/>
-              </a:rPr>
-              <a:t>Usage of the toolchain for the generation of a GNN inference accelerator</a:t>
-            </a:r>
-          </a:p>
-        </p:txBody>
-      </p:sp>
-      <p:sp>
-        <p:nvSpPr>
-          <p:cNvPr id="2" name="CasellaDiTesto 1">
-            <a:extLst>
-              <a:ext uri="{FF2B5EF4-FFF2-40B4-BE49-F238E27FC236}">
-                <a16:creationId xmlns:a16="http://schemas.microsoft.com/office/drawing/2014/main" id="{6C66DC1A-B68D-7731-805E-CC437C329F27}"/>
-              </a:ext>
-            </a:extLst>
-          </p:cNvPr>
-          <p:cNvSpPr txBox="1"/>
-          <p:nvPr/>
-        </p:nvSpPr>
-        <p:spPr>
-          <a:xfrm>
-            <a:off x="5493189" y="4296167"/>
-            <a:ext cx="3285568" cy="461665"/>
-          </a:xfrm>
-          <a:prstGeom prst="rect">
-            <a:avLst/>
-          </a:prstGeom>
-          <a:noFill/>
-        </p:spPr>
-        <p:txBody>
-          <a:bodyPr wrap="square" rtlCol="0">
-            <a:spAutoFit/>
-          </a:bodyPr>
-          <a:lstStyle/>
-          <a:p>
-            <a:r>
-              <a:rPr lang="en-GB" sz="1200" dirty="0">
-                <a:latin typeface="Sequel Sans Book Head" panose="020B0503050000020004" pitchFamily="34" charset="77"/>
-              </a:rPr>
-              <a:t>Growing popularity of Graph Neural Networks in past years on Google Scholar.</a:t>
+              <a:t>Optimizing and accelerating the capabilities of Graph Neural Networks is necessary due to their increasingly popularity, especially in fields characterized by vast amount of data. </a:t>
             </a:r>
           </a:p>
         </p:txBody>
@@ -24008,7 +24195,7 @@
               <a:rPr lang="en-GB" dirty="0">
                 <a:latin typeface="Sequel Sans Book Head" panose="020B0503050000020004" pitchFamily="34" charset="77"/>
               </a:rPr>
-              <a:t>Deep learning techniques that operate on graph-structured data to solve prediction tasks:</a:t>
+              <a:t>Graph Neural Networks are deep learning techniques that operate on graph-structured data to solve prediction tasks:</a:t>
             </a:r>
           </a:p>
         </p:txBody>
@@ -24027,7 +24214,7 @@
         </p:nvSpPr>
         <p:spPr>
           <a:xfrm>
-            <a:off x="426466" y="3251748"/>
+            <a:off x="404202" y="3300776"/>
             <a:ext cx="8335593" cy="646331"/>
           </a:xfrm>
           <a:prstGeom prst="rect">
@@ -24276,36 +24463,6 @@
           </p:txBody>
         </p:sp>
       </p:grpSp>
-      <p:pic>
-        <p:nvPicPr>
-          <p:cNvPr id="21" name="Immagine 20">
-            <a:extLst>
-              <a:ext uri="{FF2B5EF4-FFF2-40B4-BE49-F238E27FC236}">
-                <a16:creationId xmlns:a16="http://schemas.microsoft.com/office/drawing/2014/main" id="{26978EF0-99B2-C412-0F74-9934BCCA2CDA}"/>
-              </a:ext>
-            </a:extLst>
-          </p:cNvPr>
-          <p:cNvPicPr>
-            <a:picLocks noChangeAspect="1"/>
-          </p:cNvPicPr>
-          <p:nvPr/>
-        </p:nvPicPr>
-        <p:blipFill>
-          <a:blip r:embed="rId3"/>
-          <a:stretch>
-            <a:fillRect/>
-          </a:stretch>
-        </p:blipFill>
-        <p:spPr>
-          <a:xfrm>
-            <a:off x="2349498" y="1721959"/>
-            <a:ext cx="4445000" cy="1193800"/>
-          </a:xfrm>
-          <a:prstGeom prst="rect">
-            <a:avLst/>
-          </a:prstGeom>
-        </p:spPr>
-      </p:pic>
       <p:sp>
         <p:nvSpPr>
           <p:cNvPr id="6" name="CasellaDiTesto 5">
@@ -24435,6 +24592,222 @@
           </a:p>
         </p:txBody>
       </p:sp>
+      <p:sp>
+        <p:nvSpPr>
+          <p:cNvPr id="14" name="CasellaDiTesto 13">
+            <a:extLst>
+              <a:ext uri="{FF2B5EF4-FFF2-40B4-BE49-F238E27FC236}">
+                <a16:creationId xmlns:a16="http://schemas.microsoft.com/office/drawing/2014/main" id="{E5D5BFA1-7D98-E74A-E8FB-059AF37452EE}"/>
+              </a:ext>
+            </a:extLst>
+          </p:cNvPr>
+          <p:cNvSpPr txBox="1"/>
+          <p:nvPr/>
+        </p:nvSpPr>
+        <p:spPr>
+          <a:xfrm>
+            <a:off x="1499381" y="2884855"/>
+            <a:ext cx="2097587" cy="369332"/>
+          </a:xfrm>
+          <a:prstGeom prst="rect">
+            <a:avLst/>
+          </a:prstGeom>
+        </p:spPr>
+        <p:txBody>
+          <a:bodyPr wrap="square" rtlCol="0">
+            <a:spAutoFit/>
+          </a:bodyPr>
+          <a:lstStyle/>
+          <a:p>
+            <a:pPr algn="ctr"/>
+            <a:r>
+              <a:rPr lang="en-GB" sz="900" dirty="0">
+                <a:latin typeface="Sequel Sans Book Disp" panose="020B0503050000020004" pitchFamily="34" charset="77"/>
+              </a:rPr>
+              <a:t>Classify nodes according</a:t>
+            </a:r>
+          </a:p>
+          <a:p>
+            <a:pPr algn="ctr"/>
+            <a:r>
+              <a:rPr lang="en-GB" sz="900" dirty="0">
+                <a:latin typeface="Sequel Sans Book Disp" panose="020B0503050000020004" pitchFamily="34" charset="77"/>
+              </a:rPr>
+              <a:t>to labels of their neighbours</a:t>
+            </a:r>
+          </a:p>
+        </p:txBody>
+      </p:sp>
+      <p:sp>
+        <p:nvSpPr>
+          <p:cNvPr id="18" name="CasellaDiTesto 17">
+            <a:extLst>
+              <a:ext uri="{FF2B5EF4-FFF2-40B4-BE49-F238E27FC236}">
+                <a16:creationId xmlns:a16="http://schemas.microsoft.com/office/drawing/2014/main" id="{0C1AE3F0-7A84-BA35-3455-C0D952ED6365}"/>
+              </a:ext>
+            </a:extLst>
+          </p:cNvPr>
+          <p:cNvSpPr txBox="1"/>
+          <p:nvPr/>
+        </p:nvSpPr>
+        <p:spPr>
+          <a:xfrm>
+            <a:off x="5589019" y="2884855"/>
+            <a:ext cx="2097587" cy="369332"/>
+          </a:xfrm>
+          <a:prstGeom prst="rect">
+            <a:avLst/>
+          </a:prstGeom>
+        </p:spPr>
+        <p:txBody>
+          <a:bodyPr wrap="square" rtlCol="0">
+            <a:spAutoFit/>
+          </a:bodyPr>
+          <a:lstStyle/>
+          <a:p>
+            <a:pPr algn="ctr"/>
+            <a:r>
+              <a:rPr lang="en-GB" sz="900" dirty="0">
+                <a:latin typeface="Sequel Sans Book Disp" panose="020B0503050000020004" pitchFamily="34" charset="77"/>
+              </a:rPr>
+              <a:t>Classify the whole graph into </a:t>
+            </a:r>
+          </a:p>
+          <a:p>
+            <a:pPr algn="ctr"/>
+            <a:r>
+              <a:rPr lang="en-GB" sz="900" dirty="0">
+                <a:latin typeface="Sequel Sans Book Disp" panose="020B0503050000020004" pitchFamily="34" charset="77"/>
+              </a:rPr>
+              <a:t>different categories</a:t>
+            </a:r>
+          </a:p>
+        </p:txBody>
+      </p:sp>
+      <p:sp>
+        <p:nvSpPr>
+          <p:cNvPr id="19" name="CasellaDiTesto 18">
+            <a:extLst>
+              <a:ext uri="{FF2B5EF4-FFF2-40B4-BE49-F238E27FC236}">
+                <a16:creationId xmlns:a16="http://schemas.microsoft.com/office/drawing/2014/main" id="{4954ECBD-BBE2-A0C0-6AE5-534936935504}"/>
+              </a:ext>
+            </a:extLst>
+          </p:cNvPr>
+          <p:cNvSpPr txBox="1"/>
+          <p:nvPr/>
+        </p:nvSpPr>
+        <p:spPr>
+          <a:xfrm>
+            <a:off x="3628262" y="2884855"/>
+            <a:ext cx="1873074" cy="369332"/>
+          </a:xfrm>
+          <a:prstGeom prst="rect">
+            <a:avLst/>
+          </a:prstGeom>
+        </p:spPr>
+        <p:txBody>
+          <a:bodyPr wrap="square" rtlCol="0">
+            <a:spAutoFit/>
+          </a:bodyPr>
+          <a:lstStyle/>
+          <a:p>
+            <a:pPr algn="ctr"/>
+            <a:r>
+              <a:rPr lang="en-GB" sz="900" dirty="0">
+                <a:latin typeface="Sequel Sans Book Disp" panose="020B0503050000020004" pitchFamily="34" charset="77"/>
+              </a:rPr>
+              <a:t>Predict the evolution of connection between two entities</a:t>
+            </a:r>
+          </a:p>
+        </p:txBody>
+      </p:sp>
+      <p:pic>
+        <p:nvPicPr>
+          <p:cNvPr id="21" name="Immagine 20">
+            <a:extLst>
+              <a:ext uri="{FF2B5EF4-FFF2-40B4-BE49-F238E27FC236}">
+                <a16:creationId xmlns:a16="http://schemas.microsoft.com/office/drawing/2014/main" id="{26978EF0-99B2-C412-0F74-9934BCCA2CDA}"/>
+              </a:ext>
+            </a:extLst>
+          </p:cNvPr>
+          <p:cNvPicPr>
+            <a:picLocks noChangeAspect="1"/>
+          </p:cNvPicPr>
+          <p:nvPr/>
+        </p:nvPicPr>
+        <p:blipFill rotWithShape="1">
+          <a:blip r:embed="rId3"/>
+          <a:srcRect r="72483"/>
+          <a:stretch/>
+        </p:blipFill>
+        <p:spPr>
+          <a:xfrm>
+            <a:off x="1925854" y="1661869"/>
+            <a:ext cx="1146264" cy="1118762"/>
+          </a:xfrm>
+          <a:prstGeom prst="rect">
+            <a:avLst/>
+          </a:prstGeom>
+        </p:spPr>
+      </p:pic>
+      <p:pic>
+        <p:nvPicPr>
+          <p:cNvPr id="20" name="Immagine 19">
+            <a:extLst>
+              <a:ext uri="{FF2B5EF4-FFF2-40B4-BE49-F238E27FC236}">
+                <a16:creationId xmlns:a16="http://schemas.microsoft.com/office/drawing/2014/main" id="{06E0F288-D646-E0FC-34BA-FE6723E0C6A7}"/>
+              </a:ext>
+            </a:extLst>
+          </p:cNvPr>
+          <p:cNvPicPr>
+            <a:picLocks noChangeAspect="1"/>
+          </p:cNvPicPr>
+          <p:nvPr/>
+        </p:nvPicPr>
+        <p:blipFill rotWithShape="1">
+          <a:blip r:embed="rId3"/>
+          <a:srcRect l="69775"/>
+          <a:stretch/>
+        </p:blipFill>
+        <p:spPr>
+          <a:xfrm>
+            <a:off x="5959103" y="1661869"/>
+            <a:ext cx="1259043" cy="1118762"/>
+          </a:xfrm>
+          <a:prstGeom prst="rect">
+            <a:avLst/>
+          </a:prstGeom>
+        </p:spPr>
+      </p:pic>
+      <p:pic>
+        <p:nvPicPr>
+          <p:cNvPr id="22" name="Immagine 21">
+            <a:extLst>
+              <a:ext uri="{FF2B5EF4-FFF2-40B4-BE49-F238E27FC236}">
+                <a16:creationId xmlns:a16="http://schemas.microsoft.com/office/drawing/2014/main" id="{9DE8A72D-845C-2FEA-D496-909BF935F6E2}"/>
+              </a:ext>
+            </a:extLst>
+          </p:cNvPr>
+          <p:cNvPicPr>
+            <a:picLocks noChangeAspect="1"/>
+          </p:cNvPicPr>
+          <p:nvPr/>
+        </p:nvPicPr>
+        <p:blipFill rotWithShape="1">
+          <a:blip r:embed="rId3"/>
+          <a:srcRect l="32695" r="36638"/>
+          <a:stretch/>
+        </p:blipFill>
+        <p:spPr>
+          <a:xfrm>
+            <a:off x="3876875" y="1661869"/>
+            <a:ext cx="1277471" cy="1118762"/>
+          </a:xfrm>
+          <a:prstGeom prst="rect">
+            <a:avLst/>
+          </a:prstGeom>
+        </p:spPr>
+      </p:pic>
     </p:spTree>
     <p:extLst>
       <p:ext uri="{BB962C8B-B14F-4D97-AF65-F5344CB8AC3E}">
@@ -24706,104 +25079,6 @@
       </p:pic>
       <p:sp>
         <p:nvSpPr>
-          <p:cNvPr id="8" name="CasellaDiTesto 7">
-            <a:extLst>
-              <a:ext uri="{FF2B5EF4-FFF2-40B4-BE49-F238E27FC236}">
-                <a16:creationId xmlns:a16="http://schemas.microsoft.com/office/drawing/2014/main" id="{18F0163E-983A-CA7E-7F34-99C681D049D4}"/>
-              </a:ext>
-            </a:extLst>
-          </p:cNvPr>
-          <p:cNvSpPr txBox="1"/>
-          <p:nvPr/>
-        </p:nvSpPr>
-        <p:spPr>
-          <a:xfrm>
-            <a:off x="474300" y="1171220"/>
-            <a:ext cx="2160000" cy="1200329"/>
-          </a:xfrm>
-          <a:prstGeom prst="rect">
-            <a:avLst/>
-          </a:prstGeom>
-          <a:noFill/>
-        </p:spPr>
-        <p:txBody>
-          <a:bodyPr wrap="square" rtlCol="0">
-            <a:spAutoFit/>
-          </a:bodyPr>
-          <a:lstStyle/>
-          <a:p>
-            <a:r>
-              <a:rPr lang="en-GB" b="1" dirty="0">
-                <a:latin typeface="Sequel Sans Semi Bold Disp" panose="020B0503050000020004" pitchFamily="34" charset="77"/>
-              </a:rPr>
-              <a:t>PyTorch</a:t>
-            </a:r>
-          </a:p>
-          <a:p>
-            <a:r>
-              <a:rPr lang="en-GB" dirty="0">
-                <a:latin typeface="Sequel Sans Book Head" panose="020B0503050000020004" pitchFamily="34" charset="77"/>
-              </a:rPr>
-              <a:t>Popular framework for neural network implementations.</a:t>
-            </a:r>
-          </a:p>
-        </p:txBody>
-      </p:sp>
-      <p:sp>
-        <p:nvSpPr>
-          <p:cNvPr id="11" name="CasellaDiTesto 10">
-            <a:extLst>
-              <a:ext uri="{FF2B5EF4-FFF2-40B4-BE49-F238E27FC236}">
-                <a16:creationId xmlns:a16="http://schemas.microsoft.com/office/drawing/2014/main" id="{4CB06F48-D04B-7682-383D-CEDF19DAA8CF}"/>
-              </a:ext>
-            </a:extLst>
-          </p:cNvPr>
-          <p:cNvSpPr txBox="1"/>
-          <p:nvPr/>
-        </p:nvSpPr>
-        <p:spPr>
-          <a:xfrm>
-            <a:off x="2927596" y="1171220"/>
-            <a:ext cx="1644404" cy="1200329"/>
-          </a:xfrm>
-          <a:prstGeom prst="rect">
-            <a:avLst/>
-          </a:prstGeom>
-          <a:noFill/>
-        </p:spPr>
-        <p:txBody>
-          <a:bodyPr wrap="square" rtlCol="0">
-            <a:spAutoFit/>
-          </a:bodyPr>
-          <a:lstStyle/>
-          <a:p>
-            <a:r>
-              <a:rPr lang="en-GB" b="1" dirty="0">
-                <a:latin typeface="Sequel Sans Semi Bold Disp" panose="020B0503050000020004" pitchFamily="34" charset="77"/>
-              </a:rPr>
-              <a:t>Torch-MLIR</a:t>
-            </a:r>
-          </a:p>
-          <a:p>
-            <a:r>
-              <a:rPr lang="en-GB" dirty="0">
-                <a:latin typeface="Sequel Sans Book Head" panose="020B0503050000020004" pitchFamily="34" charset="77"/>
-              </a:rPr>
-              <a:t>enables the generation of </a:t>
-            </a:r>
-          </a:p>
-          <a:p>
-            <a:r>
-              <a:rPr lang="en-GB" dirty="0">
-                <a:latin typeface="Sequel Sans Book Head" panose="020B0503050000020004" pitchFamily="34" charset="77"/>
-              </a:rPr>
-              <a:t>the MLIR IR.</a:t>
-            </a:r>
-          </a:p>
-        </p:txBody>
-      </p:sp>
-      <p:sp>
-        <p:nvSpPr>
           <p:cNvPr id="13" name="CasellaDiTesto 12">
             <a:extLst>
               <a:ext uri="{FF2B5EF4-FFF2-40B4-BE49-F238E27FC236}">
@@ -24816,8 +25091,8 @@
         </p:nvSpPr>
         <p:spPr>
           <a:xfrm>
-            <a:off x="474300" y="2666927"/>
-            <a:ext cx="4537315" cy="1754326"/>
+            <a:off x="351795" y="3387467"/>
+            <a:ext cx="4537315" cy="1569660"/>
           </a:xfrm>
           <a:prstGeom prst="rect">
             <a:avLst/>
@@ -24831,7 +25106,7 @@
           <a:lstStyle/>
           <a:p>
             <a:r>
-              <a:rPr lang="en-GB" b="1" dirty="0">
+              <a:rPr lang="en-GB" sz="1600" b="1" dirty="0">
                 <a:latin typeface="Sequel Sans Semi Bold Disp" panose="020B0503050000020004" pitchFamily="34" charset="77"/>
               </a:rPr>
               <a:t>Synthesizer</a:t>
@@ -24839,10 +25114,10 @@
           </a:p>
           <a:p>
             <a:r>
-              <a:rPr lang="en-GB" dirty="0">
+              <a:rPr lang="en-GB" sz="1600" dirty="0">
                 <a:latin typeface="Sequel Sans Book Head" panose="020B0503050000020004" pitchFamily="34" charset="77"/>
               </a:rPr>
-              <a:t>The MLIR representation serves as input for the synthesizer. Frontend optimizations are applied, then the refined version proceeds to the backend, where the actual GNN accelerator is effectively produced.</a:t>
+              <a:t>It takes the MLIR representation as input and transform it into accelerator. Firstly, it apply high-level optimizations, then the refined version proceeds to the Bambu HLS backend, where the GNN accelerator is effectively produced.</a:t>
             </a:r>
           </a:p>
         </p:txBody>
@@ -24862,7 +25137,7 @@
         <p:spPr>
           <a:xfrm>
             <a:off x="5996577" y="4549451"/>
-            <a:ext cx="2198157" cy="461665"/>
+            <a:ext cx="2198157" cy="400110"/>
           </a:xfrm>
           <a:prstGeom prst="rect">
             <a:avLst/>
@@ -24876,10 +25151,480 @@
           <a:lstStyle/>
           <a:p>
             <a:r>
-              <a:rPr lang="en-GB" sz="1200" dirty="0">
+              <a:rPr lang="en-GB" sz="1000" dirty="0">
                 <a:latin typeface="Sequel Sans Book Head" panose="020B0503050000020004" pitchFamily="34" charset="77"/>
               </a:rPr>
               <a:t>FPGA Toolchain for Graph Neural Network Acceleration</a:t>
+            </a:r>
+          </a:p>
+        </p:txBody>
+      </p:sp>
+      <p:pic>
+        <p:nvPicPr>
+          <p:cNvPr id="6" name="Immagine 5">
+            <a:extLst>
+              <a:ext uri="{FF2B5EF4-FFF2-40B4-BE49-F238E27FC236}">
+                <a16:creationId xmlns:a16="http://schemas.microsoft.com/office/drawing/2014/main" id="{DDEE919C-4B69-239A-8A21-1B38E9F20326}"/>
+              </a:ext>
+            </a:extLst>
+          </p:cNvPr>
+          <p:cNvPicPr>
+            <a:picLocks noChangeAspect="1"/>
+          </p:cNvPicPr>
+          <p:nvPr/>
+        </p:nvPicPr>
+        <p:blipFill>
+          <a:blip r:embed="rId4"/>
+          <a:stretch>
+            <a:fillRect/>
+          </a:stretch>
+        </p:blipFill>
+        <p:spPr>
+          <a:xfrm>
+            <a:off x="1158876" y="1724386"/>
+            <a:ext cx="396000" cy="396000"/>
+          </a:xfrm>
+          <a:prstGeom prst="rect">
+            <a:avLst/>
+          </a:prstGeom>
+        </p:spPr>
+      </p:pic>
+      <p:sp>
+        <p:nvSpPr>
+          <p:cNvPr id="7" name="CasellaDiTesto 6">
+            <a:extLst>
+              <a:ext uri="{FF2B5EF4-FFF2-40B4-BE49-F238E27FC236}">
+                <a16:creationId xmlns:a16="http://schemas.microsoft.com/office/drawing/2014/main" id="{5BEF40F9-F87D-4F73-365F-73F5106FCB65}"/>
+              </a:ext>
+            </a:extLst>
+          </p:cNvPr>
+          <p:cNvSpPr txBox="1"/>
+          <p:nvPr/>
+        </p:nvSpPr>
+        <p:spPr>
+          <a:xfrm>
+            <a:off x="360000" y="2093051"/>
+            <a:ext cx="2260454" cy="954107"/>
+          </a:xfrm>
+          <a:prstGeom prst="rect">
+            <a:avLst/>
+          </a:prstGeom>
+          <a:noFill/>
+        </p:spPr>
+        <p:txBody>
+          <a:bodyPr wrap="square" rtlCol="0">
+            <a:spAutoFit/>
+          </a:bodyPr>
+          <a:lstStyle/>
+          <a:p>
+            <a:r>
+              <a:rPr lang="en-GB" sz="1400" dirty="0">
+                <a:latin typeface="Sequel Sans Book Head" panose="020B0503050000020004" pitchFamily="34" charset="77"/>
+              </a:rPr>
+              <a:t>A novel approach to construct reusable </a:t>
+            </a:r>
+          </a:p>
+          <a:p>
+            <a:r>
+              <a:rPr lang="en-GB" sz="1400" dirty="0">
+                <a:latin typeface="Sequel Sans Book Head" panose="020B0503050000020004" pitchFamily="34" charset="77"/>
+              </a:rPr>
+              <a:t>and extensible compiler infrastructure.</a:t>
+            </a:r>
+          </a:p>
+        </p:txBody>
+      </p:sp>
+      <p:sp>
+        <p:nvSpPr>
+          <p:cNvPr id="12" name="CasellaDiTesto 11">
+            <a:extLst>
+              <a:ext uri="{FF2B5EF4-FFF2-40B4-BE49-F238E27FC236}">
+                <a16:creationId xmlns:a16="http://schemas.microsoft.com/office/drawing/2014/main" id="{B52423AA-E918-CF91-4CF2-573AA8E539F2}"/>
+              </a:ext>
+            </a:extLst>
+          </p:cNvPr>
+          <p:cNvSpPr txBox="1"/>
+          <p:nvPr/>
+        </p:nvSpPr>
+        <p:spPr>
+          <a:xfrm>
+            <a:off x="319135" y="1753109"/>
+            <a:ext cx="798886" cy="338554"/>
+          </a:xfrm>
+          <a:prstGeom prst="rect">
+            <a:avLst/>
+          </a:prstGeom>
+          <a:noFill/>
+        </p:spPr>
+        <p:txBody>
+          <a:bodyPr wrap="square" rtlCol="0">
+            <a:spAutoFit/>
+          </a:bodyPr>
+          <a:lstStyle/>
+          <a:p>
+            <a:pPr algn="ctr"/>
+            <a:r>
+              <a:rPr lang="en-GB" sz="1600" b="1" dirty="0">
+                <a:latin typeface="Sequel Sans Semi Bold Disp" panose="020B0503050000020004" pitchFamily="34" charset="77"/>
+              </a:rPr>
+              <a:t>MLIR</a:t>
+            </a:r>
+          </a:p>
+        </p:txBody>
+      </p:sp>
+      <p:sp>
+        <p:nvSpPr>
+          <p:cNvPr id="14" name="CasellaDiTesto 13">
+            <a:extLst>
+              <a:ext uri="{FF2B5EF4-FFF2-40B4-BE49-F238E27FC236}">
+                <a16:creationId xmlns:a16="http://schemas.microsoft.com/office/drawing/2014/main" id="{83116ABC-37F4-F173-8E78-8BF63D16F9C0}"/>
+              </a:ext>
+            </a:extLst>
+          </p:cNvPr>
+          <p:cNvSpPr txBox="1"/>
+          <p:nvPr/>
+        </p:nvSpPr>
+        <p:spPr>
+          <a:xfrm>
+            <a:off x="320958" y="876483"/>
+            <a:ext cx="4605606" cy="584775"/>
+          </a:xfrm>
+          <a:prstGeom prst="rect">
+            <a:avLst/>
+          </a:prstGeom>
+          <a:noFill/>
+        </p:spPr>
+        <p:txBody>
+          <a:bodyPr wrap="square" rtlCol="0">
+            <a:spAutoFit/>
+          </a:bodyPr>
+          <a:lstStyle/>
+          <a:p>
+            <a:r>
+              <a:rPr lang="en-GB" sz="1600" dirty="0">
+                <a:latin typeface="Sequel Sans Book Head" panose="020B0503050000020004" pitchFamily="34" charset="77"/>
+              </a:rPr>
+              <a:t>The toolchain proposed in this thesis makes use </a:t>
+            </a:r>
+          </a:p>
+          <a:p>
+            <a:r>
+              <a:rPr lang="en-GB" sz="1600" dirty="0">
+                <a:latin typeface="Sequel Sans Book Head" panose="020B0503050000020004" pitchFamily="34" charset="77"/>
+              </a:rPr>
+              <a:t>of MLIR and is based on High-Level Synthesis.</a:t>
+            </a:r>
+          </a:p>
+        </p:txBody>
+      </p:sp>
+      <p:grpSp>
+        <p:nvGrpSpPr>
+          <p:cNvPr id="15" name="Gruppo 14">
+            <a:extLst>
+              <a:ext uri="{FF2B5EF4-FFF2-40B4-BE49-F238E27FC236}">
+                <a16:creationId xmlns:a16="http://schemas.microsoft.com/office/drawing/2014/main" id="{FA763B2A-31EB-885A-AB4E-62D48A68BF3E}"/>
+              </a:ext>
+            </a:extLst>
+          </p:cNvPr>
+          <p:cNvGrpSpPr/>
+          <p:nvPr/>
+        </p:nvGrpSpPr>
+        <p:grpSpPr>
+          <a:xfrm>
+            <a:off x="3758957" y="2117316"/>
+            <a:ext cx="1569755" cy="1050132"/>
+            <a:chOff x="6945466" y="1809798"/>
+            <a:chExt cx="1569755" cy="1050132"/>
+          </a:xfrm>
+        </p:grpSpPr>
+        <p:sp>
+          <p:nvSpPr>
+            <p:cNvPr id="16" name="CasellaDiTesto 15">
+              <a:extLst>
+                <a:ext uri="{FF2B5EF4-FFF2-40B4-BE49-F238E27FC236}">
+                  <a16:creationId xmlns:a16="http://schemas.microsoft.com/office/drawing/2014/main" id="{F99F109E-9392-6D84-7A96-534EBE75FE9E}"/>
+                </a:ext>
+              </a:extLst>
+            </p:cNvPr>
+            <p:cNvSpPr txBox="1"/>
+            <p:nvPr/>
+          </p:nvSpPr>
+          <p:spPr>
+            <a:xfrm>
+              <a:off x="7347614" y="1809798"/>
+              <a:ext cx="765458" cy="253916"/>
+            </a:xfrm>
+            <a:prstGeom prst="rect">
+              <a:avLst/>
+            </a:prstGeom>
+            <a:noFill/>
+          </p:spPr>
+          <p:txBody>
+            <a:bodyPr wrap="square" rtlCol="0">
+              <a:spAutoFit/>
+            </a:bodyPr>
+            <a:lstStyle/>
+            <a:p>
+              <a:pPr algn="ctr"/>
+              <a:r>
+                <a:rPr lang="en-GB" sz="1050" dirty="0">
+                  <a:latin typeface="Sequel Sans Roman Disp" panose="020B0503050000020004" pitchFamily="34" charset="77"/>
+                </a:rPr>
+                <a:t>C/C++</a:t>
+              </a:r>
+            </a:p>
+          </p:txBody>
+        </p:sp>
+        <p:sp>
+          <p:nvSpPr>
+            <p:cNvPr id="17" name="CasellaDiTesto 16">
+              <a:extLst>
+                <a:ext uri="{FF2B5EF4-FFF2-40B4-BE49-F238E27FC236}">
+                  <a16:creationId xmlns:a16="http://schemas.microsoft.com/office/drawing/2014/main" id="{15C7FAF1-FF52-183A-E869-9051ADA08F94}"/>
+                </a:ext>
+              </a:extLst>
+            </p:cNvPr>
+            <p:cNvSpPr txBox="1"/>
+            <p:nvPr/>
+          </p:nvSpPr>
+          <p:spPr>
+            <a:xfrm>
+              <a:off x="7215317" y="2207906"/>
+              <a:ext cx="1030052" cy="253916"/>
+            </a:xfrm>
+            <a:prstGeom prst="rect">
+              <a:avLst/>
+            </a:prstGeom>
+            <a:noFill/>
+          </p:spPr>
+          <p:txBody>
+            <a:bodyPr wrap="square" rtlCol="0">
+              <a:spAutoFit/>
+            </a:bodyPr>
+            <a:lstStyle/>
+            <a:p>
+              <a:pPr algn="ctr"/>
+              <a:r>
+                <a:rPr lang="en-GB" sz="1050" dirty="0">
+                  <a:latin typeface="Sequel Sans Roman Disp" panose="020B0503050000020004" pitchFamily="34" charset="77"/>
+                </a:rPr>
+                <a:t>HLS tool</a:t>
+              </a:r>
+            </a:p>
+          </p:txBody>
+        </p:sp>
+        <p:sp>
+          <p:nvSpPr>
+            <p:cNvPr id="18" name="CasellaDiTesto 17">
+              <a:extLst>
+                <a:ext uri="{FF2B5EF4-FFF2-40B4-BE49-F238E27FC236}">
+                  <a16:creationId xmlns:a16="http://schemas.microsoft.com/office/drawing/2014/main" id="{00DC3FB1-B98A-08B3-5755-90EC1D021C99}"/>
+                </a:ext>
+              </a:extLst>
+            </p:cNvPr>
+            <p:cNvSpPr txBox="1"/>
+            <p:nvPr/>
+          </p:nvSpPr>
+          <p:spPr>
+            <a:xfrm>
+              <a:off x="6945466" y="2606014"/>
+              <a:ext cx="1569755" cy="253916"/>
+            </a:xfrm>
+            <a:prstGeom prst="rect">
+              <a:avLst/>
+            </a:prstGeom>
+            <a:noFill/>
+          </p:spPr>
+          <p:txBody>
+            <a:bodyPr wrap="square" rtlCol="0">
+              <a:spAutoFit/>
+            </a:bodyPr>
+            <a:lstStyle/>
+            <a:p>
+              <a:pPr algn="ctr"/>
+              <a:r>
+                <a:rPr lang="en-GB" sz="1050" dirty="0">
+                  <a:latin typeface="Sequel Sans Roman Disp" panose="020B0503050000020004" pitchFamily="34" charset="77"/>
+                </a:rPr>
+                <a:t>VHDL</a:t>
+              </a:r>
+            </a:p>
+          </p:txBody>
+        </p:sp>
+        <p:cxnSp>
+          <p:nvCxnSpPr>
+            <p:cNvPr id="19" name="Connettore 2 18">
+              <a:extLst>
+                <a:ext uri="{FF2B5EF4-FFF2-40B4-BE49-F238E27FC236}">
+                  <a16:creationId xmlns:a16="http://schemas.microsoft.com/office/drawing/2014/main" id="{7DFD6A47-81C2-075C-BFF2-63D55E78C2B5}"/>
+                </a:ext>
+              </a:extLst>
+            </p:cNvPr>
+            <p:cNvCxnSpPr>
+              <a:cxnSpLocks/>
+            </p:cNvCxnSpPr>
+            <p:nvPr/>
+          </p:nvCxnSpPr>
+          <p:spPr>
+            <a:xfrm>
+              <a:off x="7734122" y="2051210"/>
+              <a:ext cx="0" cy="169200"/>
+            </a:xfrm>
+            <a:prstGeom prst="straightConnector1">
+              <a:avLst/>
+            </a:prstGeom>
+            <a:ln w="15875" cap="flat" cmpd="sng" algn="ctr">
+              <a:solidFill>
+                <a:schemeClr val="accent1"/>
+              </a:solidFill>
+              <a:prstDash val="solid"/>
+              <a:round/>
+              <a:headEnd type="none" w="med" len="med"/>
+              <a:tailEnd type="arrow" w="med" len="med"/>
+            </a:ln>
+          </p:spPr>
+          <p:style>
+            <a:lnRef idx="0">
+              <a:scrgbClr r="0" g="0" b="0"/>
+            </a:lnRef>
+            <a:fillRef idx="0">
+              <a:scrgbClr r="0" g="0" b="0"/>
+            </a:fillRef>
+            <a:effectRef idx="0">
+              <a:scrgbClr r="0" g="0" b="0"/>
+            </a:effectRef>
+            <a:fontRef idx="minor">
+              <a:schemeClr val="tx1"/>
+            </a:fontRef>
+          </p:style>
+        </p:cxnSp>
+        <p:cxnSp>
+          <p:nvCxnSpPr>
+            <p:cNvPr id="20" name="Connettore 2 19">
+              <a:extLst>
+                <a:ext uri="{FF2B5EF4-FFF2-40B4-BE49-F238E27FC236}">
+                  <a16:creationId xmlns:a16="http://schemas.microsoft.com/office/drawing/2014/main" id="{A2F51774-03A2-4E7F-6F7E-8CA2B0938EC4}"/>
+                </a:ext>
+              </a:extLst>
+            </p:cNvPr>
+            <p:cNvCxnSpPr>
+              <a:cxnSpLocks/>
+            </p:cNvCxnSpPr>
+            <p:nvPr/>
+          </p:nvCxnSpPr>
+          <p:spPr>
+            <a:xfrm>
+              <a:off x="7733944" y="2449318"/>
+              <a:ext cx="0" cy="169200"/>
+            </a:xfrm>
+            <a:prstGeom prst="straightConnector1">
+              <a:avLst/>
+            </a:prstGeom>
+            <a:ln w="15875" cap="flat" cmpd="sng" algn="ctr">
+              <a:solidFill>
+                <a:schemeClr val="accent1"/>
+              </a:solidFill>
+              <a:prstDash val="solid"/>
+              <a:round/>
+              <a:headEnd type="none" w="med" len="med"/>
+              <a:tailEnd type="arrow" w="med" len="med"/>
+            </a:ln>
+          </p:spPr>
+          <p:style>
+            <a:lnRef idx="0">
+              <a:scrgbClr r="0" g="0" b="0"/>
+            </a:lnRef>
+            <a:fillRef idx="0">
+              <a:scrgbClr r="0" g="0" b="0"/>
+            </a:fillRef>
+            <a:effectRef idx="0">
+              <a:scrgbClr r="0" g="0" b="0"/>
+            </a:effectRef>
+            <a:fontRef idx="minor">
+              <a:schemeClr val="tx1"/>
+            </a:fontRef>
+          </p:style>
+        </p:cxnSp>
+      </p:grpSp>
+      <p:sp>
+        <p:nvSpPr>
+          <p:cNvPr id="21" name="CasellaDiTesto 20">
+            <a:extLst>
+              <a:ext uri="{FF2B5EF4-FFF2-40B4-BE49-F238E27FC236}">
+                <a16:creationId xmlns:a16="http://schemas.microsoft.com/office/drawing/2014/main" id="{9E9DE1CB-36A8-BDA8-B476-1F13FA4323F5}"/>
+              </a:ext>
+            </a:extLst>
+          </p:cNvPr>
+          <p:cNvSpPr txBox="1"/>
+          <p:nvPr/>
+        </p:nvSpPr>
+        <p:spPr>
+          <a:xfrm>
+            <a:off x="2620453" y="1734624"/>
+            <a:ext cx="2277008" cy="338554"/>
+          </a:xfrm>
+          <a:prstGeom prst="rect">
+            <a:avLst/>
+          </a:prstGeom>
+          <a:noFill/>
+        </p:spPr>
+        <p:txBody>
+          <a:bodyPr wrap="square" rtlCol="0">
+            <a:spAutoFit/>
+          </a:bodyPr>
+          <a:lstStyle/>
+          <a:p>
+            <a:pPr algn="ctr"/>
+            <a:r>
+              <a:rPr lang="en-GB" sz="1600" b="1" dirty="0">
+                <a:latin typeface="Sequel Sans Semi Bold Disp" panose="020B0503050000020004" pitchFamily="34" charset="77"/>
+              </a:rPr>
+              <a:t>High-Level Synthesis</a:t>
+            </a:r>
+          </a:p>
+        </p:txBody>
+      </p:sp>
+      <p:sp>
+        <p:nvSpPr>
+          <p:cNvPr id="22" name="CasellaDiTesto 21">
+            <a:extLst>
+              <a:ext uri="{FF2B5EF4-FFF2-40B4-BE49-F238E27FC236}">
+                <a16:creationId xmlns:a16="http://schemas.microsoft.com/office/drawing/2014/main" id="{E74C3A0B-1F20-A7DD-C214-76C35676785B}"/>
+              </a:ext>
+            </a:extLst>
+          </p:cNvPr>
+          <p:cNvSpPr txBox="1"/>
+          <p:nvPr/>
+        </p:nvSpPr>
+        <p:spPr>
+          <a:xfrm>
+            <a:off x="2694318" y="2091663"/>
+            <a:ext cx="1702550" cy="1169551"/>
+          </a:xfrm>
+          <a:prstGeom prst="rect">
+            <a:avLst/>
+          </a:prstGeom>
+          <a:noFill/>
+        </p:spPr>
+        <p:txBody>
+          <a:bodyPr wrap="square" rtlCol="0">
+            <a:spAutoFit/>
+          </a:bodyPr>
+          <a:lstStyle/>
+          <a:p>
+            <a:r>
+              <a:rPr lang="en-GB" sz="1400" dirty="0">
+                <a:latin typeface="Sequel Sans Book Head" panose="020B0503050000020004" pitchFamily="34" charset="77"/>
+              </a:rPr>
+              <a:t>Simplified hardware development.</a:t>
+            </a:r>
+          </a:p>
+          <a:p>
+            <a:r>
+              <a:rPr lang="en-GB" sz="1400" dirty="0">
+                <a:latin typeface="Sequel Sans Book Head" panose="020B0503050000020004" pitchFamily="34" charset="77"/>
+              </a:rPr>
+              <a:t>Reduces design time and effort.</a:t>
             </a:r>
           </a:p>
         </p:txBody>
@@ -25145,7 +25890,7 @@
         </p:blipFill>
         <p:spPr>
           <a:xfrm>
-            <a:off x="7023870" y="442035"/>
+            <a:off x="6779024" y="248738"/>
             <a:ext cx="1025737" cy="797795"/>
           </a:xfrm>
           <a:prstGeom prst="rect">
@@ -25167,8 +25912,8 @@
         </p:nvSpPr>
         <p:spPr>
           <a:xfrm>
-            <a:off x="740227" y="973734"/>
-            <a:ext cx="1440160" cy="369332"/>
+            <a:off x="380387" y="1883195"/>
+            <a:ext cx="3395629" cy="369332"/>
           </a:xfrm>
           <a:prstGeom prst="rect">
             <a:avLst/>
@@ -25185,7 +25930,7 @@
               <a:rPr lang="en-GB" b="1" dirty="0">
                 <a:latin typeface="Sequel Sans Semi Bold Disp" panose="020B0503050000020004" pitchFamily="34" charset="77"/>
               </a:rPr>
-              <a:t>GCN model</a:t>
+              <a:t>Graph Convolutional Network</a:t>
             </a:r>
           </a:p>
         </p:txBody>
@@ -25204,7 +25949,7 @@
         </p:nvSpPr>
         <p:spPr>
           <a:xfrm>
-            <a:off x="5083441" y="754668"/>
+            <a:off x="4994064" y="648000"/>
             <a:ext cx="1784960" cy="369332"/>
           </a:xfrm>
           <a:prstGeom prst="rect">
@@ -25241,8 +25986,8 @@
         </p:nvSpPr>
         <p:spPr>
           <a:xfrm>
-            <a:off x="644634" y="3178818"/>
-            <a:ext cx="3320697" cy="1477328"/>
+            <a:off x="450078" y="3772865"/>
+            <a:ext cx="3320697" cy="1323439"/>
           </a:xfrm>
           <a:prstGeom prst="rect">
             <a:avLst/>
@@ -25255,15 +26000,23 @@
           </a:bodyPr>
           <a:lstStyle/>
           <a:p>
+            <a:r>
+              <a:rPr lang="en-GB" sz="1600" dirty="0">
+                <a:latin typeface="Sequel Sans Book Head" panose="020B0503050000020004" pitchFamily="34" charset="77"/>
+              </a:rPr>
+              <a:t>Model’s characteristics:	</a:t>
+            </a:r>
+          </a:p>
+          <a:p>
             <a:pPr marL="285750" indent="-285750">
               <a:buFont typeface="Wingdings" pitchFamily="2" charset="2"/>
               <a:buChar char="§"/>
             </a:pPr>
             <a:r>
-              <a:rPr lang="en-GB" dirty="0">
+              <a:rPr lang="en-GB" sz="1600" dirty="0">
                 <a:latin typeface="Sequel Sans Book Head" panose="020B0503050000020004" pitchFamily="34" charset="77"/>
               </a:rPr>
-              <a:t>Implemented in PyTorch</a:t>
+              <a:t>Two convolutional layers</a:t>
             </a:r>
           </a:p>
           <a:p>
@@ -25272,10 +26025,10 @@
               <a:buChar char="§"/>
             </a:pPr>
             <a:r>
-              <a:rPr lang="en-GB" dirty="0">
+              <a:rPr lang="en-GB" sz="1600" dirty="0">
                 <a:latin typeface="Sequel Sans Book Head" panose="020B0503050000020004" pitchFamily="34" charset="77"/>
               </a:rPr>
-              <a:t>Two convolutional layers</a:t>
+              <a:t>Convolutional layers made of two matrix multiplications</a:t>
             </a:r>
           </a:p>
           <a:p>
@@ -25284,19 +26037,7 @@
               <a:buChar char="§"/>
             </a:pPr>
             <a:r>
-              <a:rPr lang="en-GB" dirty="0">
-                <a:latin typeface="Sequel Sans Book Head" panose="020B0503050000020004" pitchFamily="34" charset="77"/>
-              </a:rPr>
-              <a:t>Convolutional layers made of two matrix multiplications</a:t>
-            </a:r>
-          </a:p>
-          <a:p>
-            <a:pPr marL="285750" indent="-285750">
-              <a:buFont typeface="Wingdings" pitchFamily="2" charset="2"/>
-              <a:buChar char="§"/>
-            </a:pPr>
-            <a:r>
-              <a:rPr lang="en-GB" dirty="0">
+              <a:rPr lang="en-GB" sz="1600" dirty="0">
                 <a:latin typeface="Sequel Sans Book Head" panose="020B0503050000020004" pitchFamily="34" charset="77"/>
               </a:rPr>
               <a:t>Task is node classification</a:t>
@@ -25318,8 +26059,8 @@
         </p:nvSpPr>
         <p:spPr>
           <a:xfrm>
-            <a:off x="5083441" y="1320289"/>
-            <a:ext cx="2855269" cy="646331"/>
+            <a:off x="5083441" y="1147573"/>
+            <a:ext cx="3114955" cy="1077218"/>
           </a:xfrm>
           <a:prstGeom prst="rect">
             <a:avLst/>
@@ -25337,10 +26078,10 @@
               <a:buChar char="§"/>
             </a:pPr>
             <a:r>
-              <a:rPr lang="en-GB" dirty="0">
+              <a:rPr lang="en-GB" sz="1600" dirty="0">
                 <a:latin typeface="Sequel Sans Book Head" panose="020B0503050000020004" pitchFamily="34" charset="77"/>
               </a:rPr>
-              <a:t>scientific publications</a:t>
+              <a:t>Scientific publications</a:t>
             </a:r>
           </a:p>
           <a:p>
@@ -25349,10 +26090,33 @@
               <a:buChar char="§"/>
             </a:pPr>
             <a:r>
-              <a:rPr lang="en-GB" dirty="0">
+              <a:rPr lang="en-GB" sz="1600" dirty="0">
                 <a:latin typeface="Sequel Sans Book Head" panose="020B0503050000020004" pitchFamily="34" charset="77"/>
               </a:rPr>
-              <a:t>multiclass classification</a:t>
+              <a:t>Multiclass classification</a:t>
+            </a:r>
+          </a:p>
+          <a:p>
+            <a:pPr marL="285750" indent="-285750">
+              <a:buFont typeface="Wingdings" pitchFamily="2" charset="2"/>
+              <a:buChar char="§"/>
+            </a:pPr>
+            <a:r>
+              <a:rPr lang="en-GB" sz="1600" dirty="0">
+                <a:latin typeface="Sequel Sans Book Head" panose="020B0503050000020004" pitchFamily="34" charset="77"/>
+              </a:rPr>
+              <a:t>Subsets to contain synthesis </a:t>
+            </a:r>
+            <a:br>
+              <a:rPr lang="en-GB" sz="1600" dirty="0">
+                <a:latin typeface="Sequel Sans Book Head" panose="020B0503050000020004" pitchFamily="34" charset="77"/>
+              </a:rPr>
+            </a:br>
+            <a:r>
+              <a:rPr lang="en-GB" sz="1600" dirty="0">
+                <a:latin typeface="Sequel Sans Book Head" panose="020B0503050000020004" pitchFamily="34" charset="77"/>
+              </a:rPr>
+              <a:t>and evaluation times</a:t>
             </a:r>
           </a:p>
         </p:txBody>
@@ -25372,13 +26136,13 @@
           <p:nvPr>
             <p:extLst>
               <p:ext uri="{D42A27DB-BD31-4B8C-83A1-F6EECF244321}">
-                <p14:modId xmlns:p14="http://schemas.microsoft.com/office/powerpoint/2010/main" val="1367336806"/>
+                <p14:modId xmlns:p14="http://schemas.microsoft.com/office/powerpoint/2010/main" val="4113451250"/>
               </p:ext>
             </p:extLst>
           </p:nvPr>
         </p:nvGraphicFramePr>
         <p:xfrm>
-          <a:off x="5083441" y="2187742"/>
+          <a:off x="5083441" y="2362315"/>
           <a:ext cx="2966166" cy="2306152"/>
         </p:xfrm>
         <a:graphic>
@@ -26150,8 +26914,8 @@
         </p:nvSpPr>
         <p:spPr>
           <a:xfrm>
-            <a:off x="4871013" y="4654811"/>
-            <a:ext cx="3391022" cy="461665"/>
+            <a:off x="4871013" y="4809212"/>
+            <a:ext cx="3391022" cy="246221"/>
           </a:xfrm>
           <a:prstGeom prst="rect">
             <a:avLst/>
@@ -26165,10 +26929,10 @@
           <a:lstStyle/>
           <a:p>
             <a:r>
-              <a:rPr lang="en-GB" sz="1200" dirty="0">
+              <a:rPr lang="en-GB" sz="1000" dirty="0">
                 <a:latin typeface="Sequel Sans Book Head" panose="020B0503050000020004" pitchFamily="34" charset="77"/>
               </a:rPr>
-              <a:t>Datasets used for experiments; subsets of Cora dataset</a:t>
+              <a:t>Datasets used for experiments: subsets of Cora dataset.</a:t>
             </a:r>
           </a:p>
         </p:txBody>
@@ -26195,8 +26959,83 @@
         </p:blipFill>
         <p:spPr>
           <a:xfrm>
-            <a:off x="380387" y="1604420"/>
-            <a:ext cx="3600000" cy="1313044"/>
+            <a:off x="450078" y="2408065"/>
+            <a:ext cx="3315456" cy="1209261"/>
+          </a:xfrm>
+          <a:prstGeom prst="rect">
+            <a:avLst/>
+          </a:prstGeom>
+        </p:spPr>
+      </p:pic>
+      <p:sp>
+        <p:nvSpPr>
+          <p:cNvPr id="6" name="CasellaDiTesto 5">
+            <a:extLst>
+              <a:ext uri="{FF2B5EF4-FFF2-40B4-BE49-F238E27FC236}">
+                <a16:creationId xmlns:a16="http://schemas.microsoft.com/office/drawing/2014/main" id="{4A58B532-9718-F08E-7F13-0E3DAF7A414C}"/>
+              </a:ext>
+            </a:extLst>
+          </p:cNvPr>
+          <p:cNvSpPr txBox="1"/>
+          <p:nvPr/>
+        </p:nvSpPr>
+        <p:spPr>
+          <a:xfrm>
+            <a:off x="380387" y="922992"/>
+            <a:ext cx="3907069" cy="861774"/>
+          </a:xfrm>
+          <a:prstGeom prst="rect">
+            <a:avLst/>
+          </a:prstGeom>
+          <a:noFill/>
+        </p:spPr>
+        <p:txBody>
+          <a:bodyPr wrap="square" rtlCol="0">
+            <a:spAutoFit/>
+          </a:bodyPr>
+          <a:lstStyle/>
+          <a:p>
+            <a:r>
+              <a:rPr lang="en-GB" b="1" dirty="0">
+                <a:latin typeface="Sequel Sans Semi Bold Disp" panose="020B0503050000020004" pitchFamily="34" charset="77"/>
+              </a:rPr>
+              <a:t>PyTorch</a:t>
+            </a:r>
+          </a:p>
+          <a:p>
+            <a:r>
+              <a:rPr lang="en-GB" sz="1600" dirty="0">
+                <a:latin typeface="Sequel Sans Book Head" panose="020B0503050000020004" pitchFamily="34" charset="77"/>
+              </a:rPr>
+              <a:t>Toolchain entry point, for neural network implementations.</a:t>
+            </a:r>
+          </a:p>
+        </p:txBody>
+      </p:sp>
+      <p:pic>
+        <p:nvPicPr>
+          <p:cNvPr id="14" name="Immagine 13">
+            <a:extLst>
+              <a:ext uri="{FF2B5EF4-FFF2-40B4-BE49-F238E27FC236}">
+                <a16:creationId xmlns:a16="http://schemas.microsoft.com/office/drawing/2014/main" id="{A9F02BE6-4098-20EE-B22A-15EA2271D998}"/>
+              </a:ext>
+            </a:extLst>
+          </p:cNvPr>
+          <p:cNvPicPr>
+            <a:picLocks noChangeAspect="1"/>
+          </p:cNvPicPr>
+          <p:nvPr/>
+        </p:nvPicPr>
+        <p:blipFill>
+          <a:blip r:embed="rId5"/>
+          <a:stretch>
+            <a:fillRect/>
+          </a:stretch>
+        </p:blipFill>
+        <p:spPr>
+          <a:xfrm>
+            <a:off x="1597093" y="950341"/>
+            <a:ext cx="208976" cy="252000"/>
           </a:xfrm>
           <a:prstGeom prst="rect">
             <a:avLst/>
@@ -26457,13 +27296,13 @@
           <p:nvPr>
             <p:extLst>
               <p:ext uri="{D42A27DB-BD31-4B8C-83A1-F6EECF244321}">
-                <p14:modId xmlns:p14="http://schemas.microsoft.com/office/powerpoint/2010/main" val="3636990623"/>
+                <p14:modId xmlns:p14="http://schemas.microsoft.com/office/powerpoint/2010/main" val="1412610834"/>
               </p:ext>
             </p:extLst>
           </p:nvPr>
         </p:nvGraphicFramePr>
         <p:xfrm>
-          <a:off x="1130786" y="1728241"/>
+          <a:off x="1130786" y="1991089"/>
           <a:ext cx="1730598" cy="1153076"/>
         </p:xfrm>
         <a:graphic>
@@ -26666,7 +27505,7 @@
         </p:nvSpPr>
         <p:spPr>
           <a:xfrm>
-            <a:off x="469865" y="2977009"/>
+            <a:off x="469865" y="3239857"/>
             <a:ext cx="3052438" cy="646331"/>
           </a:xfrm>
           <a:prstGeom prst="rect">
@@ -26722,7 +27561,7 @@
         </p:nvSpPr>
         <p:spPr>
           <a:xfrm>
-            <a:off x="1074289" y="1173439"/>
+            <a:off x="1074289" y="1029491"/>
             <a:ext cx="1843590" cy="369332"/>
           </a:xfrm>
           <a:prstGeom prst="rect">
@@ -26760,8 +27599,8 @@
         </p:nvSpPr>
         <p:spPr>
           <a:xfrm>
-            <a:off x="501925" y="3721080"/>
-            <a:ext cx="2988319" cy="923330"/>
+            <a:off x="655814" y="3983928"/>
+            <a:ext cx="2680542" cy="830997"/>
           </a:xfrm>
           <a:prstGeom prst="rect">
             <a:avLst/>
@@ -26776,7 +27615,7 @@
           <a:p>
             <a:pPr algn="ctr"/>
             <a:r>
-              <a:rPr lang="en-GB" dirty="0">
+              <a:rPr lang="en-GB" sz="1600" dirty="0">
                 <a:latin typeface="Sequel Sans Book Head" panose="020B0503050000020004" pitchFamily="34" charset="77"/>
               </a:rPr>
               <a:t>&gt;50% of the computational </a:t>
@@ -26785,7 +27624,7 @@
           <a:p>
             <a:pPr algn="ctr"/>
             <a:r>
-              <a:rPr lang="en-GB" dirty="0">
+              <a:rPr lang="en-GB" sz="1600" dirty="0">
                 <a:latin typeface="Sequel Sans Book Head" panose="020B0503050000020004" pitchFamily="34" charset="77"/>
               </a:rPr>
               <a:t>time used by matrix </a:t>
@@ -26794,7 +27633,7 @@
           <a:p>
             <a:pPr algn="ctr"/>
             <a:r>
-              <a:rPr lang="en-GB" dirty="0">
+              <a:rPr lang="en-GB" sz="1600" dirty="0">
                 <a:latin typeface="Sequel Sans Book Head" panose="020B0503050000020004" pitchFamily="34" charset="77"/>
               </a:rPr>
               <a:t>multiplication</a:t>
@@ -26824,7 +27663,7 @@
         </p:blipFill>
         <p:spPr>
           <a:xfrm>
-            <a:off x="3978283" y="1542771"/>
+            <a:off x="3978283" y="1296219"/>
             <a:ext cx="2180107" cy="1188000"/>
           </a:xfrm>
           <a:prstGeom prst="rect">
@@ -26854,7 +27693,7 @@
         </p:blipFill>
         <p:spPr>
           <a:xfrm>
-            <a:off x="6323682" y="1547986"/>
+            <a:off x="6323682" y="1301434"/>
             <a:ext cx="2180107" cy="1188000"/>
           </a:xfrm>
           <a:prstGeom prst="rect">
@@ -26884,7 +27723,7 @@
         </p:blipFill>
         <p:spPr>
           <a:xfrm>
-            <a:off x="3978283" y="2865366"/>
+            <a:off x="3978283" y="2577292"/>
             <a:ext cx="2180107" cy="1188000"/>
           </a:xfrm>
           <a:prstGeom prst="rect">
@@ -26914,7 +27753,7 @@
         </p:blipFill>
         <p:spPr>
           <a:xfrm>
-            <a:off x="6323682" y="2865366"/>
+            <a:off x="6323682" y="2577292"/>
             <a:ext cx="2180107" cy="1188000"/>
           </a:xfrm>
           <a:prstGeom prst="rect">
@@ -26936,7 +27775,7 @@
         </p:nvSpPr>
         <p:spPr>
           <a:xfrm>
-            <a:off x="4085346" y="1032115"/>
+            <a:off x="4085346" y="776515"/>
             <a:ext cx="4323364" cy="369332"/>
           </a:xfrm>
           <a:prstGeom prst="rect">
@@ -26960,8 +27799,8 @@
           </a:p>
         </p:txBody>
       </p:sp>
-      <mc:AlternateContent xmlns:mc="http://schemas.openxmlformats.org/markup-compatibility/2006" xmlns:a14="http://schemas.microsoft.com/office/drawing/2010/main">
-        <mc:Choice Requires="a14">
+      <mc:AlternateContent xmlns:mc="http://schemas.openxmlformats.org/markup-compatibility/2006">
+        <mc:Choice xmlns:a14="http://schemas.microsoft.com/office/drawing/2010/main" Requires="a14">
           <p:sp>
             <p:nvSpPr>
               <p:cNvPr id="15" name="CasellaDiTesto 14">
@@ -26976,8 +27815,8 @@
             </p:nvSpPr>
             <p:spPr>
               <a:xfrm>
-                <a:off x="3819921" y="4182745"/>
-                <a:ext cx="4854214" cy="646331"/>
+                <a:off x="4075599" y="4532519"/>
+                <a:ext cx="4342856" cy="584775"/>
               </a:xfrm>
               <a:prstGeom prst="rect">
                 <a:avLst/>
@@ -26992,7 +27831,7 @@
               <a:p>
                 <a:pPr algn="ctr"/>
                 <a:r>
-                  <a:rPr lang="en-GB" dirty="0">
+                  <a:rPr lang="en-GB" sz="1600" dirty="0">
                     <a:latin typeface="Sequel Sans Book Head" panose="020B0503050000020004" pitchFamily="34" charset="77"/>
                   </a:rPr>
                   <a:t>sparse matrix multiplication faster than dense </a:t>
@@ -27001,7 +27840,7 @@
               <a:p>
                 <a:pPr algn="ctr"/>
                 <a:r>
-                  <a:rPr lang="en-GB" dirty="0">
+                  <a:rPr lang="en-GB" sz="1600" dirty="0">
                     <a:latin typeface="Sequel Sans Book Head" panose="020B0503050000020004" pitchFamily="34" charset="77"/>
                   </a:rPr>
                   <a:t>for big matrix sizes with density </a:t>
@@ -27009,7 +27848,7 @@
                 <a14:m>
                   <m:oMath xmlns:m="http://schemas.openxmlformats.org/officeDocument/2006/math">
                     <m:r>
-                      <a:rPr lang="en-GB" i="1" dirty="0" smtClean="0">
+                      <a:rPr lang="en-GB" sz="1600" i="1" dirty="0" smtClean="0">
                         <a:latin typeface="Cambria Math" panose="02040503050406030204" pitchFamily="18" charset="0"/>
                         <a:ea typeface="Cambria Math" panose="02040503050406030204" pitchFamily="18" charset="0"/>
                       </a:rPr>
@@ -27018,7 +27857,7 @@
                   </m:oMath>
                 </a14:m>
                 <a:r>
-                  <a:rPr lang="en-GB" dirty="0">
+                  <a:rPr lang="en-GB" sz="1600" dirty="0">
                     <a:latin typeface="Sequel Sans Book Head" panose="020B0503050000020004" pitchFamily="34" charset="77"/>
                   </a:rPr>
                   <a:t> 0.001</a:t>
@@ -27027,7 +27866,7 @@
             </p:txBody>
           </p:sp>
         </mc:Choice>
-        <mc:Fallback xmlns="">
+        <mc:Fallback>
           <p:sp>
             <p:nvSpPr>
               <p:cNvPr id="15" name="CasellaDiTesto 14">
@@ -27044,8 +27883,8 @@
             </p:nvSpPr>
             <p:spPr>
               <a:xfrm>
-                <a:off x="3819921" y="4182745"/>
-                <a:ext cx="4854214" cy="646331"/>
+                <a:off x="4075599" y="4532519"/>
+                <a:ext cx="4342856" cy="584775"/>
               </a:xfrm>
               <a:prstGeom prst="rect">
                 <a:avLst/>
@@ -27053,7 +27892,7 @@
               <a:blipFill>
                 <a:blip r:embed="rId7"/>
                 <a:stretch>
-                  <a:fillRect l="-521" t="-3846" r="-260" b="-13462"/>
+                  <a:fillRect l="-292" t="-4348" r="-292" b="-13043"/>
                 </a:stretch>
               </a:blipFill>
             </p:spPr>
@@ -27072,6 +27911,100 @@
           </p:sp>
         </mc:Fallback>
       </mc:AlternateContent>
+      <p:sp>
+        <p:nvSpPr>
+          <p:cNvPr id="16" name="CasellaDiTesto 15">
+            <a:extLst>
+              <a:ext uri="{FF2B5EF4-FFF2-40B4-BE49-F238E27FC236}">
+                <a16:creationId xmlns:a16="http://schemas.microsoft.com/office/drawing/2014/main" id="{F4FF8FB6-C24A-35D3-EAB1-3DD59E39E34E}"/>
+              </a:ext>
+            </a:extLst>
+          </p:cNvPr>
+          <p:cNvSpPr txBox="1"/>
+          <p:nvPr/>
+        </p:nvSpPr>
+        <p:spPr>
+          <a:xfrm>
+            <a:off x="633371" y="1441265"/>
+            <a:ext cx="2725426" cy="461665"/>
+          </a:xfrm>
+          <a:prstGeom prst="rect">
+            <a:avLst/>
+          </a:prstGeom>
+          <a:noFill/>
+        </p:spPr>
+        <p:txBody>
+          <a:bodyPr wrap="none" rtlCol="0">
+            <a:spAutoFit/>
+          </a:bodyPr>
+          <a:lstStyle/>
+          <a:p>
+            <a:pPr algn="ctr"/>
+            <a:r>
+              <a:rPr lang="en-GB" sz="1200" dirty="0">
+                <a:latin typeface="Sequel Sans Book Head" panose="020B0503050000020004" pitchFamily="34" charset="77"/>
+              </a:rPr>
+              <a:t>Analysis to identify the computational</a:t>
+            </a:r>
+          </a:p>
+          <a:p>
+            <a:pPr algn="ctr"/>
+            <a:r>
+              <a:rPr lang="en-GB" sz="1200" dirty="0">
+                <a:latin typeface="Sequel Sans Book Head" panose="020B0503050000020004" pitchFamily="34" charset="77"/>
+              </a:rPr>
+              <a:t>bottlenecks of the model</a:t>
+            </a:r>
+          </a:p>
+        </p:txBody>
+      </p:sp>
+      <p:sp>
+        <p:nvSpPr>
+          <p:cNvPr id="18" name="CasellaDiTesto 17">
+            <a:extLst>
+              <a:ext uri="{FF2B5EF4-FFF2-40B4-BE49-F238E27FC236}">
+                <a16:creationId xmlns:a16="http://schemas.microsoft.com/office/drawing/2014/main" id="{0C41AC64-8F05-AD36-1EED-F23031D883B5}"/>
+              </a:ext>
+            </a:extLst>
+          </p:cNvPr>
+          <p:cNvSpPr txBox="1"/>
+          <p:nvPr/>
+        </p:nvSpPr>
+        <p:spPr>
+          <a:xfrm>
+            <a:off x="3758420" y="3886188"/>
+            <a:ext cx="4977215" cy="646331"/>
+          </a:xfrm>
+          <a:prstGeom prst="rect">
+            <a:avLst/>
+          </a:prstGeom>
+          <a:noFill/>
+        </p:spPr>
+        <p:txBody>
+          <a:bodyPr wrap="square" rtlCol="0">
+            <a:spAutoFit/>
+          </a:bodyPr>
+          <a:lstStyle/>
+          <a:p>
+            <a:pPr algn="ctr"/>
+            <a:r>
+              <a:rPr lang="en-GB" sz="1200" dirty="0">
+                <a:latin typeface="Sequel Sans Book Head" panose="020B0503050000020004" pitchFamily="34" charset="77"/>
+              </a:rPr>
+              <a:t>PyTorch CPU execution time of matrix multiplication with </a:t>
+            </a:r>
+          </a:p>
+          <a:p>
+            <a:pPr algn="ctr"/>
+            <a:r>
+              <a:rPr lang="en-GB" sz="1200" dirty="0">
+                <a:latin typeface="Sequel Sans Book Head" panose="020B0503050000020004" pitchFamily="34" charset="77"/>
+              </a:rPr>
+              <a:t>dense and sparse matrix representations. COO=Coordinate list; CSR=Compressed Sparse Row </a:t>
+            </a:r>
+          </a:p>
+        </p:txBody>
+      </p:sp>
     </p:spTree>
     <p:extLst>
       <p:ext uri="{BB962C8B-B14F-4D97-AF65-F5344CB8AC3E}">
@@ -27311,71 +28244,6 @@
           </a:p>
         </p:txBody>
       </p:sp>
-      <p:sp>
-        <p:nvSpPr>
-          <p:cNvPr id="2" name="CasellaDiTesto 1">
-            <a:extLst>
-              <a:ext uri="{FF2B5EF4-FFF2-40B4-BE49-F238E27FC236}">
-                <a16:creationId xmlns:a16="http://schemas.microsoft.com/office/drawing/2014/main" id="{96138985-2159-F34D-0EAB-F406459DDBCC}"/>
-              </a:ext>
-            </a:extLst>
-          </p:cNvPr>
-          <p:cNvSpPr txBox="1"/>
-          <p:nvPr/>
-        </p:nvSpPr>
-        <p:spPr>
-          <a:xfrm>
-            <a:off x="359999" y="1058123"/>
-            <a:ext cx="5792445" cy="2308324"/>
-          </a:xfrm>
-          <a:prstGeom prst="rect">
-            <a:avLst/>
-          </a:prstGeom>
-        </p:spPr>
-        <p:txBody>
-          <a:bodyPr wrap="square" rtlCol="0">
-            <a:spAutoFit/>
-          </a:bodyPr>
-          <a:lstStyle/>
-          <a:p>
-            <a:r>
-              <a:rPr lang="en-GB" dirty="0">
-                <a:latin typeface="Sequel Sans Book Head" panose="020B0503050000020004" pitchFamily="34" charset="77"/>
-              </a:rPr>
-              <a:t>Torch script is an intermediate representation used to generate serializable and optimizable models directly from PyTorch code; it represents the bridge between PyTorch and Torch-MLIR. </a:t>
-            </a:r>
-          </a:p>
-          <a:p>
-            <a:endParaRPr lang="en-GB" dirty="0">
-              <a:latin typeface="Sequel Sans Book Head" panose="020B0503050000020004" pitchFamily="34" charset="77"/>
-            </a:endParaRPr>
-          </a:p>
-          <a:p>
-            <a:r>
-              <a:rPr lang="en-GB" dirty="0">
-                <a:latin typeface="Sequel Sans Book Head" panose="020B0503050000020004" pitchFamily="34" charset="77"/>
-              </a:rPr>
-              <a:t>The model has been adapted to Torch Script, then </a:t>
-            </a:r>
-          </a:p>
-          <a:p>
-            <a:r>
-              <a:rPr lang="en-GB" dirty="0">
-                <a:latin typeface="Sequel Sans Book Head" panose="020B0503050000020004" pitchFamily="34" charset="77"/>
-              </a:rPr>
-              <a:t>it has been compiled using Torch-MLIR to obtain its </a:t>
-            </a:r>
-          </a:p>
-          <a:p>
-            <a:r>
-              <a:rPr lang="en-GB" dirty="0">
-                <a:latin typeface="Sequel Sans Book Head" panose="020B0503050000020004" pitchFamily="34" charset="77"/>
-              </a:rPr>
-              <a:t>MLIR representation.</a:t>
-            </a:r>
-          </a:p>
-        </p:txBody>
-      </p:sp>
       <p:grpSp>
         <p:nvGrpSpPr>
           <p:cNvPr id="22" name="Gruppo 21">
@@ -27390,7 +28258,7 @@
         </p:nvGrpSpPr>
         <p:grpSpPr>
           <a:xfrm>
-            <a:off x="5646131" y="945944"/>
+            <a:off x="5646131" y="1123753"/>
             <a:ext cx="3425867" cy="3243841"/>
             <a:chOff x="5779679" y="1150326"/>
             <a:chExt cx="3425867" cy="3243841"/>
@@ -27793,12 +28661,49 @@
           </p:style>
         </p:cxnSp>
       </p:grpSp>
+      <p:sp>
+        <p:nvSpPr>
+          <p:cNvPr id="23" name="CasellaDiTesto 22">
+            <a:extLst>
+              <a:ext uri="{FF2B5EF4-FFF2-40B4-BE49-F238E27FC236}">
+                <a16:creationId xmlns:a16="http://schemas.microsoft.com/office/drawing/2014/main" id="{3034D998-61E6-04B5-4C49-98E3B09A2FF3}"/>
+              </a:ext>
+            </a:extLst>
+          </p:cNvPr>
+          <p:cNvSpPr txBox="1"/>
+          <p:nvPr/>
+        </p:nvSpPr>
+        <p:spPr>
+          <a:xfrm>
+            <a:off x="6002000" y="4485437"/>
+            <a:ext cx="2728386" cy="461665"/>
+          </a:xfrm>
+          <a:prstGeom prst="rect">
+            <a:avLst/>
+          </a:prstGeom>
+          <a:noFill/>
+        </p:spPr>
+        <p:txBody>
+          <a:bodyPr wrap="square" rtlCol="0">
+            <a:spAutoFit/>
+          </a:bodyPr>
+          <a:lstStyle/>
+          <a:p>
+            <a:r>
+              <a:rPr lang="en-GB" sz="1200" dirty="0">
+                <a:latin typeface="Sequel Sans Book Head" panose="020B0503050000020004" pitchFamily="34" charset="77"/>
+              </a:rPr>
+              <a:t>From PyTorch model implementation to MLIR IR flow</a:t>
+            </a:r>
+          </a:p>
+        </p:txBody>
+      </p:sp>
       <p:pic>
         <p:nvPicPr>
-          <p:cNvPr id="13" name="Immagine 12">
+          <p:cNvPr id="3" name="Immagine 2">
             <a:extLst>
               <a:ext uri="{FF2B5EF4-FFF2-40B4-BE49-F238E27FC236}">
-                <a16:creationId xmlns:a16="http://schemas.microsoft.com/office/drawing/2014/main" id="{7C41A028-603E-9E31-A4BA-3AF61D8ED4E3}"/>
+                <a16:creationId xmlns:a16="http://schemas.microsoft.com/office/drawing/2014/main" id="{F2E9CC2C-A1A3-3305-EFF6-81C7740B703F}"/>
               </a:ext>
             </a:extLst>
           </p:cNvPr>
@@ -27815,8 +28720,38 @@
         </p:blipFill>
         <p:spPr>
           <a:xfrm>
-            <a:off x="372880" y="3721556"/>
-            <a:ext cx="936458" cy="936458"/>
+            <a:off x="7853987" y="4063720"/>
+            <a:ext cx="288000" cy="288000"/>
+          </a:xfrm>
+          <a:prstGeom prst="rect">
+            <a:avLst/>
+          </a:prstGeom>
+        </p:spPr>
+      </p:pic>
+      <p:pic>
+        <p:nvPicPr>
+          <p:cNvPr id="20" name="Immagine 19">
+            <a:extLst>
+              <a:ext uri="{FF2B5EF4-FFF2-40B4-BE49-F238E27FC236}">
+                <a16:creationId xmlns:a16="http://schemas.microsoft.com/office/drawing/2014/main" id="{2F69E100-E184-7A74-B04D-1FCF5ABF3687}"/>
+              </a:ext>
+            </a:extLst>
+          </p:cNvPr>
+          <p:cNvPicPr>
+            <a:picLocks noChangeAspect="1"/>
+          </p:cNvPicPr>
+          <p:nvPr/>
+        </p:nvPicPr>
+        <p:blipFill>
+          <a:blip r:embed="rId4"/>
+          <a:stretch>
+            <a:fillRect/>
+          </a:stretch>
+        </p:blipFill>
+        <p:spPr>
+          <a:xfrm>
+            <a:off x="7261705" y="881029"/>
+            <a:ext cx="208976" cy="252000"/>
           </a:xfrm>
           <a:prstGeom prst="rect">
             <a:avLst/>
@@ -27825,10 +28760,10 @@
       </p:pic>
       <p:sp>
         <p:nvSpPr>
-          <p:cNvPr id="14" name="CasellaDiTesto 13">
+          <p:cNvPr id="24" name="CasellaDiTesto 23">
             <a:extLst>
               <a:ext uri="{FF2B5EF4-FFF2-40B4-BE49-F238E27FC236}">
-                <a16:creationId xmlns:a16="http://schemas.microsoft.com/office/drawing/2014/main" id="{D88DD81E-0707-2B5B-3ECA-8DE1B749544F}"/>
+                <a16:creationId xmlns:a16="http://schemas.microsoft.com/office/drawing/2014/main" id="{265F0A5D-9F22-AD56-B836-00CEE5C60A48}"/>
               </a:ext>
             </a:extLst>
           </p:cNvPr>
@@ -27837,8 +28772,8 @@
         </p:nvSpPr>
         <p:spPr>
           <a:xfrm>
-            <a:off x="1513728" y="4016661"/>
-            <a:ext cx="4273080" cy="646331"/>
+            <a:off x="359999" y="945944"/>
+            <a:ext cx="5604915" cy="4031873"/>
           </a:xfrm>
           <a:prstGeom prst="rect">
             <a:avLst/>
@@ -27852,85 +28787,44 @@
           <a:lstStyle/>
           <a:p>
             <a:r>
-              <a:rPr lang="en-GB" dirty="0">
+              <a:rPr lang="en-GB" b="1" dirty="0">
+                <a:latin typeface="Sequel Sans Semi Bold Disp" panose="020B0503050000020004" pitchFamily="34" charset="77"/>
+              </a:rPr>
+              <a:t>Torch-MLIR</a:t>
+            </a:r>
+          </a:p>
+          <a:p>
+            <a:r>
+              <a:rPr lang="en-GB" sz="1700" dirty="0">
                 <a:latin typeface="Sequel Sans Book Head" panose="020B0503050000020004" pitchFamily="34" charset="77"/>
               </a:rPr>
-              <a:t>A novel approach to construct reusable and extensible compiler infrastructure.</a:t>
+              <a:t>The Torch-MLIR project aims to provide first class compiler support from the PyTorch ecosystem to the MLIR ecosystem.</a:t>
             </a:r>
           </a:p>
-        </p:txBody>
-      </p:sp>
-      <p:sp>
-        <p:nvSpPr>
-          <p:cNvPr id="21" name="CasellaDiTesto 20">
-            <a:extLst>
-              <a:ext uri="{FF2B5EF4-FFF2-40B4-BE49-F238E27FC236}">
-                <a16:creationId xmlns:a16="http://schemas.microsoft.com/office/drawing/2014/main" id="{15D2A82B-932D-D13F-6673-A48AF8455592}"/>
-              </a:ext>
-            </a:extLst>
-          </p:cNvPr>
-          <p:cNvSpPr txBox="1"/>
-          <p:nvPr/>
-        </p:nvSpPr>
-        <p:spPr>
-          <a:xfrm>
-            <a:off x="1522463" y="3616551"/>
-            <a:ext cx="798886" cy="400110"/>
-          </a:xfrm>
-          <a:prstGeom prst="rect">
-            <a:avLst/>
-          </a:prstGeom>
-          <a:noFill/>
-        </p:spPr>
-        <p:txBody>
-          <a:bodyPr wrap="square" rtlCol="0">
-            <a:spAutoFit/>
-          </a:bodyPr>
-          <a:lstStyle/>
-          <a:p>
-            <a:pPr algn="ctr"/>
+          <a:p>
+            <a:endParaRPr lang="en-GB" sz="1700" dirty="0">
+              <a:latin typeface="Sequel Sans Book Head" panose="020B0503050000020004" pitchFamily="34" charset="77"/>
+            </a:endParaRPr>
+          </a:p>
+          <a:p>
             <a:r>
-              <a:rPr lang="en-GB" sz="2000" dirty="0">
-                <a:latin typeface="Sequel Sans Medium Disp" panose="020B0503050000020004" pitchFamily="34" charset="77"/>
-              </a:rPr>
-              <a:t>MLIR</a:t>
-            </a:r>
-          </a:p>
-        </p:txBody>
-      </p:sp>
-      <p:sp>
-        <p:nvSpPr>
-          <p:cNvPr id="23" name="CasellaDiTesto 22">
-            <a:extLst>
-              <a:ext uri="{FF2B5EF4-FFF2-40B4-BE49-F238E27FC236}">
-                <a16:creationId xmlns:a16="http://schemas.microsoft.com/office/drawing/2014/main" id="{3034D998-61E6-04B5-4C49-98E3B09A2FF3}"/>
-              </a:ext>
-            </a:extLst>
-          </p:cNvPr>
-          <p:cNvSpPr txBox="1"/>
-          <p:nvPr/>
-        </p:nvSpPr>
-        <p:spPr>
-          <a:xfrm>
-            <a:off x="6002000" y="4307628"/>
-            <a:ext cx="2728386" cy="461665"/>
-          </a:xfrm>
-          <a:prstGeom prst="rect">
-            <a:avLst/>
-          </a:prstGeom>
-          <a:noFill/>
-        </p:spPr>
-        <p:txBody>
-          <a:bodyPr wrap="square" rtlCol="0">
-            <a:spAutoFit/>
-          </a:bodyPr>
-          <a:lstStyle/>
-          <a:p>
-            <a:r>
-              <a:rPr lang="en-GB" sz="1200" dirty="0">
+              <a:rPr lang="en-GB" sz="1700" dirty="0">
                 <a:latin typeface="Sequel Sans Book Head" panose="020B0503050000020004" pitchFamily="34" charset="77"/>
               </a:rPr>
-              <a:t>From PyTorch model implementation to MLIR IR flow</a:t>
+              <a:t>It leverages torch script, an intermediate representation used to generate serializable and optimizable models directly from PyTorch code; it represents the bridge between PyTorch and Torch-MLIR. </a:t>
+            </a:r>
+          </a:p>
+          <a:p>
+            <a:endParaRPr lang="en-GB" sz="1700" dirty="0">
+              <a:latin typeface="Sequel Sans Book Head" panose="020B0503050000020004" pitchFamily="34" charset="77"/>
+            </a:endParaRPr>
+          </a:p>
+          <a:p>
+            <a:r>
+              <a:rPr lang="en-GB" sz="1700" dirty="0">
+                <a:latin typeface="Sequel Sans Book Head" panose="020B0503050000020004" pitchFamily="34" charset="77"/>
+              </a:rPr>
+              <a:t>After having created a set of general rules to adapt different GNN models to torch script, the GCN model has been adapted to Torch Script; then it has been compiled using Torch-MLIR to obtain its MLIR representation.</a:t>
             </a:r>
           </a:p>
         </p:txBody>
@@ -28188,8 +29082,8 @@
         </p:nvSpPr>
         <p:spPr>
           <a:xfrm>
-            <a:off x="605525" y="3508234"/>
-            <a:ext cx="3854826" cy="1477328"/>
+            <a:off x="1018465" y="3977203"/>
+            <a:ext cx="3257028" cy="1077218"/>
           </a:xfrm>
           <a:prstGeom prst="rect">
             <a:avLst/>
@@ -28207,10 +29101,10 @@
               <a:buChar char="§"/>
             </a:pPr>
             <a:r>
-              <a:rPr lang="en-GB" dirty="0">
+              <a:rPr lang="en-GB" sz="1600" dirty="0">
                 <a:latin typeface="Sequel Sans Book Head" panose="020B0503050000020004" pitchFamily="34" charset="77"/>
               </a:rPr>
-              <a:t>high level optimization</a:t>
+              <a:t>High level optimization</a:t>
             </a:r>
           </a:p>
           <a:p>
@@ -28219,10 +29113,10 @@
               <a:buChar char="§"/>
             </a:pPr>
             <a:r>
-              <a:rPr lang="en-GB" dirty="0">
+              <a:rPr lang="en-GB" sz="1600" dirty="0">
                 <a:latin typeface="Sequel Sans Book Head" panose="020B0503050000020004" pitchFamily="34" charset="77"/>
               </a:rPr>
-              <a:t>subset of MLIR optimization    passes </a:t>
+              <a:t>Subset of MLIR passes </a:t>
             </a:r>
           </a:p>
           <a:p>
@@ -28231,18 +29125,18 @@
               <a:buChar char="§"/>
             </a:pPr>
             <a:r>
-              <a:rPr lang="en-GB" dirty="0">
+              <a:rPr lang="en-GB" sz="1600" dirty="0">
                 <a:latin typeface="Sequel Sans Book Head" panose="020B0503050000020004" pitchFamily="34" charset="77"/>
               </a:rPr>
-              <a:t>output represents the input </a:t>
+              <a:t>Output represents the input </a:t>
             </a:r>
             <a:br>
-              <a:rPr lang="en-GB" dirty="0">
+              <a:rPr lang="en-GB" sz="1600" dirty="0">
                 <a:latin typeface="Sequel Sans Book Head" panose="020B0503050000020004" pitchFamily="34" charset="77"/>
               </a:rPr>
             </a:br>
             <a:r>
-              <a:rPr lang="en-GB" dirty="0">
+              <a:rPr lang="en-GB" sz="1600" dirty="0">
                 <a:latin typeface="Sequel Sans Book Head" panose="020B0503050000020004" pitchFamily="34" charset="77"/>
               </a:rPr>
               <a:t>of Panda-Bambu</a:t>
@@ -28264,7 +29158,7 @@
         </p:nvSpPr>
         <p:spPr>
           <a:xfrm>
-            <a:off x="223884" y="1029382"/>
+            <a:off x="575187" y="1634079"/>
             <a:ext cx="3854826" cy="369332"/>
           </a:xfrm>
           <a:prstGeom prst="rect">
@@ -28302,7 +29196,7 @@
         </p:nvSpPr>
         <p:spPr>
           <a:xfrm>
-            <a:off x="3797151" y="1028124"/>
+            <a:off x="4713987" y="1634079"/>
             <a:ext cx="3854826" cy="369332"/>
           </a:xfrm>
           <a:prstGeom prst="rect">
@@ -28340,7 +29234,7 @@
         </p:nvGrpSpPr>
         <p:grpSpPr>
           <a:xfrm>
-            <a:off x="816107" y="1560251"/>
+            <a:off x="1169385" y="2060147"/>
             <a:ext cx="2666430" cy="1748407"/>
             <a:chOff x="950809" y="1560251"/>
             <a:chExt cx="2666430" cy="1748407"/>
@@ -28654,7 +29548,7 @@
         </p:nvGrpSpPr>
         <p:grpSpPr>
           <a:xfrm>
-            <a:off x="4385949" y="1541890"/>
+            <a:off x="5308185" y="2060147"/>
             <a:ext cx="2666430" cy="1748407"/>
             <a:chOff x="5109156" y="1541890"/>
             <a:chExt cx="2666430" cy="1748407"/>
@@ -28968,8 +29862,8 @@
         </p:nvSpPr>
         <p:spPr>
           <a:xfrm>
-            <a:off x="4741162" y="3646733"/>
-            <a:ext cx="3854826" cy="1200329"/>
+            <a:off x="4942411" y="4095602"/>
+            <a:ext cx="3408777" cy="861774"/>
           </a:xfrm>
           <a:prstGeom prst="rect">
             <a:avLst/>
@@ -28987,10 +29881,10 @@
               <a:buChar char="§"/>
             </a:pPr>
             <a:r>
-              <a:rPr lang="en-GB" dirty="0">
+              <a:rPr lang="en-GB" sz="1600" dirty="0">
                 <a:latin typeface="Sequel Sans Book Head" panose="020B0503050000020004" pitchFamily="34" charset="77"/>
               </a:rPr>
-              <a:t>low level optimizations</a:t>
+              <a:t>High-Level Synthesis tool</a:t>
             </a:r>
           </a:p>
           <a:p>
@@ -28999,10 +29893,10 @@
               <a:buChar char="§"/>
             </a:pPr>
             <a:r>
-              <a:rPr lang="en-GB" dirty="0">
+              <a:rPr lang="en-GB" sz="1600" dirty="0">
                 <a:latin typeface="Sequel Sans Book Head" panose="020B0503050000020004" pitchFamily="34" charset="77"/>
               </a:rPr>
-              <a:t>output is the final accelerator</a:t>
+              <a:t>low level optimizations</a:t>
             </a:r>
           </a:p>
           <a:p>
@@ -29011,261 +29905,20 @@
               <a:buChar char="§"/>
             </a:pPr>
             <a:r>
-              <a:rPr lang="en-GB" dirty="0">
+              <a:rPr lang="en-GB" sz="1600" dirty="0">
                 <a:latin typeface="Sequel Sans Book Head" panose="020B0503050000020004" pitchFamily="34" charset="77"/>
               </a:rPr>
-              <a:t>simplified hardware development</a:t>
-            </a:r>
-          </a:p>
-          <a:p>
-            <a:pPr marL="285750" indent="-285750">
-              <a:buFont typeface="Wingdings" pitchFamily="2" charset="2"/>
-              <a:buChar char="§"/>
-            </a:pPr>
-            <a:r>
-              <a:rPr lang="en-GB" dirty="0">
-                <a:latin typeface="Sequel Sans Book Head" panose="020B0503050000020004" pitchFamily="34" charset="77"/>
-              </a:rPr>
-              <a:t>reduces design time and effort</a:t>
+              <a:t>output is the final accelerator</a:t>
             </a:r>
           </a:p>
         </p:txBody>
       </p:sp>
-      <p:grpSp>
-        <p:nvGrpSpPr>
-          <p:cNvPr id="48" name="Gruppo 47">
+      <p:sp>
+        <p:nvSpPr>
+          <p:cNvPr id="6" name="CasellaDiTesto 5">
             <a:extLst>
               <a:ext uri="{FF2B5EF4-FFF2-40B4-BE49-F238E27FC236}">
-                <a16:creationId xmlns:a16="http://schemas.microsoft.com/office/drawing/2014/main" id="{444F5610-8A46-3164-7D8E-DD32FB7040FB}"/>
-              </a:ext>
-            </a:extLst>
-          </p:cNvPr>
-          <p:cNvGrpSpPr/>
-          <p:nvPr/>
-        </p:nvGrpSpPr>
-        <p:grpSpPr>
-          <a:xfrm>
-            <a:off x="6945466" y="1809798"/>
-            <a:ext cx="1569755" cy="1261730"/>
-            <a:chOff x="6945466" y="1809798"/>
-            <a:chExt cx="1569755" cy="1261730"/>
-          </a:xfrm>
-        </p:grpSpPr>
-        <p:sp>
-          <p:nvSpPr>
-            <p:cNvPr id="40" name="CasellaDiTesto 39">
-              <a:extLst>
-                <a:ext uri="{FF2B5EF4-FFF2-40B4-BE49-F238E27FC236}">
-                  <a16:creationId xmlns:a16="http://schemas.microsoft.com/office/drawing/2014/main" id="{308E0013-B767-671E-CBAC-E41906A891B1}"/>
-                </a:ext>
-              </a:extLst>
-            </p:cNvPr>
-            <p:cNvSpPr txBox="1"/>
-            <p:nvPr/>
-          </p:nvSpPr>
-          <p:spPr>
-            <a:xfrm>
-              <a:off x="7347614" y="1809798"/>
-              <a:ext cx="765458" cy="338554"/>
-            </a:xfrm>
-            <a:prstGeom prst="rect">
-              <a:avLst/>
-            </a:prstGeom>
-            <a:noFill/>
-          </p:spPr>
-          <p:txBody>
-            <a:bodyPr wrap="square" rtlCol="0">
-              <a:spAutoFit/>
-            </a:bodyPr>
-            <a:lstStyle/>
-            <a:p>
-              <a:pPr algn="ctr"/>
-              <a:r>
-                <a:rPr lang="en-GB" sz="1600" dirty="0">
-                  <a:latin typeface="Sequel Sans Roman Disp" panose="020B0503050000020004" pitchFamily="34" charset="77"/>
-                </a:rPr>
-                <a:t>C/C++</a:t>
-              </a:r>
-            </a:p>
-          </p:txBody>
-        </p:sp>
-        <p:sp>
-          <p:nvSpPr>
-            <p:cNvPr id="41" name="CasellaDiTesto 40">
-              <a:extLst>
-                <a:ext uri="{FF2B5EF4-FFF2-40B4-BE49-F238E27FC236}">
-                  <a16:creationId xmlns:a16="http://schemas.microsoft.com/office/drawing/2014/main" id="{83EA8E89-83A1-D54E-1CD4-1A7254974817}"/>
-                </a:ext>
-              </a:extLst>
-            </p:cNvPr>
-            <p:cNvSpPr txBox="1"/>
-            <p:nvPr/>
-          </p:nvSpPr>
-          <p:spPr>
-            <a:xfrm>
-              <a:off x="7215317" y="2271385"/>
-              <a:ext cx="1030052" cy="338554"/>
-            </a:xfrm>
-            <a:prstGeom prst="rect">
-              <a:avLst/>
-            </a:prstGeom>
-            <a:noFill/>
-          </p:spPr>
-          <p:txBody>
-            <a:bodyPr wrap="square" rtlCol="0">
-              <a:spAutoFit/>
-            </a:bodyPr>
-            <a:lstStyle/>
-            <a:p>
-              <a:pPr algn="ctr"/>
-              <a:r>
-                <a:rPr lang="en-GB" sz="1600" dirty="0">
-                  <a:latin typeface="Sequel Sans Roman Disp" panose="020B0503050000020004" pitchFamily="34" charset="77"/>
-                </a:rPr>
-                <a:t>HLS tool</a:t>
-              </a:r>
-            </a:p>
-          </p:txBody>
-        </p:sp>
-        <p:sp>
-          <p:nvSpPr>
-            <p:cNvPr id="42" name="CasellaDiTesto 41">
-              <a:extLst>
-                <a:ext uri="{FF2B5EF4-FFF2-40B4-BE49-F238E27FC236}">
-                  <a16:creationId xmlns:a16="http://schemas.microsoft.com/office/drawing/2014/main" id="{0121BFE0-E9B6-EE53-7F49-FB539DBCF77F}"/>
-                </a:ext>
-              </a:extLst>
-            </p:cNvPr>
-            <p:cNvSpPr txBox="1"/>
-            <p:nvPr/>
-          </p:nvSpPr>
-          <p:spPr>
-            <a:xfrm>
-              <a:off x="6945466" y="2732974"/>
-              <a:ext cx="1569755" cy="338554"/>
-            </a:xfrm>
-            <a:prstGeom prst="rect">
-              <a:avLst/>
-            </a:prstGeom>
-            <a:noFill/>
-          </p:spPr>
-          <p:txBody>
-            <a:bodyPr wrap="square" rtlCol="0">
-              <a:spAutoFit/>
-            </a:bodyPr>
-            <a:lstStyle/>
-            <a:p>
-              <a:pPr algn="ctr"/>
-              <a:r>
-                <a:rPr lang="en-GB" sz="1600" dirty="0">
-                  <a:latin typeface="Sequel Sans Roman Disp" panose="020B0503050000020004" pitchFamily="34" charset="77"/>
-                </a:rPr>
-                <a:t>VHDL/Verilog</a:t>
-              </a:r>
-            </a:p>
-          </p:txBody>
-        </p:sp>
-        <p:cxnSp>
-          <p:nvCxnSpPr>
-            <p:cNvPr id="43" name="Connettore 2 42">
-              <a:extLst>
-                <a:ext uri="{FF2B5EF4-FFF2-40B4-BE49-F238E27FC236}">
-                  <a16:creationId xmlns:a16="http://schemas.microsoft.com/office/drawing/2014/main" id="{253637D6-B58D-D1FC-ADAB-0D1662E0557F}"/>
-                </a:ext>
-              </a:extLst>
-            </p:cNvPr>
-            <p:cNvCxnSpPr>
-              <a:cxnSpLocks/>
-            </p:cNvCxnSpPr>
-            <p:nvPr/>
-          </p:nvCxnSpPr>
-          <p:spPr>
-            <a:xfrm>
-              <a:off x="7734122" y="2125634"/>
-              <a:ext cx="0" cy="168469"/>
-            </a:xfrm>
-            <a:prstGeom prst="straightConnector1">
-              <a:avLst/>
-            </a:prstGeom>
-            <a:ln w="15875" cap="flat" cmpd="sng" algn="ctr">
-              <a:solidFill>
-                <a:schemeClr val="accent1"/>
-              </a:solidFill>
-              <a:prstDash val="solid"/>
-              <a:round/>
-              <a:headEnd type="none" w="med" len="med"/>
-              <a:tailEnd type="arrow" w="med" len="med"/>
-            </a:ln>
-          </p:spPr>
-          <p:style>
-            <a:lnRef idx="0">
-              <a:scrgbClr r="0" g="0" b="0"/>
-            </a:lnRef>
-            <a:fillRef idx="0">
-              <a:scrgbClr r="0" g="0" b="0"/>
-            </a:fillRef>
-            <a:effectRef idx="0">
-              <a:scrgbClr r="0" g="0" b="0"/>
-            </a:effectRef>
-            <a:fontRef idx="minor">
-              <a:schemeClr val="tx1"/>
-            </a:fontRef>
-          </p:style>
-        </p:cxnSp>
-        <p:cxnSp>
-          <p:nvCxnSpPr>
-            <p:cNvPr id="44" name="Connettore 2 43">
-              <a:extLst>
-                <a:ext uri="{FF2B5EF4-FFF2-40B4-BE49-F238E27FC236}">
-                  <a16:creationId xmlns:a16="http://schemas.microsoft.com/office/drawing/2014/main" id="{E11F4C2D-85FF-B1F1-E542-045C23E9B6A0}"/>
-                </a:ext>
-              </a:extLst>
-            </p:cNvPr>
-            <p:cNvCxnSpPr>
-              <a:cxnSpLocks/>
-            </p:cNvCxnSpPr>
-            <p:nvPr/>
-          </p:nvCxnSpPr>
-          <p:spPr>
-            <a:xfrm>
-              <a:off x="7733944" y="2587221"/>
-              <a:ext cx="0" cy="168469"/>
-            </a:xfrm>
-            <a:prstGeom prst="straightConnector1">
-              <a:avLst/>
-            </a:prstGeom>
-            <a:ln w="15875" cap="flat" cmpd="sng" algn="ctr">
-              <a:solidFill>
-                <a:schemeClr val="accent1"/>
-              </a:solidFill>
-              <a:prstDash val="solid"/>
-              <a:round/>
-              <a:headEnd type="none" w="med" len="med"/>
-              <a:tailEnd type="arrow" w="med" len="med"/>
-            </a:ln>
-          </p:spPr>
-          <p:style>
-            <a:lnRef idx="0">
-              <a:scrgbClr r="0" g="0" b="0"/>
-            </a:lnRef>
-            <a:fillRef idx="0">
-              <a:scrgbClr r="0" g="0" b="0"/>
-            </a:fillRef>
-            <a:effectRef idx="0">
-              <a:scrgbClr r="0" g="0" b="0"/>
-            </a:effectRef>
-            <a:fontRef idx="minor">
-              <a:schemeClr val="tx1"/>
-            </a:fontRef>
-          </p:style>
-        </p:cxnSp>
-      </p:grpSp>
-      <p:sp>
-        <p:nvSpPr>
-          <p:cNvPr id="47" name="CasellaDiTesto 46">
-            <a:extLst>
-              <a:ext uri="{FF2B5EF4-FFF2-40B4-BE49-F238E27FC236}">
-                <a16:creationId xmlns:a16="http://schemas.microsoft.com/office/drawing/2014/main" id="{19C78B41-C876-9DAB-FD65-4A96475261ED}"/>
+                <a16:creationId xmlns:a16="http://schemas.microsoft.com/office/drawing/2014/main" id="{6E50C418-A9CE-57C7-BFE9-0A2711AE8CB0}"/>
               </a:ext>
             </a:extLst>
           </p:cNvPr>
@@ -29274,8 +29927,8 @@
         </p:nvSpPr>
         <p:spPr>
           <a:xfrm>
-            <a:off x="5802931" y="1277671"/>
-            <a:ext cx="3854826" cy="369332"/>
+            <a:off x="359999" y="877114"/>
+            <a:ext cx="8394594" cy="584775"/>
           </a:xfrm>
           <a:prstGeom prst="rect">
             <a:avLst/>
@@ -29288,16 +29941,12 @@
           </a:bodyPr>
           <a:lstStyle/>
           <a:p>
-            <a:pPr algn="ctr"/>
             <a:r>
-              <a:rPr lang="en-GB" b="1" dirty="0">
-                <a:latin typeface="Sequel Sans Semi Bold Disp" panose="020B0503050000020004" pitchFamily="34" charset="77"/>
+              <a:rPr lang="en-GB" sz="1600" dirty="0">
+                <a:latin typeface="Sequel Sans Book Head" panose="020B0503050000020004" pitchFamily="34" charset="77"/>
               </a:rPr>
-              <a:t>HLS</a:t>
+              <a:t>The synthesizer includes SODA-OPT and PandA-Bambu and represents the final step of the toolchain. which optimizes and synthesizes the MLIR representation, targeting FPGA.</a:t>
             </a:r>
-            <a:endParaRPr lang="en-GB" sz="2000" b="1" dirty="0">
-              <a:latin typeface="Sequel Sans Semi Bold Disp" panose="020B0503050000020004" pitchFamily="34" charset="77"/>
-            </a:endParaRPr>
           </a:p>
         </p:txBody>
       </p:sp>

--- a/docs/presentation/presentation.pptx
+++ b/docs/presentation/presentation.pptx
@@ -4818,7 +4818,7 @@
           <a:p>
             <a:fld id="{B96E2279-029F-964F-A5B1-8676BDA67CCA}" type="datetimeFigureOut">
               <a:rPr lang="it-IT" smtClean="0"/>
-              <a:t>04/10/23</a:t>
+              <a:t>05/10/23</a:t>
             </a:fld>
             <a:endParaRPr lang="it-IT"/>
           </a:p>
@@ -5020,7 +5020,7 @@
           <a:p>
             <a:fld id="{B96E2279-029F-964F-A5B1-8676BDA67CCA}" type="datetimeFigureOut">
               <a:rPr lang="it-IT" smtClean="0"/>
-              <a:t>04/10/23</a:t>
+              <a:t>05/10/23</a:t>
             </a:fld>
             <a:endParaRPr lang="it-IT"/>
           </a:p>
@@ -9985,7 +9985,7 @@
           <a:p>
             <a:fld id="{B96E2279-029F-964F-A5B1-8676BDA67CCA}" type="datetimeFigureOut">
               <a:rPr lang="it-IT" smtClean="0"/>
-              <a:t>04/10/23</a:t>
+              <a:t>05/10/23</a:t>
             </a:fld>
             <a:endParaRPr lang="it-IT"/>
           </a:p>
@@ -10294,7 +10294,7 @@
           <a:p>
             <a:fld id="{B96E2279-029F-964F-A5B1-8676BDA67CCA}" type="datetimeFigureOut">
               <a:rPr lang="it-IT" smtClean="0"/>
-              <a:t>04/10/23</a:t>
+              <a:t>05/10/23</a:t>
             </a:fld>
             <a:endParaRPr lang="it-IT"/>
           </a:p>
@@ -10737,7 +10737,7 @@
           <a:p>
             <a:fld id="{B96E2279-029F-964F-A5B1-8676BDA67CCA}" type="datetimeFigureOut">
               <a:rPr lang="it-IT" smtClean="0"/>
-              <a:t>04/10/23</a:t>
+              <a:t>05/10/23</a:t>
             </a:fld>
             <a:endParaRPr lang="it-IT"/>
           </a:p>
@@ -10878,7 +10878,7 @@
           <a:p>
             <a:fld id="{B96E2279-029F-964F-A5B1-8676BDA67CCA}" type="datetimeFigureOut">
               <a:rPr lang="it-IT" smtClean="0"/>
-              <a:t>04/10/23</a:t>
+              <a:t>05/10/23</a:t>
             </a:fld>
             <a:endParaRPr lang="it-IT"/>
           </a:p>
@@ -10997,7 +10997,7 @@
           <a:p>
             <a:fld id="{B96E2279-029F-964F-A5B1-8676BDA67CCA}" type="datetimeFigureOut">
               <a:rPr lang="it-IT" smtClean="0"/>
-              <a:t>04/10/23</a:t>
+              <a:t>05/10/23</a:t>
             </a:fld>
             <a:endParaRPr lang="it-IT"/>
           </a:p>
@@ -11296,7 +11296,7 @@
           <a:p>
             <a:fld id="{B96E2279-029F-964F-A5B1-8676BDA67CCA}" type="datetimeFigureOut">
               <a:rPr lang="it-IT" smtClean="0"/>
-              <a:t>04/10/23</a:t>
+              <a:t>05/10/23</a:t>
             </a:fld>
             <a:endParaRPr lang="it-IT"/>
           </a:p>
@@ -11575,7 +11575,7 @@
           <a:p>
             <a:fld id="{B96E2279-029F-964F-A5B1-8676BDA67CCA}" type="datetimeFigureOut">
               <a:rPr lang="it-IT" smtClean="0"/>
-              <a:t>04/10/23</a:t>
+              <a:t>05/10/23</a:t>
             </a:fld>
             <a:endParaRPr lang="it-IT"/>
           </a:p>
@@ -22835,7 +22835,7 @@
           <p:nvPr>
             <p:extLst>
               <p:ext uri="{D42A27DB-BD31-4B8C-83A1-F6EECF244321}">
-                <p14:modId xmlns:p14="http://schemas.microsoft.com/office/powerpoint/2010/main" val="1771051117"/>
+                <p14:modId xmlns:p14="http://schemas.microsoft.com/office/powerpoint/2010/main" val="2108498001"/>
               </p:ext>
             </p:extLst>
           </p:nvPr>
@@ -23112,7 +23112,7 @@
                         <a:rPr lang="en-GB" sz="1100" b="1" i="0" dirty="0">
                           <a:latin typeface="Sequel Sans Medium Disp" panose="020B0503050000020004" pitchFamily="34" charset="77"/>
                         </a:rPr>
-                        <a:t>Power (mW)</a:t>
+                        <a:t>Power (W)</a:t>
                       </a:r>
                     </a:p>
                   </a:txBody>
